--- a/docs/learnify-platform-presentation.pptx
+++ b/docs/learnify-platform-presentation.pptx
@@ -22,9 +22,30 @@
     <p:sldId id="270" r:id="rId16"/>
     <p:sldId id="271" r:id="rId17"/>
     <p:sldId id="272" r:id="rId18"/>
+    <p:sldId id="273" r:id="rId19"/>
+    <p:sldId id="274" r:id="rId20"/>
+    <p:sldId id="275" r:id="rId21"/>
+    <p:sldId id="276" r:id="rId22"/>
+    <p:sldId id="277" r:id="rId23"/>
+    <p:sldId id="278" r:id="rId24"/>
+    <p:sldId id="279" r:id="rId25"/>
+    <p:sldId id="280" r:id="rId26"/>
+    <p:sldId id="281" r:id="rId27"/>
+    <p:sldId id="282" r:id="rId28"/>
+    <p:sldId id="283" r:id="rId29"/>
+    <p:sldId id="284" r:id="rId30"/>
+    <p:sldId id="285" r:id="rId31"/>
+    <p:sldId id="286" r:id="rId32"/>
+    <p:sldId id="287" r:id="rId33"/>
+    <p:sldId id="288" r:id="rId34"/>
+    <p:sldId id="289" r:id="rId35"/>
+    <p:sldId id="290" r:id="rId36"/>
+    <p:sldId id="291" r:id="rId37"/>
+    <p:sldId id="292" r:id="rId38"/>
+    <p:sldId id="293" r:id="rId39"/>
   </p:sldIdLst>
   <p:notesMasterIdLst>
-    <p:notesMasterId r:id="rId19"/>
+    <p:notesMasterId r:id="rId40"/>
   </p:notesMasterIdLst>
   <p:sldSz cx="9144000" cy="5143500"/>
   <p:notesSz cx="5143500" cy="9144000"/>
@@ -1264,6 +1285,182 @@
 </p:notes>
 </file>
 
+<file path=ppt/notesSlides/notesSlide18.xml><?xml version="1.0" encoding="utf-8"?>
+<p:notes xmlns:a="http://schemas.openxmlformats.org/drawingml/2006/main" xmlns:r="http://schemas.openxmlformats.org/officeDocument/2006/relationships" xmlns:p="http://schemas.openxmlformats.org/presentationml/2006/main">
+  <p:cSld>
+    <p:spTree>
+      <p:nvGrpSpPr>
+        <p:cNvPr id="1" name=""/>
+        <p:cNvGrpSpPr/>
+        <p:nvPr/>
+      </p:nvGrpSpPr>
+      <p:grpSpPr>
+        <a:xfrm>
+          <a:off x="0" y="0"/>
+          <a:ext cx="0" cy="0"/>
+          <a:chOff x="0" y="0"/>
+          <a:chExt cx="0" cy="0"/>
+        </a:xfrm>
+      </p:grpSpPr>
+      <p:sp>
+        <p:nvSpPr>
+          <p:cNvPr id="2" name="Slide Image Placeholder 1"/>
+          <p:cNvSpPr>
+            <a:spLocks noGrp="1" noRot="1" noChangeAspect="1"/>
+          </p:cNvSpPr>
+          <p:nvPr>
+            <p:ph type="sldImg"/>
+          </p:nvPr>
+        </p:nvSpPr>
+        <p:spPr/>
+      </p:sp>
+      <p:sp>
+        <p:nvSpPr>
+          <p:cNvPr id="3" name="Notes Placeholder 2"/>
+          <p:cNvSpPr>
+            <a:spLocks noGrp="1"/>
+          </p:cNvSpPr>
+          <p:nvPr>
+            <p:ph type="body" idx="1"/>
+          </p:nvPr>
+        </p:nvSpPr>
+        <p:spPr/>
+        <p:txBody>
+          <a:bodyPr/>
+          <a:lstStyle/>
+          <a:p>
+            <a:r>
+              <a:rPr lang="en-US" dirty="0"/>
+              <a:t/>
+            </a:r>
+            <a:endParaRPr lang="en-US" dirty="0"/>
+          </a:p>
+        </p:txBody>
+      </p:sp>
+      <p:sp>
+        <p:nvSpPr>
+          <p:cNvPr id="4" name="Slide Number Placeholder 3"/>
+          <p:cNvSpPr>
+            <a:spLocks noGrp="1"/>
+          </p:cNvSpPr>
+          <p:nvPr>
+            <p:ph type="sldNum" sz="quarter" idx="10"/>
+          </p:nvPr>
+        </p:nvSpPr>
+        <p:spPr/>
+        <p:txBody>
+          <a:bodyPr/>
+          <a:lstStyle/>
+          <a:p>
+            <a:fld id="{F7021451-1387-4CA6-816F-3879F97B5CBC}" type="slidenum">
+              <a:rPr lang="en-US"/>
+              <a:t>18</a:t>
+            </a:fld>
+            <a:endParaRPr lang="en-US"/>
+          </a:p>
+        </p:txBody>
+      </p:sp>
+    </p:spTree>
+    <p:extLst>
+      <p:ext uri="{BB962C8B-B14F-4D97-AF65-F5344CB8AC3E}">
+        <p14:creationId xmlns:p14="http://schemas.microsoft.com/office/powerpoint/2010/main" val="1024086991"/>
+      </p:ext>
+    </p:extLst>
+  </p:cSld>
+  <p:clrMapOvr>
+    <a:masterClrMapping/>
+  </p:clrMapOvr>
+</p:notes>
+</file>
+
+<file path=ppt/notesSlides/notesSlide19.xml><?xml version="1.0" encoding="utf-8"?>
+<p:notes xmlns:a="http://schemas.openxmlformats.org/drawingml/2006/main" xmlns:r="http://schemas.openxmlformats.org/officeDocument/2006/relationships" xmlns:p="http://schemas.openxmlformats.org/presentationml/2006/main">
+  <p:cSld>
+    <p:spTree>
+      <p:nvGrpSpPr>
+        <p:cNvPr id="1" name=""/>
+        <p:cNvGrpSpPr/>
+        <p:nvPr/>
+      </p:nvGrpSpPr>
+      <p:grpSpPr>
+        <a:xfrm>
+          <a:off x="0" y="0"/>
+          <a:ext cx="0" cy="0"/>
+          <a:chOff x="0" y="0"/>
+          <a:chExt cx="0" cy="0"/>
+        </a:xfrm>
+      </p:grpSpPr>
+      <p:sp>
+        <p:nvSpPr>
+          <p:cNvPr id="2" name="Slide Image Placeholder 1"/>
+          <p:cNvSpPr>
+            <a:spLocks noGrp="1" noRot="1" noChangeAspect="1"/>
+          </p:cNvSpPr>
+          <p:nvPr>
+            <p:ph type="sldImg"/>
+          </p:nvPr>
+        </p:nvSpPr>
+        <p:spPr/>
+      </p:sp>
+      <p:sp>
+        <p:nvSpPr>
+          <p:cNvPr id="3" name="Notes Placeholder 2"/>
+          <p:cNvSpPr>
+            <a:spLocks noGrp="1"/>
+          </p:cNvSpPr>
+          <p:nvPr>
+            <p:ph type="body" idx="1"/>
+          </p:nvPr>
+        </p:nvSpPr>
+        <p:spPr/>
+        <p:txBody>
+          <a:bodyPr/>
+          <a:lstStyle/>
+          <a:p>
+            <a:r>
+              <a:rPr lang="en-US" dirty="0"/>
+              <a:t/>
+            </a:r>
+            <a:endParaRPr lang="en-US" dirty="0"/>
+          </a:p>
+        </p:txBody>
+      </p:sp>
+      <p:sp>
+        <p:nvSpPr>
+          <p:cNvPr id="4" name="Slide Number Placeholder 3"/>
+          <p:cNvSpPr>
+            <a:spLocks noGrp="1"/>
+          </p:cNvSpPr>
+          <p:nvPr>
+            <p:ph type="sldNum" sz="quarter" idx="10"/>
+          </p:nvPr>
+        </p:nvSpPr>
+        <p:spPr/>
+        <p:txBody>
+          <a:bodyPr/>
+          <a:lstStyle/>
+          <a:p>
+            <a:fld id="{F7021451-1387-4CA6-816F-3879F97B5CBC}" type="slidenum">
+              <a:rPr lang="en-US"/>
+              <a:t>19</a:t>
+            </a:fld>
+            <a:endParaRPr lang="en-US"/>
+          </a:p>
+        </p:txBody>
+      </p:sp>
+    </p:spTree>
+    <p:extLst>
+      <p:ext uri="{BB962C8B-B14F-4D97-AF65-F5344CB8AC3E}">
+        <p14:creationId xmlns:p14="http://schemas.microsoft.com/office/powerpoint/2010/main" val="1024086991"/>
+      </p:ext>
+    </p:extLst>
+  </p:cSld>
+  <p:clrMapOvr>
+    <a:masterClrMapping/>
+  </p:clrMapOvr>
+</p:notes>
+</file>
+
 <file path=ppt/notesSlides/notesSlide2.xml><?xml version="1.0" encoding="utf-8"?>
 <p:notes xmlns:a="http://schemas.openxmlformats.org/drawingml/2006/main" xmlns:r="http://schemas.openxmlformats.org/officeDocument/2006/relationships" xmlns:p="http://schemas.openxmlformats.org/presentationml/2006/main">
   <p:cSld>
@@ -1334,6 +1531,886 @@
             <a:fld id="{F7021451-1387-4CA6-816F-3879F97B5CBC}" type="slidenum">
               <a:rPr lang="en-US"/>
               <a:t>2</a:t>
+            </a:fld>
+            <a:endParaRPr lang="en-US"/>
+          </a:p>
+        </p:txBody>
+      </p:sp>
+    </p:spTree>
+    <p:extLst>
+      <p:ext uri="{BB962C8B-B14F-4D97-AF65-F5344CB8AC3E}">
+        <p14:creationId xmlns:p14="http://schemas.microsoft.com/office/powerpoint/2010/main" val="1024086991"/>
+      </p:ext>
+    </p:extLst>
+  </p:cSld>
+  <p:clrMapOvr>
+    <a:masterClrMapping/>
+  </p:clrMapOvr>
+</p:notes>
+</file>
+
+<file path=ppt/notesSlides/notesSlide20.xml><?xml version="1.0" encoding="utf-8"?>
+<p:notes xmlns:a="http://schemas.openxmlformats.org/drawingml/2006/main" xmlns:r="http://schemas.openxmlformats.org/officeDocument/2006/relationships" xmlns:p="http://schemas.openxmlformats.org/presentationml/2006/main">
+  <p:cSld>
+    <p:spTree>
+      <p:nvGrpSpPr>
+        <p:cNvPr id="1" name=""/>
+        <p:cNvGrpSpPr/>
+        <p:nvPr/>
+      </p:nvGrpSpPr>
+      <p:grpSpPr>
+        <a:xfrm>
+          <a:off x="0" y="0"/>
+          <a:ext cx="0" cy="0"/>
+          <a:chOff x="0" y="0"/>
+          <a:chExt cx="0" cy="0"/>
+        </a:xfrm>
+      </p:grpSpPr>
+      <p:sp>
+        <p:nvSpPr>
+          <p:cNvPr id="2" name="Slide Image Placeholder 1"/>
+          <p:cNvSpPr>
+            <a:spLocks noGrp="1" noRot="1" noChangeAspect="1"/>
+          </p:cNvSpPr>
+          <p:nvPr>
+            <p:ph type="sldImg"/>
+          </p:nvPr>
+        </p:nvSpPr>
+        <p:spPr/>
+      </p:sp>
+      <p:sp>
+        <p:nvSpPr>
+          <p:cNvPr id="3" name="Notes Placeholder 2"/>
+          <p:cNvSpPr>
+            <a:spLocks noGrp="1"/>
+          </p:cNvSpPr>
+          <p:nvPr>
+            <p:ph type="body" idx="1"/>
+          </p:nvPr>
+        </p:nvSpPr>
+        <p:spPr/>
+        <p:txBody>
+          <a:bodyPr/>
+          <a:lstStyle/>
+          <a:p>
+            <a:r>
+              <a:rPr lang="en-US" dirty="0"/>
+              <a:t/>
+            </a:r>
+            <a:endParaRPr lang="en-US" dirty="0"/>
+          </a:p>
+        </p:txBody>
+      </p:sp>
+      <p:sp>
+        <p:nvSpPr>
+          <p:cNvPr id="4" name="Slide Number Placeholder 3"/>
+          <p:cNvSpPr>
+            <a:spLocks noGrp="1"/>
+          </p:cNvSpPr>
+          <p:nvPr>
+            <p:ph type="sldNum" sz="quarter" idx="10"/>
+          </p:nvPr>
+        </p:nvSpPr>
+        <p:spPr/>
+        <p:txBody>
+          <a:bodyPr/>
+          <a:lstStyle/>
+          <a:p>
+            <a:fld id="{F7021451-1387-4CA6-816F-3879F97B5CBC}" type="slidenum">
+              <a:rPr lang="en-US"/>
+              <a:t>20</a:t>
+            </a:fld>
+            <a:endParaRPr lang="en-US"/>
+          </a:p>
+        </p:txBody>
+      </p:sp>
+    </p:spTree>
+    <p:extLst>
+      <p:ext uri="{BB962C8B-B14F-4D97-AF65-F5344CB8AC3E}">
+        <p14:creationId xmlns:p14="http://schemas.microsoft.com/office/powerpoint/2010/main" val="1024086991"/>
+      </p:ext>
+    </p:extLst>
+  </p:cSld>
+  <p:clrMapOvr>
+    <a:masterClrMapping/>
+  </p:clrMapOvr>
+</p:notes>
+</file>
+
+<file path=ppt/notesSlides/notesSlide21.xml><?xml version="1.0" encoding="utf-8"?>
+<p:notes xmlns:a="http://schemas.openxmlformats.org/drawingml/2006/main" xmlns:r="http://schemas.openxmlformats.org/officeDocument/2006/relationships" xmlns:p="http://schemas.openxmlformats.org/presentationml/2006/main">
+  <p:cSld>
+    <p:spTree>
+      <p:nvGrpSpPr>
+        <p:cNvPr id="1" name=""/>
+        <p:cNvGrpSpPr/>
+        <p:nvPr/>
+      </p:nvGrpSpPr>
+      <p:grpSpPr>
+        <a:xfrm>
+          <a:off x="0" y="0"/>
+          <a:ext cx="0" cy="0"/>
+          <a:chOff x="0" y="0"/>
+          <a:chExt cx="0" cy="0"/>
+        </a:xfrm>
+      </p:grpSpPr>
+      <p:sp>
+        <p:nvSpPr>
+          <p:cNvPr id="2" name="Slide Image Placeholder 1"/>
+          <p:cNvSpPr>
+            <a:spLocks noGrp="1" noRot="1" noChangeAspect="1"/>
+          </p:cNvSpPr>
+          <p:nvPr>
+            <p:ph type="sldImg"/>
+          </p:nvPr>
+        </p:nvSpPr>
+        <p:spPr/>
+      </p:sp>
+      <p:sp>
+        <p:nvSpPr>
+          <p:cNvPr id="3" name="Notes Placeholder 2"/>
+          <p:cNvSpPr>
+            <a:spLocks noGrp="1"/>
+          </p:cNvSpPr>
+          <p:nvPr>
+            <p:ph type="body" idx="1"/>
+          </p:nvPr>
+        </p:nvSpPr>
+        <p:spPr/>
+        <p:txBody>
+          <a:bodyPr/>
+          <a:lstStyle/>
+          <a:p>
+            <a:r>
+              <a:rPr lang="en-US" dirty="0"/>
+              <a:t/>
+            </a:r>
+            <a:endParaRPr lang="en-US" dirty="0"/>
+          </a:p>
+        </p:txBody>
+      </p:sp>
+      <p:sp>
+        <p:nvSpPr>
+          <p:cNvPr id="4" name="Slide Number Placeholder 3"/>
+          <p:cNvSpPr>
+            <a:spLocks noGrp="1"/>
+          </p:cNvSpPr>
+          <p:nvPr>
+            <p:ph type="sldNum" sz="quarter" idx="10"/>
+          </p:nvPr>
+        </p:nvSpPr>
+        <p:spPr/>
+        <p:txBody>
+          <a:bodyPr/>
+          <a:lstStyle/>
+          <a:p>
+            <a:fld id="{F7021451-1387-4CA6-816F-3879F97B5CBC}" type="slidenum">
+              <a:rPr lang="en-US"/>
+              <a:t>21</a:t>
+            </a:fld>
+            <a:endParaRPr lang="en-US"/>
+          </a:p>
+        </p:txBody>
+      </p:sp>
+    </p:spTree>
+    <p:extLst>
+      <p:ext uri="{BB962C8B-B14F-4D97-AF65-F5344CB8AC3E}">
+        <p14:creationId xmlns:p14="http://schemas.microsoft.com/office/powerpoint/2010/main" val="1024086991"/>
+      </p:ext>
+    </p:extLst>
+  </p:cSld>
+  <p:clrMapOvr>
+    <a:masterClrMapping/>
+  </p:clrMapOvr>
+</p:notes>
+</file>
+
+<file path=ppt/notesSlides/notesSlide22.xml><?xml version="1.0" encoding="utf-8"?>
+<p:notes xmlns:a="http://schemas.openxmlformats.org/drawingml/2006/main" xmlns:r="http://schemas.openxmlformats.org/officeDocument/2006/relationships" xmlns:p="http://schemas.openxmlformats.org/presentationml/2006/main">
+  <p:cSld>
+    <p:spTree>
+      <p:nvGrpSpPr>
+        <p:cNvPr id="1" name=""/>
+        <p:cNvGrpSpPr/>
+        <p:nvPr/>
+      </p:nvGrpSpPr>
+      <p:grpSpPr>
+        <a:xfrm>
+          <a:off x="0" y="0"/>
+          <a:ext cx="0" cy="0"/>
+          <a:chOff x="0" y="0"/>
+          <a:chExt cx="0" cy="0"/>
+        </a:xfrm>
+      </p:grpSpPr>
+      <p:sp>
+        <p:nvSpPr>
+          <p:cNvPr id="2" name="Slide Image Placeholder 1"/>
+          <p:cNvSpPr>
+            <a:spLocks noGrp="1" noRot="1" noChangeAspect="1"/>
+          </p:cNvSpPr>
+          <p:nvPr>
+            <p:ph type="sldImg"/>
+          </p:nvPr>
+        </p:nvSpPr>
+        <p:spPr/>
+      </p:sp>
+      <p:sp>
+        <p:nvSpPr>
+          <p:cNvPr id="3" name="Notes Placeholder 2"/>
+          <p:cNvSpPr>
+            <a:spLocks noGrp="1"/>
+          </p:cNvSpPr>
+          <p:nvPr>
+            <p:ph type="body" idx="1"/>
+          </p:nvPr>
+        </p:nvSpPr>
+        <p:spPr/>
+        <p:txBody>
+          <a:bodyPr/>
+          <a:lstStyle/>
+          <a:p>
+            <a:r>
+              <a:rPr lang="en-US" dirty="0"/>
+              <a:t/>
+            </a:r>
+            <a:endParaRPr lang="en-US" dirty="0"/>
+          </a:p>
+        </p:txBody>
+      </p:sp>
+      <p:sp>
+        <p:nvSpPr>
+          <p:cNvPr id="4" name="Slide Number Placeholder 3"/>
+          <p:cNvSpPr>
+            <a:spLocks noGrp="1"/>
+          </p:cNvSpPr>
+          <p:nvPr>
+            <p:ph type="sldNum" sz="quarter" idx="10"/>
+          </p:nvPr>
+        </p:nvSpPr>
+        <p:spPr/>
+        <p:txBody>
+          <a:bodyPr/>
+          <a:lstStyle/>
+          <a:p>
+            <a:fld id="{F7021451-1387-4CA6-816F-3879F97B5CBC}" type="slidenum">
+              <a:rPr lang="en-US"/>
+              <a:t>22</a:t>
+            </a:fld>
+            <a:endParaRPr lang="en-US"/>
+          </a:p>
+        </p:txBody>
+      </p:sp>
+    </p:spTree>
+    <p:extLst>
+      <p:ext uri="{BB962C8B-B14F-4D97-AF65-F5344CB8AC3E}">
+        <p14:creationId xmlns:p14="http://schemas.microsoft.com/office/powerpoint/2010/main" val="1024086991"/>
+      </p:ext>
+    </p:extLst>
+  </p:cSld>
+  <p:clrMapOvr>
+    <a:masterClrMapping/>
+  </p:clrMapOvr>
+</p:notes>
+</file>
+
+<file path=ppt/notesSlides/notesSlide23.xml><?xml version="1.0" encoding="utf-8"?>
+<p:notes xmlns:a="http://schemas.openxmlformats.org/drawingml/2006/main" xmlns:r="http://schemas.openxmlformats.org/officeDocument/2006/relationships" xmlns:p="http://schemas.openxmlformats.org/presentationml/2006/main">
+  <p:cSld>
+    <p:spTree>
+      <p:nvGrpSpPr>
+        <p:cNvPr id="1" name=""/>
+        <p:cNvGrpSpPr/>
+        <p:nvPr/>
+      </p:nvGrpSpPr>
+      <p:grpSpPr>
+        <a:xfrm>
+          <a:off x="0" y="0"/>
+          <a:ext cx="0" cy="0"/>
+          <a:chOff x="0" y="0"/>
+          <a:chExt cx="0" cy="0"/>
+        </a:xfrm>
+      </p:grpSpPr>
+      <p:sp>
+        <p:nvSpPr>
+          <p:cNvPr id="2" name="Slide Image Placeholder 1"/>
+          <p:cNvSpPr>
+            <a:spLocks noGrp="1" noRot="1" noChangeAspect="1"/>
+          </p:cNvSpPr>
+          <p:nvPr>
+            <p:ph type="sldImg"/>
+          </p:nvPr>
+        </p:nvSpPr>
+        <p:spPr/>
+      </p:sp>
+      <p:sp>
+        <p:nvSpPr>
+          <p:cNvPr id="3" name="Notes Placeholder 2"/>
+          <p:cNvSpPr>
+            <a:spLocks noGrp="1"/>
+          </p:cNvSpPr>
+          <p:nvPr>
+            <p:ph type="body" idx="1"/>
+          </p:nvPr>
+        </p:nvSpPr>
+        <p:spPr/>
+        <p:txBody>
+          <a:bodyPr/>
+          <a:lstStyle/>
+          <a:p>
+            <a:r>
+              <a:rPr lang="en-US" dirty="0"/>
+              <a:t/>
+            </a:r>
+            <a:endParaRPr lang="en-US" dirty="0"/>
+          </a:p>
+        </p:txBody>
+      </p:sp>
+      <p:sp>
+        <p:nvSpPr>
+          <p:cNvPr id="4" name="Slide Number Placeholder 3"/>
+          <p:cNvSpPr>
+            <a:spLocks noGrp="1"/>
+          </p:cNvSpPr>
+          <p:nvPr>
+            <p:ph type="sldNum" sz="quarter" idx="10"/>
+          </p:nvPr>
+        </p:nvSpPr>
+        <p:spPr/>
+        <p:txBody>
+          <a:bodyPr/>
+          <a:lstStyle/>
+          <a:p>
+            <a:fld id="{F7021451-1387-4CA6-816F-3879F97B5CBC}" type="slidenum">
+              <a:rPr lang="en-US"/>
+              <a:t>23</a:t>
+            </a:fld>
+            <a:endParaRPr lang="en-US"/>
+          </a:p>
+        </p:txBody>
+      </p:sp>
+    </p:spTree>
+    <p:extLst>
+      <p:ext uri="{BB962C8B-B14F-4D97-AF65-F5344CB8AC3E}">
+        <p14:creationId xmlns:p14="http://schemas.microsoft.com/office/powerpoint/2010/main" val="1024086991"/>
+      </p:ext>
+    </p:extLst>
+  </p:cSld>
+  <p:clrMapOvr>
+    <a:masterClrMapping/>
+  </p:clrMapOvr>
+</p:notes>
+</file>
+
+<file path=ppt/notesSlides/notesSlide24.xml><?xml version="1.0" encoding="utf-8"?>
+<p:notes xmlns:a="http://schemas.openxmlformats.org/drawingml/2006/main" xmlns:r="http://schemas.openxmlformats.org/officeDocument/2006/relationships" xmlns:p="http://schemas.openxmlformats.org/presentationml/2006/main">
+  <p:cSld>
+    <p:spTree>
+      <p:nvGrpSpPr>
+        <p:cNvPr id="1" name=""/>
+        <p:cNvGrpSpPr/>
+        <p:nvPr/>
+      </p:nvGrpSpPr>
+      <p:grpSpPr>
+        <a:xfrm>
+          <a:off x="0" y="0"/>
+          <a:ext cx="0" cy="0"/>
+          <a:chOff x="0" y="0"/>
+          <a:chExt cx="0" cy="0"/>
+        </a:xfrm>
+      </p:grpSpPr>
+      <p:sp>
+        <p:nvSpPr>
+          <p:cNvPr id="2" name="Slide Image Placeholder 1"/>
+          <p:cNvSpPr>
+            <a:spLocks noGrp="1" noRot="1" noChangeAspect="1"/>
+          </p:cNvSpPr>
+          <p:nvPr>
+            <p:ph type="sldImg"/>
+          </p:nvPr>
+        </p:nvSpPr>
+        <p:spPr/>
+      </p:sp>
+      <p:sp>
+        <p:nvSpPr>
+          <p:cNvPr id="3" name="Notes Placeholder 2"/>
+          <p:cNvSpPr>
+            <a:spLocks noGrp="1"/>
+          </p:cNvSpPr>
+          <p:nvPr>
+            <p:ph type="body" idx="1"/>
+          </p:nvPr>
+        </p:nvSpPr>
+        <p:spPr/>
+        <p:txBody>
+          <a:bodyPr/>
+          <a:lstStyle/>
+          <a:p>
+            <a:r>
+              <a:rPr lang="en-US" dirty="0"/>
+              <a:t>Each member presents their module responsibilities and contributions as per the table.</a:t>
+            </a:r>
+            <a:endParaRPr lang="en-US" dirty="0"/>
+          </a:p>
+        </p:txBody>
+      </p:sp>
+      <p:sp>
+        <p:nvSpPr>
+          <p:cNvPr id="4" name="Slide Number Placeholder 3"/>
+          <p:cNvSpPr>
+            <a:spLocks noGrp="1"/>
+          </p:cNvSpPr>
+          <p:nvPr>
+            <p:ph type="sldNum" sz="quarter" idx="10"/>
+          </p:nvPr>
+        </p:nvSpPr>
+        <p:spPr/>
+        <p:txBody>
+          <a:bodyPr/>
+          <a:lstStyle/>
+          <a:p>
+            <a:fld id="{F7021451-1387-4CA6-816F-3879F97B5CBC}" type="slidenum">
+              <a:rPr lang="en-US"/>
+              <a:t>24</a:t>
+            </a:fld>
+            <a:endParaRPr lang="en-US"/>
+          </a:p>
+        </p:txBody>
+      </p:sp>
+    </p:spTree>
+    <p:extLst>
+      <p:ext uri="{BB962C8B-B14F-4D97-AF65-F5344CB8AC3E}">
+        <p14:creationId xmlns:p14="http://schemas.microsoft.com/office/powerpoint/2010/main" val="1024086991"/>
+      </p:ext>
+    </p:extLst>
+  </p:cSld>
+  <p:clrMapOvr>
+    <a:masterClrMapping/>
+  </p:clrMapOvr>
+</p:notes>
+</file>
+
+<file path=ppt/notesSlides/notesSlide25.xml><?xml version="1.0" encoding="utf-8"?>
+<p:notes xmlns:a="http://schemas.openxmlformats.org/drawingml/2006/main" xmlns:r="http://schemas.openxmlformats.org/officeDocument/2006/relationships" xmlns:p="http://schemas.openxmlformats.org/presentationml/2006/main">
+  <p:cSld>
+    <p:spTree>
+      <p:nvGrpSpPr>
+        <p:cNvPr id="1" name=""/>
+        <p:cNvGrpSpPr/>
+        <p:nvPr/>
+      </p:nvGrpSpPr>
+      <p:grpSpPr>
+        <a:xfrm>
+          <a:off x="0" y="0"/>
+          <a:ext cx="0" cy="0"/>
+          <a:chOff x="0" y="0"/>
+          <a:chExt cx="0" cy="0"/>
+        </a:xfrm>
+      </p:grpSpPr>
+      <p:sp>
+        <p:nvSpPr>
+          <p:cNvPr id="2" name="Slide Image Placeholder 1"/>
+          <p:cNvSpPr>
+            <a:spLocks noGrp="1" noRot="1" noChangeAspect="1"/>
+          </p:cNvSpPr>
+          <p:nvPr>
+            <p:ph type="sldImg"/>
+          </p:nvPr>
+        </p:nvSpPr>
+        <p:spPr/>
+      </p:sp>
+      <p:sp>
+        <p:nvSpPr>
+          <p:cNvPr id="3" name="Notes Placeholder 2"/>
+          <p:cNvSpPr>
+            <a:spLocks noGrp="1"/>
+          </p:cNvSpPr>
+          <p:nvPr>
+            <p:ph type="body" idx="1"/>
+          </p:nvPr>
+        </p:nvSpPr>
+        <p:spPr/>
+        <p:txBody>
+          <a:bodyPr/>
+          <a:lstStyle/>
+          <a:p>
+            <a:r>
+              <a:rPr lang="en-US" dirty="0"/>
+              <a:t>Explain auth flow, token lifecycle, RBAC rules, and how middleware protects pages and APIs.</a:t>
+            </a:r>
+            <a:endParaRPr lang="en-US" dirty="0"/>
+          </a:p>
+        </p:txBody>
+      </p:sp>
+      <p:sp>
+        <p:nvSpPr>
+          <p:cNvPr id="4" name="Slide Number Placeholder 3"/>
+          <p:cNvSpPr>
+            <a:spLocks noGrp="1"/>
+          </p:cNvSpPr>
+          <p:nvPr>
+            <p:ph type="sldNum" sz="quarter" idx="10"/>
+          </p:nvPr>
+        </p:nvSpPr>
+        <p:spPr/>
+        <p:txBody>
+          <a:bodyPr/>
+          <a:lstStyle/>
+          <a:p>
+            <a:fld id="{F7021451-1387-4CA6-816F-3879F97B5CBC}" type="slidenum">
+              <a:rPr lang="en-US"/>
+              <a:t>25</a:t>
+            </a:fld>
+            <a:endParaRPr lang="en-US"/>
+          </a:p>
+        </p:txBody>
+      </p:sp>
+    </p:spTree>
+    <p:extLst>
+      <p:ext uri="{BB962C8B-B14F-4D97-AF65-F5344CB8AC3E}">
+        <p14:creationId xmlns:p14="http://schemas.microsoft.com/office/powerpoint/2010/main" val="1024086991"/>
+      </p:ext>
+    </p:extLst>
+  </p:cSld>
+  <p:clrMapOvr>
+    <a:masterClrMapping/>
+  </p:clrMapOvr>
+</p:notes>
+</file>
+
+<file path=ppt/notesSlides/notesSlide26.xml><?xml version="1.0" encoding="utf-8"?>
+<p:notes xmlns:a="http://schemas.openxmlformats.org/drawingml/2006/main" xmlns:r="http://schemas.openxmlformats.org/officeDocument/2006/relationships" xmlns:p="http://schemas.openxmlformats.org/presentationml/2006/main">
+  <p:cSld>
+    <p:spTree>
+      <p:nvGrpSpPr>
+        <p:cNvPr id="1" name=""/>
+        <p:cNvGrpSpPr/>
+        <p:nvPr/>
+      </p:nvGrpSpPr>
+      <p:grpSpPr>
+        <a:xfrm>
+          <a:off x="0" y="0"/>
+          <a:ext cx="0" cy="0"/>
+          <a:chOff x="0" y="0"/>
+          <a:chExt cx="0" cy="0"/>
+        </a:xfrm>
+      </p:grpSpPr>
+      <p:sp>
+        <p:nvSpPr>
+          <p:cNvPr id="2" name="Slide Image Placeholder 1"/>
+          <p:cNvSpPr>
+            <a:spLocks noGrp="1" noRot="1" noChangeAspect="1"/>
+          </p:cNvSpPr>
+          <p:nvPr>
+            <p:ph type="sldImg"/>
+          </p:nvPr>
+        </p:nvSpPr>
+        <p:spPr/>
+      </p:sp>
+      <p:sp>
+        <p:nvSpPr>
+          <p:cNvPr id="3" name="Notes Placeholder 2"/>
+          <p:cNvSpPr>
+            <a:spLocks noGrp="1"/>
+          </p:cNvSpPr>
+          <p:nvPr>
+            <p:ph type="body" idx="1"/>
+          </p:nvPr>
+        </p:nvSpPr>
+        <p:spPr/>
+        <p:txBody>
+          <a:bodyPr/>
+          <a:lstStyle/>
+          <a:p>
+            <a:r>
+              <a:rPr lang="en-US" dirty="0"/>
+              <a:t>Walk through attempt → submit → analyze; highlight data structures and report visuals.</a:t>
+            </a:r>
+            <a:endParaRPr lang="en-US" dirty="0"/>
+          </a:p>
+        </p:txBody>
+      </p:sp>
+      <p:sp>
+        <p:nvSpPr>
+          <p:cNvPr id="4" name="Slide Number Placeholder 3"/>
+          <p:cNvSpPr>
+            <a:spLocks noGrp="1"/>
+          </p:cNvSpPr>
+          <p:nvPr>
+            <p:ph type="sldNum" sz="quarter" idx="10"/>
+          </p:nvPr>
+        </p:nvSpPr>
+        <p:spPr/>
+        <p:txBody>
+          <a:bodyPr/>
+          <a:lstStyle/>
+          <a:p>
+            <a:fld id="{F7021451-1387-4CA6-816F-3879F97B5CBC}" type="slidenum">
+              <a:rPr lang="en-US"/>
+              <a:t>26</a:t>
+            </a:fld>
+            <a:endParaRPr lang="en-US"/>
+          </a:p>
+        </p:txBody>
+      </p:sp>
+    </p:spTree>
+    <p:extLst>
+      <p:ext uri="{BB962C8B-B14F-4D97-AF65-F5344CB8AC3E}">
+        <p14:creationId xmlns:p14="http://schemas.microsoft.com/office/powerpoint/2010/main" val="1024086991"/>
+      </p:ext>
+    </p:extLst>
+  </p:cSld>
+  <p:clrMapOvr>
+    <a:masterClrMapping/>
+  </p:clrMapOvr>
+</p:notes>
+</file>
+
+<file path=ppt/notesSlides/notesSlide27.xml><?xml version="1.0" encoding="utf-8"?>
+<p:notes xmlns:a="http://schemas.openxmlformats.org/drawingml/2006/main" xmlns:r="http://schemas.openxmlformats.org/officeDocument/2006/relationships" xmlns:p="http://schemas.openxmlformats.org/presentationml/2006/main">
+  <p:cSld>
+    <p:spTree>
+      <p:nvGrpSpPr>
+        <p:cNvPr id="1" name=""/>
+        <p:cNvGrpSpPr/>
+        <p:nvPr/>
+      </p:nvGrpSpPr>
+      <p:grpSpPr>
+        <a:xfrm>
+          <a:off x="0" y="0"/>
+          <a:ext cx="0" cy="0"/>
+          <a:chOff x="0" y="0"/>
+          <a:chExt cx="0" cy="0"/>
+        </a:xfrm>
+      </p:grpSpPr>
+      <p:sp>
+        <p:nvSpPr>
+          <p:cNvPr id="2" name="Slide Image Placeholder 1"/>
+          <p:cNvSpPr>
+            <a:spLocks noGrp="1" noRot="1" noChangeAspect="1"/>
+          </p:cNvSpPr>
+          <p:nvPr>
+            <p:ph type="sldImg"/>
+          </p:nvPr>
+        </p:nvSpPr>
+        <p:spPr/>
+      </p:sp>
+      <p:sp>
+        <p:nvSpPr>
+          <p:cNvPr id="3" name="Notes Placeholder 2"/>
+          <p:cNvSpPr>
+            <a:spLocks noGrp="1"/>
+          </p:cNvSpPr>
+          <p:nvPr>
+            <p:ph type="body" idx="1"/>
+          </p:nvPr>
+        </p:nvSpPr>
+        <p:spPr/>
+        <p:txBody>
+          <a:bodyPr/>
+          <a:lstStyle/>
+          <a:p>
+            <a:r>
+              <a:rPr lang="en-US" dirty="0"/>
+              <a:t>Show admin flows and when emails are triggered for lifecycle events.</a:t>
+            </a:r>
+            <a:endParaRPr lang="en-US" dirty="0"/>
+          </a:p>
+        </p:txBody>
+      </p:sp>
+      <p:sp>
+        <p:nvSpPr>
+          <p:cNvPr id="4" name="Slide Number Placeholder 3"/>
+          <p:cNvSpPr>
+            <a:spLocks noGrp="1"/>
+          </p:cNvSpPr>
+          <p:nvPr>
+            <p:ph type="sldNum" sz="quarter" idx="10"/>
+          </p:nvPr>
+        </p:nvSpPr>
+        <p:spPr/>
+        <p:txBody>
+          <a:bodyPr/>
+          <a:lstStyle/>
+          <a:p>
+            <a:fld id="{F7021451-1387-4CA6-816F-3879F97B5CBC}" type="slidenum">
+              <a:rPr lang="en-US"/>
+              <a:t>27</a:t>
+            </a:fld>
+            <a:endParaRPr lang="en-US"/>
+          </a:p>
+        </p:txBody>
+      </p:sp>
+    </p:spTree>
+    <p:extLst>
+      <p:ext uri="{BB962C8B-B14F-4D97-AF65-F5344CB8AC3E}">
+        <p14:creationId xmlns:p14="http://schemas.microsoft.com/office/powerpoint/2010/main" val="1024086991"/>
+      </p:ext>
+    </p:extLst>
+  </p:cSld>
+  <p:clrMapOvr>
+    <a:masterClrMapping/>
+  </p:clrMapOvr>
+</p:notes>
+</file>
+
+<file path=ppt/notesSlides/notesSlide28.xml><?xml version="1.0" encoding="utf-8"?>
+<p:notes xmlns:a="http://schemas.openxmlformats.org/drawingml/2006/main" xmlns:r="http://schemas.openxmlformats.org/officeDocument/2006/relationships" xmlns:p="http://schemas.openxmlformats.org/presentationml/2006/main">
+  <p:cSld>
+    <p:spTree>
+      <p:nvGrpSpPr>
+        <p:cNvPr id="1" name=""/>
+        <p:cNvGrpSpPr/>
+        <p:nvPr/>
+      </p:nvGrpSpPr>
+      <p:grpSpPr>
+        <a:xfrm>
+          <a:off x="0" y="0"/>
+          <a:ext cx="0" cy="0"/>
+          <a:chOff x="0" y="0"/>
+          <a:chExt cx="0" cy="0"/>
+        </a:xfrm>
+      </p:grpSpPr>
+      <p:sp>
+        <p:nvSpPr>
+          <p:cNvPr id="2" name="Slide Image Placeholder 1"/>
+          <p:cNvSpPr>
+            <a:spLocks noGrp="1" noRot="1" noChangeAspect="1"/>
+          </p:cNvSpPr>
+          <p:nvPr>
+            <p:ph type="sldImg"/>
+          </p:nvPr>
+        </p:nvSpPr>
+        <p:spPr/>
+      </p:sp>
+      <p:sp>
+        <p:nvSpPr>
+          <p:cNvPr id="3" name="Notes Placeholder 2"/>
+          <p:cNvSpPr>
+            <a:spLocks noGrp="1"/>
+          </p:cNvSpPr>
+          <p:nvPr>
+            <p:ph type="body" idx="1"/>
+          </p:nvPr>
+        </p:nvSpPr>
+        <p:spPr/>
+        <p:txBody>
+          <a:bodyPr/>
+          <a:lstStyle/>
+          <a:p>
+            <a:r>
+              <a:rPr lang="en-US" dirty="0"/>
+              <a:t>Emphasize ease of navigation and responsiveness across devices.</a:t>
+            </a:r>
+            <a:endParaRPr lang="en-US" dirty="0"/>
+          </a:p>
+        </p:txBody>
+      </p:sp>
+      <p:sp>
+        <p:nvSpPr>
+          <p:cNvPr id="4" name="Slide Number Placeholder 3"/>
+          <p:cNvSpPr>
+            <a:spLocks noGrp="1"/>
+          </p:cNvSpPr>
+          <p:nvPr>
+            <p:ph type="sldNum" sz="quarter" idx="10"/>
+          </p:nvPr>
+        </p:nvSpPr>
+        <p:spPr/>
+        <p:txBody>
+          <a:bodyPr/>
+          <a:lstStyle/>
+          <a:p>
+            <a:fld id="{F7021451-1387-4CA6-816F-3879F97B5CBC}" type="slidenum">
+              <a:rPr lang="en-US"/>
+              <a:t>28</a:t>
+            </a:fld>
+            <a:endParaRPr lang="en-US"/>
+          </a:p>
+        </p:txBody>
+      </p:sp>
+    </p:spTree>
+    <p:extLst>
+      <p:ext uri="{BB962C8B-B14F-4D97-AF65-F5344CB8AC3E}">
+        <p14:creationId xmlns:p14="http://schemas.microsoft.com/office/powerpoint/2010/main" val="1024086991"/>
+      </p:ext>
+    </p:extLst>
+  </p:cSld>
+  <p:clrMapOvr>
+    <a:masterClrMapping/>
+  </p:clrMapOvr>
+</p:notes>
+</file>
+
+<file path=ppt/notesSlides/notesSlide29.xml><?xml version="1.0" encoding="utf-8"?>
+<p:notes xmlns:a="http://schemas.openxmlformats.org/drawingml/2006/main" xmlns:r="http://schemas.openxmlformats.org/officeDocument/2006/relationships" xmlns:p="http://schemas.openxmlformats.org/presentationml/2006/main">
+  <p:cSld>
+    <p:spTree>
+      <p:nvGrpSpPr>
+        <p:cNvPr id="1" name=""/>
+        <p:cNvGrpSpPr/>
+        <p:nvPr/>
+      </p:nvGrpSpPr>
+      <p:grpSpPr>
+        <a:xfrm>
+          <a:off x="0" y="0"/>
+          <a:ext cx="0" cy="0"/>
+          <a:chOff x="0" y="0"/>
+          <a:chExt cx="0" cy="0"/>
+        </a:xfrm>
+      </p:grpSpPr>
+      <p:sp>
+        <p:nvSpPr>
+          <p:cNvPr id="2" name="Slide Image Placeholder 1"/>
+          <p:cNvSpPr>
+            <a:spLocks noGrp="1" noRot="1" noChangeAspect="1"/>
+          </p:cNvSpPr>
+          <p:nvPr>
+            <p:ph type="sldImg"/>
+          </p:nvPr>
+        </p:nvSpPr>
+        <p:spPr/>
+      </p:sp>
+      <p:sp>
+        <p:nvSpPr>
+          <p:cNvPr id="3" name="Notes Placeholder 2"/>
+          <p:cNvSpPr>
+            <a:spLocks noGrp="1"/>
+          </p:cNvSpPr>
+          <p:nvPr>
+            <p:ph type="body" idx="1"/>
+          </p:nvPr>
+        </p:nvSpPr>
+        <p:spPr/>
+        <p:txBody>
+          <a:bodyPr/>
+          <a:lstStyle/>
+          <a:p>
+            <a:r>
+              <a:rPr lang="en-US" dirty="0"/>
+              <a:t>Highlight reliability: automated checks, minimal tests, and documentation quality.</a:t>
+            </a:r>
+            <a:endParaRPr lang="en-US" dirty="0"/>
+          </a:p>
+        </p:txBody>
+      </p:sp>
+      <p:sp>
+        <p:nvSpPr>
+          <p:cNvPr id="4" name="Slide Number Placeholder 3"/>
+          <p:cNvSpPr>
+            <a:spLocks noGrp="1"/>
+          </p:cNvSpPr>
+          <p:nvPr>
+            <p:ph type="sldNum" sz="quarter" idx="10"/>
+          </p:nvPr>
+        </p:nvSpPr>
+        <p:spPr/>
+        <p:txBody>
+          <a:bodyPr/>
+          <a:lstStyle/>
+          <a:p>
+            <a:fld id="{F7021451-1387-4CA6-816F-3879F97B5CBC}" type="slidenum">
+              <a:rPr lang="en-US"/>
+              <a:t>29</a:t>
             </a:fld>
             <a:endParaRPr lang="en-US"/>
           </a:p>
@@ -1422,6 +2499,798 @@
             <a:fld id="{F7021451-1387-4CA6-816F-3879F97B5CBC}" type="slidenum">
               <a:rPr lang="en-US"/>
               <a:t>3</a:t>
+            </a:fld>
+            <a:endParaRPr lang="en-US"/>
+          </a:p>
+        </p:txBody>
+      </p:sp>
+    </p:spTree>
+    <p:extLst>
+      <p:ext uri="{BB962C8B-B14F-4D97-AF65-F5344CB8AC3E}">
+        <p14:creationId xmlns:p14="http://schemas.microsoft.com/office/powerpoint/2010/main" val="1024086991"/>
+      </p:ext>
+    </p:extLst>
+  </p:cSld>
+  <p:clrMapOvr>
+    <a:masterClrMapping/>
+  </p:clrMapOvr>
+</p:notes>
+</file>
+
+<file path=ppt/notesSlides/notesSlide30.xml><?xml version="1.0" encoding="utf-8"?>
+<p:notes xmlns:a="http://schemas.openxmlformats.org/drawingml/2006/main" xmlns:r="http://schemas.openxmlformats.org/officeDocument/2006/relationships" xmlns:p="http://schemas.openxmlformats.org/presentationml/2006/main">
+  <p:cSld>
+    <p:spTree>
+      <p:nvGrpSpPr>
+        <p:cNvPr id="1" name=""/>
+        <p:cNvGrpSpPr/>
+        <p:nvPr/>
+      </p:nvGrpSpPr>
+      <p:grpSpPr>
+        <a:xfrm>
+          <a:off x="0" y="0"/>
+          <a:ext cx="0" cy="0"/>
+          <a:chOff x="0" y="0"/>
+          <a:chExt cx="0" cy="0"/>
+        </a:xfrm>
+      </p:grpSpPr>
+      <p:sp>
+        <p:nvSpPr>
+          <p:cNvPr id="2" name="Slide Image Placeholder 1"/>
+          <p:cNvSpPr>
+            <a:spLocks noGrp="1" noRot="1" noChangeAspect="1"/>
+          </p:cNvSpPr>
+          <p:nvPr>
+            <p:ph type="sldImg"/>
+          </p:nvPr>
+        </p:nvSpPr>
+        <p:spPr/>
+      </p:sp>
+      <p:sp>
+        <p:nvSpPr>
+          <p:cNvPr id="3" name="Notes Placeholder 2"/>
+          <p:cNvSpPr>
+            <a:spLocks noGrp="1"/>
+          </p:cNvSpPr>
+          <p:nvPr>
+            <p:ph type="body" idx="1"/>
+          </p:nvPr>
+        </p:nvSpPr>
+        <p:spPr/>
+        <p:txBody>
+          <a:bodyPr/>
+          <a:lstStyle/>
+          <a:p>
+            <a:r>
+              <a:rPr lang="en-US" dirty="0"/>
+              <a:t>Show before/after polish screens; mention a11y considerations.</a:t>
+            </a:r>
+            <a:endParaRPr lang="en-US" dirty="0"/>
+          </a:p>
+        </p:txBody>
+      </p:sp>
+      <p:sp>
+        <p:nvSpPr>
+          <p:cNvPr id="4" name="Slide Number Placeholder 3"/>
+          <p:cNvSpPr>
+            <a:spLocks noGrp="1"/>
+          </p:cNvSpPr>
+          <p:nvPr>
+            <p:ph type="sldNum" sz="quarter" idx="10"/>
+          </p:nvPr>
+        </p:nvSpPr>
+        <p:spPr/>
+        <p:txBody>
+          <a:bodyPr/>
+          <a:lstStyle/>
+          <a:p>
+            <a:fld id="{F7021451-1387-4CA6-816F-3879F97B5CBC}" type="slidenum">
+              <a:rPr lang="en-US"/>
+              <a:t>30</a:t>
+            </a:fld>
+            <a:endParaRPr lang="en-US"/>
+          </a:p>
+        </p:txBody>
+      </p:sp>
+    </p:spTree>
+    <p:extLst>
+      <p:ext uri="{BB962C8B-B14F-4D97-AF65-F5344CB8AC3E}">
+        <p14:creationId xmlns:p14="http://schemas.microsoft.com/office/powerpoint/2010/main" val="1024086991"/>
+      </p:ext>
+    </p:extLst>
+  </p:cSld>
+  <p:clrMapOvr>
+    <a:masterClrMapping/>
+  </p:clrMapOvr>
+</p:notes>
+</file>
+
+<file path=ppt/notesSlides/notesSlide31.xml><?xml version="1.0" encoding="utf-8"?>
+<p:notes xmlns:a="http://schemas.openxmlformats.org/drawingml/2006/main" xmlns:r="http://schemas.openxmlformats.org/officeDocument/2006/relationships" xmlns:p="http://schemas.openxmlformats.org/presentationml/2006/main">
+  <p:cSld>
+    <p:spTree>
+      <p:nvGrpSpPr>
+        <p:cNvPr id="1" name=""/>
+        <p:cNvGrpSpPr/>
+        <p:nvPr/>
+      </p:nvGrpSpPr>
+      <p:grpSpPr>
+        <a:xfrm>
+          <a:off x="0" y="0"/>
+          <a:ext cx="0" cy="0"/>
+          <a:chOff x="0" y="0"/>
+          <a:chExt cx="0" cy="0"/>
+        </a:xfrm>
+      </p:grpSpPr>
+      <p:sp>
+        <p:nvSpPr>
+          <p:cNvPr id="2" name="Slide Image Placeholder 1"/>
+          <p:cNvSpPr>
+            <a:spLocks noGrp="1" noRot="1" noChangeAspect="1"/>
+          </p:cNvSpPr>
+          <p:nvPr>
+            <p:ph type="sldImg"/>
+          </p:nvPr>
+        </p:nvSpPr>
+        <p:spPr/>
+      </p:sp>
+      <p:sp>
+        <p:nvSpPr>
+          <p:cNvPr id="3" name="Notes Placeholder 2"/>
+          <p:cNvSpPr>
+            <a:spLocks noGrp="1"/>
+          </p:cNvSpPr>
+          <p:nvPr>
+            <p:ph type="body" idx="1"/>
+          </p:nvPr>
+        </p:nvSpPr>
+        <p:spPr/>
+        <p:txBody>
+          <a:bodyPr/>
+          <a:lstStyle/>
+          <a:p>
+            <a:r>
+              <a:rPr lang="en-US" dirty="0"/>
+              <a:t/>
+            </a:r>
+            <a:endParaRPr lang="en-US" dirty="0"/>
+          </a:p>
+        </p:txBody>
+      </p:sp>
+      <p:sp>
+        <p:nvSpPr>
+          <p:cNvPr id="4" name="Slide Number Placeholder 3"/>
+          <p:cNvSpPr>
+            <a:spLocks noGrp="1"/>
+          </p:cNvSpPr>
+          <p:nvPr>
+            <p:ph type="sldNum" sz="quarter" idx="10"/>
+          </p:nvPr>
+        </p:nvSpPr>
+        <p:spPr/>
+        <p:txBody>
+          <a:bodyPr/>
+          <a:lstStyle/>
+          <a:p>
+            <a:fld id="{F7021451-1387-4CA6-816F-3879F97B5CBC}" type="slidenum">
+              <a:rPr lang="en-US"/>
+              <a:t>31</a:t>
+            </a:fld>
+            <a:endParaRPr lang="en-US"/>
+          </a:p>
+        </p:txBody>
+      </p:sp>
+    </p:spTree>
+    <p:extLst>
+      <p:ext uri="{BB962C8B-B14F-4D97-AF65-F5344CB8AC3E}">
+        <p14:creationId xmlns:p14="http://schemas.microsoft.com/office/powerpoint/2010/main" val="1024086991"/>
+      </p:ext>
+    </p:extLst>
+  </p:cSld>
+  <p:clrMapOvr>
+    <a:masterClrMapping/>
+  </p:clrMapOvr>
+</p:notes>
+</file>
+
+<file path=ppt/notesSlides/notesSlide32.xml><?xml version="1.0" encoding="utf-8"?>
+<p:notes xmlns:a="http://schemas.openxmlformats.org/drawingml/2006/main" xmlns:r="http://schemas.openxmlformats.org/officeDocument/2006/relationships" xmlns:p="http://schemas.openxmlformats.org/presentationml/2006/main">
+  <p:cSld>
+    <p:spTree>
+      <p:nvGrpSpPr>
+        <p:cNvPr id="1" name=""/>
+        <p:cNvGrpSpPr/>
+        <p:nvPr/>
+      </p:nvGrpSpPr>
+      <p:grpSpPr>
+        <a:xfrm>
+          <a:off x="0" y="0"/>
+          <a:ext cx="0" cy="0"/>
+          <a:chOff x="0" y="0"/>
+          <a:chExt cx="0" cy="0"/>
+        </a:xfrm>
+      </p:grpSpPr>
+      <p:sp>
+        <p:nvSpPr>
+          <p:cNvPr id="2" name="Slide Image Placeholder 1"/>
+          <p:cNvSpPr>
+            <a:spLocks noGrp="1" noRot="1" noChangeAspect="1"/>
+          </p:cNvSpPr>
+          <p:nvPr>
+            <p:ph type="sldImg"/>
+          </p:nvPr>
+        </p:nvSpPr>
+        <p:spPr/>
+      </p:sp>
+      <p:sp>
+        <p:nvSpPr>
+          <p:cNvPr id="3" name="Notes Placeholder 2"/>
+          <p:cNvSpPr>
+            <a:spLocks noGrp="1"/>
+          </p:cNvSpPr>
+          <p:nvPr>
+            <p:ph type="body" idx="1"/>
+          </p:nvPr>
+        </p:nvSpPr>
+        <p:spPr/>
+        <p:txBody>
+          <a:bodyPr/>
+          <a:lstStyle/>
+          <a:p>
+            <a:r>
+              <a:rPr lang="en-US" dirty="0"/>
+              <a:t/>
+            </a:r>
+            <a:endParaRPr lang="en-US" dirty="0"/>
+          </a:p>
+        </p:txBody>
+      </p:sp>
+      <p:sp>
+        <p:nvSpPr>
+          <p:cNvPr id="4" name="Slide Number Placeholder 3"/>
+          <p:cNvSpPr>
+            <a:spLocks noGrp="1"/>
+          </p:cNvSpPr>
+          <p:nvPr>
+            <p:ph type="sldNum" sz="quarter" idx="10"/>
+          </p:nvPr>
+        </p:nvSpPr>
+        <p:spPr/>
+        <p:txBody>
+          <a:bodyPr/>
+          <a:lstStyle/>
+          <a:p>
+            <a:fld id="{F7021451-1387-4CA6-816F-3879F97B5CBC}" type="slidenum">
+              <a:rPr lang="en-US"/>
+              <a:t>32</a:t>
+            </a:fld>
+            <a:endParaRPr lang="en-US"/>
+          </a:p>
+        </p:txBody>
+      </p:sp>
+    </p:spTree>
+    <p:extLst>
+      <p:ext uri="{BB962C8B-B14F-4D97-AF65-F5344CB8AC3E}">
+        <p14:creationId xmlns:p14="http://schemas.microsoft.com/office/powerpoint/2010/main" val="1024086991"/>
+      </p:ext>
+    </p:extLst>
+  </p:cSld>
+  <p:clrMapOvr>
+    <a:masterClrMapping/>
+  </p:clrMapOvr>
+</p:notes>
+</file>
+
+<file path=ppt/notesSlides/notesSlide33.xml><?xml version="1.0" encoding="utf-8"?>
+<p:notes xmlns:a="http://schemas.openxmlformats.org/drawingml/2006/main" xmlns:r="http://schemas.openxmlformats.org/officeDocument/2006/relationships" xmlns:p="http://schemas.openxmlformats.org/presentationml/2006/main">
+  <p:cSld>
+    <p:spTree>
+      <p:nvGrpSpPr>
+        <p:cNvPr id="1" name=""/>
+        <p:cNvGrpSpPr/>
+        <p:nvPr/>
+      </p:nvGrpSpPr>
+      <p:grpSpPr>
+        <a:xfrm>
+          <a:off x="0" y="0"/>
+          <a:ext cx="0" cy="0"/>
+          <a:chOff x="0" y="0"/>
+          <a:chExt cx="0" cy="0"/>
+        </a:xfrm>
+      </p:grpSpPr>
+      <p:sp>
+        <p:nvSpPr>
+          <p:cNvPr id="2" name="Slide Image Placeholder 1"/>
+          <p:cNvSpPr>
+            <a:spLocks noGrp="1" noRot="1" noChangeAspect="1"/>
+          </p:cNvSpPr>
+          <p:nvPr>
+            <p:ph type="sldImg"/>
+          </p:nvPr>
+        </p:nvSpPr>
+        <p:spPr/>
+      </p:sp>
+      <p:sp>
+        <p:nvSpPr>
+          <p:cNvPr id="3" name="Notes Placeholder 2"/>
+          <p:cNvSpPr>
+            <a:spLocks noGrp="1"/>
+          </p:cNvSpPr>
+          <p:nvPr>
+            <p:ph type="body" idx="1"/>
+          </p:nvPr>
+        </p:nvSpPr>
+        <p:spPr/>
+        <p:txBody>
+          <a:bodyPr/>
+          <a:lstStyle/>
+          <a:p>
+            <a:r>
+              <a:rPr lang="en-US" dirty="0"/>
+              <a:t/>
+            </a:r>
+            <a:endParaRPr lang="en-US" dirty="0"/>
+          </a:p>
+        </p:txBody>
+      </p:sp>
+      <p:sp>
+        <p:nvSpPr>
+          <p:cNvPr id="4" name="Slide Number Placeholder 3"/>
+          <p:cNvSpPr>
+            <a:spLocks noGrp="1"/>
+          </p:cNvSpPr>
+          <p:nvPr>
+            <p:ph type="sldNum" sz="quarter" idx="10"/>
+          </p:nvPr>
+        </p:nvSpPr>
+        <p:spPr/>
+        <p:txBody>
+          <a:bodyPr/>
+          <a:lstStyle/>
+          <a:p>
+            <a:fld id="{F7021451-1387-4CA6-816F-3879F97B5CBC}" type="slidenum">
+              <a:rPr lang="en-US"/>
+              <a:t>33</a:t>
+            </a:fld>
+            <a:endParaRPr lang="en-US"/>
+          </a:p>
+        </p:txBody>
+      </p:sp>
+    </p:spTree>
+    <p:extLst>
+      <p:ext uri="{BB962C8B-B14F-4D97-AF65-F5344CB8AC3E}">
+        <p14:creationId xmlns:p14="http://schemas.microsoft.com/office/powerpoint/2010/main" val="1024086991"/>
+      </p:ext>
+    </p:extLst>
+  </p:cSld>
+  <p:clrMapOvr>
+    <a:masterClrMapping/>
+  </p:clrMapOvr>
+</p:notes>
+</file>
+
+<file path=ppt/notesSlides/notesSlide34.xml><?xml version="1.0" encoding="utf-8"?>
+<p:notes xmlns:a="http://schemas.openxmlformats.org/drawingml/2006/main" xmlns:r="http://schemas.openxmlformats.org/officeDocument/2006/relationships" xmlns:p="http://schemas.openxmlformats.org/presentationml/2006/main">
+  <p:cSld>
+    <p:spTree>
+      <p:nvGrpSpPr>
+        <p:cNvPr id="1" name=""/>
+        <p:cNvGrpSpPr/>
+        <p:nvPr/>
+      </p:nvGrpSpPr>
+      <p:grpSpPr>
+        <a:xfrm>
+          <a:off x="0" y="0"/>
+          <a:ext cx="0" cy="0"/>
+          <a:chOff x="0" y="0"/>
+          <a:chExt cx="0" cy="0"/>
+        </a:xfrm>
+      </p:grpSpPr>
+      <p:sp>
+        <p:nvSpPr>
+          <p:cNvPr id="2" name="Slide Image Placeholder 1"/>
+          <p:cNvSpPr>
+            <a:spLocks noGrp="1" noRot="1" noChangeAspect="1"/>
+          </p:cNvSpPr>
+          <p:nvPr>
+            <p:ph type="sldImg"/>
+          </p:nvPr>
+        </p:nvSpPr>
+        <p:spPr/>
+      </p:sp>
+      <p:sp>
+        <p:nvSpPr>
+          <p:cNvPr id="3" name="Notes Placeholder 2"/>
+          <p:cNvSpPr>
+            <a:spLocks noGrp="1"/>
+          </p:cNvSpPr>
+          <p:nvPr>
+            <p:ph type="body" idx="1"/>
+          </p:nvPr>
+        </p:nvSpPr>
+        <p:spPr/>
+        <p:txBody>
+          <a:bodyPr/>
+          <a:lstStyle/>
+          <a:p>
+            <a:r>
+              <a:rPr lang="en-US" dirty="0"/>
+              <a:t/>
+            </a:r>
+            <a:endParaRPr lang="en-US" dirty="0"/>
+          </a:p>
+        </p:txBody>
+      </p:sp>
+      <p:sp>
+        <p:nvSpPr>
+          <p:cNvPr id="4" name="Slide Number Placeholder 3"/>
+          <p:cNvSpPr>
+            <a:spLocks noGrp="1"/>
+          </p:cNvSpPr>
+          <p:nvPr>
+            <p:ph type="sldNum" sz="quarter" idx="10"/>
+          </p:nvPr>
+        </p:nvSpPr>
+        <p:spPr/>
+        <p:txBody>
+          <a:bodyPr/>
+          <a:lstStyle/>
+          <a:p>
+            <a:fld id="{F7021451-1387-4CA6-816F-3879F97B5CBC}" type="slidenum">
+              <a:rPr lang="en-US"/>
+              <a:t>34</a:t>
+            </a:fld>
+            <a:endParaRPr lang="en-US"/>
+          </a:p>
+        </p:txBody>
+      </p:sp>
+    </p:spTree>
+    <p:extLst>
+      <p:ext uri="{BB962C8B-B14F-4D97-AF65-F5344CB8AC3E}">
+        <p14:creationId xmlns:p14="http://schemas.microsoft.com/office/powerpoint/2010/main" val="1024086991"/>
+      </p:ext>
+    </p:extLst>
+  </p:cSld>
+  <p:clrMapOvr>
+    <a:masterClrMapping/>
+  </p:clrMapOvr>
+</p:notes>
+</file>
+
+<file path=ppt/notesSlides/notesSlide35.xml><?xml version="1.0" encoding="utf-8"?>
+<p:notes xmlns:a="http://schemas.openxmlformats.org/drawingml/2006/main" xmlns:r="http://schemas.openxmlformats.org/officeDocument/2006/relationships" xmlns:p="http://schemas.openxmlformats.org/presentationml/2006/main">
+  <p:cSld>
+    <p:spTree>
+      <p:nvGrpSpPr>
+        <p:cNvPr id="1" name=""/>
+        <p:cNvGrpSpPr/>
+        <p:nvPr/>
+      </p:nvGrpSpPr>
+      <p:grpSpPr>
+        <a:xfrm>
+          <a:off x="0" y="0"/>
+          <a:ext cx="0" cy="0"/>
+          <a:chOff x="0" y="0"/>
+          <a:chExt cx="0" cy="0"/>
+        </a:xfrm>
+      </p:grpSpPr>
+      <p:sp>
+        <p:nvSpPr>
+          <p:cNvPr id="2" name="Slide Image Placeholder 1"/>
+          <p:cNvSpPr>
+            <a:spLocks noGrp="1" noRot="1" noChangeAspect="1"/>
+          </p:cNvSpPr>
+          <p:nvPr>
+            <p:ph type="sldImg"/>
+          </p:nvPr>
+        </p:nvSpPr>
+        <p:spPr/>
+      </p:sp>
+      <p:sp>
+        <p:nvSpPr>
+          <p:cNvPr id="3" name="Notes Placeholder 2"/>
+          <p:cNvSpPr>
+            <a:spLocks noGrp="1"/>
+          </p:cNvSpPr>
+          <p:nvPr>
+            <p:ph type="body" idx="1"/>
+          </p:nvPr>
+        </p:nvSpPr>
+        <p:spPr/>
+        <p:txBody>
+          <a:bodyPr/>
+          <a:lstStyle/>
+          <a:p>
+            <a:r>
+              <a:rPr lang="en-US" dirty="0"/>
+              <a:t/>
+            </a:r>
+            <a:endParaRPr lang="en-US" dirty="0"/>
+          </a:p>
+        </p:txBody>
+      </p:sp>
+      <p:sp>
+        <p:nvSpPr>
+          <p:cNvPr id="4" name="Slide Number Placeholder 3"/>
+          <p:cNvSpPr>
+            <a:spLocks noGrp="1"/>
+          </p:cNvSpPr>
+          <p:nvPr>
+            <p:ph type="sldNum" sz="quarter" idx="10"/>
+          </p:nvPr>
+        </p:nvSpPr>
+        <p:spPr/>
+        <p:txBody>
+          <a:bodyPr/>
+          <a:lstStyle/>
+          <a:p>
+            <a:fld id="{F7021451-1387-4CA6-816F-3879F97B5CBC}" type="slidenum">
+              <a:rPr lang="en-US"/>
+              <a:t>35</a:t>
+            </a:fld>
+            <a:endParaRPr lang="en-US"/>
+          </a:p>
+        </p:txBody>
+      </p:sp>
+    </p:spTree>
+    <p:extLst>
+      <p:ext uri="{BB962C8B-B14F-4D97-AF65-F5344CB8AC3E}">
+        <p14:creationId xmlns:p14="http://schemas.microsoft.com/office/powerpoint/2010/main" val="1024086991"/>
+      </p:ext>
+    </p:extLst>
+  </p:cSld>
+  <p:clrMapOvr>
+    <a:masterClrMapping/>
+  </p:clrMapOvr>
+</p:notes>
+</file>
+
+<file path=ppt/notesSlides/notesSlide36.xml><?xml version="1.0" encoding="utf-8"?>
+<p:notes xmlns:a="http://schemas.openxmlformats.org/drawingml/2006/main" xmlns:r="http://schemas.openxmlformats.org/officeDocument/2006/relationships" xmlns:p="http://schemas.openxmlformats.org/presentationml/2006/main">
+  <p:cSld>
+    <p:spTree>
+      <p:nvGrpSpPr>
+        <p:cNvPr id="1" name=""/>
+        <p:cNvGrpSpPr/>
+        <p:nvPr/>
+      </p:nvGrpSpPr>
+      <p:grpSpPr>
+        <a:xfrm>
+          <a:off x="0" y="0"/>
+          <a:ext cx="0" cy="0"/>
+          <a:chOff x="0" y="0"/>
+          <a:chExt cx="0" cy="0"/>
+        </a:xfrm>
+      </p:grpSpPr>
+      <p:sp>
+        <p:nvSpPr>
+          <p:cNvPr id="2" name="Slide Image Placeholder 1"/>
+          <p:cNvSpPr>
+            <a:spLocks noGrp="1" noRot="1" noChangeAspect="1"/>
+          </p:cNvSpPr>
+          <p:nvPr>
+            <p:ph type="sldImg"/>
+          </p:nvPr>
+        </p:nvSpPr>
+        <p:spPr/>
+      </p:sp>
+      <p:sp>
+        <p:nvSpPr>
+          <p:cNvPr id="3" name="Notes Placeholder 2"/>
+          <p:cNvSpPr>
+            <a:spLocks noGrp="1"/>
+          </p:cNvSpPr>
+          <p:nvPr>
+            <p:ph type="body" idx="1"/>
+          </p:nvPr>
+        </p:nvSpPr>
+        <p:spPr/>
+        <p:txBody>
+          <a:bodyPr/>
+          <a:lstStyle/>
+          <a:p>
+            <a:r>
+              <a:rPr lang="en-US" dirty="0"/>
+              <a:t/>
+            </a:r>
+            <a:endParaRPr lang="en-US" dirty="0"/>
+          </a:p>
+        </p:txBody>
+      </p:sp>
+      <p:sp>
+        <p:nvSpPr>
+          <p:cNvPr id="4" name="Slide Number Placeholder 3"/>
+          <p:cNvSpPr>
+            <a:spLocks noGrp="1"/>
+          </p:cNvSpPr>
+          <p:nvPr>
+            <p:ph type="sldNum" sz="quarter" idx="10"/>
+          </p:nvPr>
+        </p:nvSpPr>
+        <p:spPr/>
+        <p:txBody>
+          <a:bodyPr/>
+          <a:lstStyle/>
+          <a:p>
+            <a:fld id="{F7021451-1387-4CA6-816F-3879F97B5CBC}" type="slidenum">
+              <a:rPr lang="en-US"/>
+              <a:t>36</a:t>
+            </a:fld>
+            <a:endParaRPr lang="en-US"/>
+          </a:p>
+        </p:txBody>
+      </p:sp>
+    </p:spTree>
+    <p:extLst>
+      <p:ext uri="{BB962C8B-B14F-4D97-AF65-F5344CB8AC3E}">
+        <p14:creationId xmlns:p14="http://schemas.microsoft.com/office/powerpoint/2010/main" val="1024086991"/>
+      </p:ext>
+    </p:extLst>
+  </p:cSld>
+  <p:clrMapOvr>
+    <a:masterClrMapping/>
+  </p:clrMapOvr>
+</p:notes>
+</file>
+
+<file path=ppt/notesSlides/notesSlide37.xml><?xml version="1.0" encoding="utf-8"?>
+<p:notes xmlns:a="http://schemas.openxmlformats.org/drawingml/2006/main" xmlns:r="http://schemas.openxmlformats.org/officeDocument/2006/relationships" xmlns:p="http://schemas.openxmlformats.org/presentationml/2006/main">
+  <p:cSld>
+    <p:spTree>
+      <p:nvGrpSpPr>
+        <p:cNvPr id="1" name=""/>
+        <p:cNvGrpSpPr/>
+        <p:nvPr/>
+      </p:nvGrpSpPr>
+      <p:grpSpPr>
+        <a:xfrm>
+          <a:off x="0" y="0"/>
+          <a:ext cx="0" cy="0"/>
+          <a:chOff x="0" y="0"/>
+          <a:chExt cx="0" cy="0"/>
+        </a:xfrm>
+      </p:grpSpPr>
+      <p:sp>
+        <p:nvSpPr>
+          <p:cNvPr id="2" name="Slide Image Placeholder 1"/>
+          <p:cNvSpPr>
+            <a:spLocks noGrp="1" noRot="1" noChangeAspect="1"/>
+          </p:cNvSpPr>
+          <p:nvPr>
+            <p:ph type="sldImg"/>
+          </p:nvPr>
+        </p:nvSpPr>
+        <p:spPr/>
+      </p:sp>
+      <p:sp>
+        <p:nvSpPr>
+          <p:cNvPr id="3" name="Notes Placeholder 2"/>
+          <p:cNvSpPr>
+            <a:spLocks noGrp="1"/>
+          </p:cNvSpPr>
+          <p:nvPr>
+            <p:ph type="body" idx="1"/>
+          </p:nvPr>
+        </p:nvSpPr>
+        <p:spPr/>
+        <p:txBody>
+          <a:bodyPr/>
+          <a:lstStyle/>
+          <a:p>
+            <a:r>
+              <a:rPr lang="en-US" dirty="0"/>
+              <a:t/>
+            </a:r>
+            <a:endParaRPr lang="en-US" dirty="0"/>
+          </a:p>
+        </p:txBody>
+      </p:sp>
+      <p:sp>
+        <p:nvSpPr>
+          <p:cNvPr id="4" name="Slide Number Placeholder 3"/>
+          <p:cNvSpPr>
+            <a:spLocks noGrp="1"/>
+          </p:cNvSpPr>
+          <p:nvPr>
+            <p:ph type="sldNum" sz="quarter" idx="10"/>
+          </p:nvPr>
+        </p:nvSpPr>
+        <p:spPr/>
+        <p:txBody>
+          <a:bodyPr/>
+          <a:lstStyle/>
+          <a:p>
+            <a:fld id="{F7021451-1387-4CA6-816F-3879F97B5CBC}" type="slidenum">
+              <a:rPr lang="en-US"/>
+              <a:t>37</a:t>
+            </a:fld>
+            <a:endParaRPr lang="en-US"/>
+          </a:p>
+        </p:txBody>
+      </p:sp>
+    </p:spTree>
+    <p:extLst>
+      <p:ext uri="{BB962C8B-B14F-4D97-AF65-F5344CB8AC3E}">
+        <p14:creationId xmlns:p14="http://schemas.microsoft.com/office/powerpoint/2010/main" val="1024086991"/>
+      </p:ext>
+    </p:extLst>
+  </p:cSld>
+  <p:clrMapOvr>
+    <a:masterClrMapping/>
+  </p:clrMapOvr>
+</p:notes>
+</file>
+
+<file path=ppt/notesSlides/notesSlide38.xml><?xml version="1.0" encoding="utf-8"?>
+<p:notes xmlns:a="http://schemas.openxmlformats.org/drawingml/2006/main" xmlns:r="http://schemas.openxmlformats.org/officeDocument/2006/relationships" xmlns:p="http://schemas.openxmlformats.org/presentationml/2006/main">
+  <p:cSld>
+    <p:spTree>
+      <p:nvGrpSpPr>
+        <p:cNvPr id="1" name=""/>
+        <p:cNvGrpSpPr/>
+        <p:nvPr/>
+      </p:nvGrpSpPr>
+      <p:grpSpPr>
+        <a:xfrm>
+          <a:off x="0" y="0"/>
+          <a:ext cx="0" cy="0"/>
+          <a:chOff x="0" y="0"/>
+          <a:chExt cx="0" cy="0"/>
+        </a:xfrm>
+      </p:grpSpPr>
+      <p:sp>
+        <p:nvSpPr>
+          <p:cNvPr id="2" name="Slide Image Placeholder 1"/>
+          <p:cNvSpPr>
+            <a:spLocks noGrp="1" noRot="1" noChangeAspect="1"/>
+          </p:cNvSpPr>
+          <p:nvPr>
+            <p:ph type="sldImg"/>
+          </p:nvPr>
+        </p:nvSpPr>
+        <p:spPr/>
+      </p:sp>
+      <p:sp>
+        <p:nvSpPr>
+          <p:cNvPr id="3" name="Notes Placeholder 2"/>
+          <p:cNvSpPr>
+            <a:spLocks noGrp="1"/>
+          </p:cNvSpPr>
+          <p:nvPr>
+            <p:ph type="body" idx="1"/>
+          </p:nvPr>
+        </p:nvSpPr>
+        <p:spPr/>
+        <p:txBody>
+          <a:bodyPr/>
+          <a:lstStyle/>
+          <a:p>
+            <a:r>
+              <a:rPr lang="en-US" dirty="0"/>
+              <a:t/>
+            </a:r>
+            <a:endParaRPr lang="en-US" dirty="0"/>
+          </a:p>
+        </p:txBody>
+      </p:sp>
+      <p:sp>
+        <p:nvSpPr>
+          <p:cNvPr id="4" name="Slide Number Placeholder 3"/>
+          <p:cNvSpPr>
+            <a:spLocks noGrp="1"/>
+          </p:cNvSpPr>
+          <p:nvPr>
+            <p:ph type="sldNum" sz="quarter" idx="10"/>
+          </p:nvPr>
+        </p:nvSpPr>
+        <p:spPr/>
+        <p:txBody>
+          <a:bodyPr/>
+          <a:lstStyle/>
+          <a:p>
+            <a:fld id="{F7021451-1387-4CA6-816F-3879F97B5CBC}" type="slidenum">
+              <a:rPr lang="en-US"/>
+              <a:t>38</a:t>
             </a:fld>
             <a:endParaRPr lang="en-US"/>
           </a:p>
@@ -2433,6 +4302,1554 @@
         </p:nvSpPr>
         <p:spPr>
           <a:xfrm>
+            <a:off x="457200" y="365760"/>
+            <a:ext cx="8229600" cy="640080"/>
+          </a:xfrm>
+          <a:prstGeom prst="rect">
+            <a:avLst/>
+          </a:prstGeom>
+          <a:noFill/>
+          <a:ln/>
+        </p:spPr>
+        <p:txBody>
+          <a:bodyPr wrap="square" rtlCol="0" anchor="ctr"/>
+          <a:lstStyle/>
+          <a:p>
+            <a:pPr indent="0" marL="0">
+              <a:buNone/>
+            </a:pPr>
+            <a:r>
+              <a:rPr lang="en-US" sz="2600" b="1" dirty="0">
+                <a:solidFill>
+                  <a:srgbClr val="203040"/>
+                </a:solidFill>
+              </a:rPr>
+              <a:t>Student Experience</a:t>
+            </a:r>
+            <a:endParaRPr lang="en-US" sz="2600" dirty="0"/>
+          </a:p>
+        </p:txBody>
+      </p:sp>
+      <p:sp>
+        <p:nvSpPr>
+          <p:cNvPr id="3" name="Text 1"/>
+          <p:cNvSpPr/>
+          <p:nvPr/>
+        </p:nvSpPr>
+        <p:spPr>
+          <a:xfrm>
+            <a:off x="548640" y="1097280"/>
+            <a:ext cx="3931920" cy="457200"/>
+          </a:xfrm>
+          <a:prstGeom prst="rect">
+            <a:avLst/>
+          </a:prstGeom>
+          <a:noFill/>
+          <a:ln/>
+        </p:spPr>
+        <p:txBody>
+          <a:bodyPr wrap="square" rtlCol="0" anchor="ctr"/>
+          <a:lstStyle/>
+          <a:p>
+            <a:pPr indent="0" marL="0">
+              <a:buNone/>
+            </a:pPr>
+            <a:r>
+              <a:rPr lang="en-US" sz="1800" b="1" dirty="0">
+                <a:solidFill>
+                  <a:srgbClr val="1A2B49"/>
+                </a:solidFill>
+              </a:rPr>
+              <a:t>What it includes</a:t>
+            </a:r>
+            <a:endParaRPr lang="en-US" sz="1800" dirty="0"/>
+          </a:p>
+        </p:txBody>
+      </p:sp>
+      <p:sp>
+        <p:nvSpPr>
+          <p:cNvPr id="4" name="Text 2"/>
+          <p:cNvSpPr/>
+          <p:nvPr/>
+        </p:nvSpPr>
+        <p:spPr>
+          <a:xfrm>
+            <a:off x="548640" y="1554480"/>
+            <a:ext cx="3931920" cy="3657600"/>
+          </a:xfrm>
+          <a:prstGeom prst="rect">
+            <a:avLst/>
+          </a:prstGeom>
+          <a:noFill/>
+          <a:ln/>
+        </p:spPr>
+        <p:txBody>
+          <a:bodyPr wrap="square" rtlCol="0" anchor="ctr"/>
+          <a:lstStyle/>
+          <a:p>
+            <a:pPr indent="0" marL="0">
+              <a:buNone/>
+            </a:pPr>
+            <a:r>
+              <a:rPr lang="en-US" sz="1600" dirty="0">
+                <a:solidFill>
+                  <a:srgbClr val="111111"/>
+                </a:solidFill>
+              </a:rPr>
+              <a:t>• Personalized dashboard and learning paths</a:t>
+            </a:r>
+            <a:endParaRPr lang="en-US" sz="1600" dirty="0"/>
+          </a:p>
+          <a:p>
+            <a:pPr indent="0" marL="0">
+              <a:buNone/>
+            </a:pPr>
+            <a:r>
+              <a:rPr lang="en-US" sz="1600" dirty="0">
+                <a:solidFill>
+                  <a:srgbClr val="111111"/>
+                </a:solidFill>
+              </a:rPr>
+              <a:t>• Responsive UI with accessible components</a:t>
+            </a:r>
+            <a:endParaRPr lang="en-US" sz="1600" dirty="0"/>
+          </a:p>
+          <a:p>
+            <a:pPr indent="0" marL="0">
+              <a:buNone/>
+            </a:pPr>
+            <a:r>
+              <a:rPr lang="en-US" sz="1600" dirty="0">
+                <a:solidFill>
+                  <a:srgbClr val="111111"/>
+                </a:solidFill>
+              </a:rPr>
+              <a:t>• Notifications and toasts for key actions</a:t>
+            </a:r>
+            <a:endParaRPr lang="en-US" sz="1600" dirty="0"/>
+          </a:p>
+          <a:p>
+            <a:pPr indent="0" marL="0">
+              <a:buNone/>
+            </a:pPr>
+            <a:r>
+              <a:rPr lang="en-US" sz="1600" dirty="0">
+                <a:solidFill>
+                  <a:srgbClr val="111111"/>
+                </a:solidFill>
+              </a:rPr>
+              <a:t>• Content library and practice modules</a:t>
+            </a:r>
+            <a:endParaRPr lang="en-US" sz="1600" dirty="0"/>
+          </a:p>
+        </p:txBody>
+      </p:sp>
+      <p:sp>
+        <p:nvSpPr>
+          <p:cNvPr id="5" name="Text 3"/>
+          <p:cNvSpPr/>
+          <p:nvPr/>
+        </p:nvSpPr>
+        <p:spPr>
+          <a:xfrm>
+            <a:off x="4663440" y="1097280"/>
+            <a:ext cx="3931920" cy="457200"/>
+          </a:xfrm>
+          <a:prstGeom prst="rect">
+            <a:avLst/>
+          </a:prstGeom>
+          <a:noFill/>
+          <a:ln/>
+        </p:spPr>
+        <p:txBody>
+          <a:bodyPr wrap="square" rtlCol="0" anchor="ctr"/>
+          <a:lstStyle/>
+          <a:p>
+            <a:pPr indent="0" marL="0">
+              <a:buNone/>
+            </a:pPr>
+            <a:r>
+              <a:rPr lang="en-US" sz="1800" b="1" dirty="0">
+                <a:solidFill>
+                  <a:srgbClr val="1A2B49"/>
+                </a:solidFill>
+              </a:rPr>
+              <a:t>How it helps users</a:t>
+            </a:r>
+            <a:endParaRPr lang="en-US" sz="1800" dirty="0"/>
+          </a:p>
+        </p:txBody>
+      </p:sp>
+      <p:sp>
+        <p:nvSpPr>
+          <p:cNvPr id="6" name="Text 4"/>
+          <p:cNvSpPr/>
+          <p:nvPr/>
+        </p:nvSpPr>
+        <p:spPr>
+          <a:xfrm>
+            <a:off x="4663440" y="1554480"/>
+            <a:ext cx="3931920" cy="3657600"/>
+          </a:xfrm>
+          <a:prstGeom prst="rect">
+            <a:avLst/>
+          </a:prstGeom>
+          <a:noFill/>
+          <a:ln/>
+        </p:spPr>
+        <p:txBody>
+          <a:bodyPr wrap="square" rtlCol="0" anchor="ctr"/>
+          <a:lstStyle/>
+          <a:p>
+            <a:pPr indent="0" marL="0">
+              <a:buNone/>
+            </a:pPr>
+            <a:r>
+              <a:rPr lang="en-US" sz="1600" dirty="0">
+                <a:solidFill>
+                  <a:srgbClr val="111111"/>
+                </a:solidFill>
+              </a:rPr>
+              <a:t>• Clear next actions reduce confusion</a:t>
+            </a:r>
+            <a:endParaRPr lang="en-US" sz="1600" dirty="0"/>
+          </a:p>
+          <a:p>
+            <a:pPr indent="0" marL="0">
+              <a:buNone/>
+            </a:pPr>
+            <a:r>
+              <a:rPr lang="en-US" sz="1600" dirty="0">
+                <a:solidFill>
+                  <a:srgbClr val="111111"/>
+                </a:solidFill>
+              </a:rPr>
+              <a:t>• Works great on mobile and desktop</a:t>
+            </a:r>
+            <a:endParaRPr lang="en-US" sz="1600" dirty="0"/>
+          </a:p>
+          <a:p>
+            <a:pPr indent="0" marL="0">
+              <a:buNone/>
+            </a:pPr>
+            <a:r>
+              <a:rPr lang="en-US" sz="1600" dirty="0">
+                <a:solidFill>
+                  <a:srgbClr val="111111"/>
+                </a:solidFill>
+              </a:rPr>
+              <a:t>• Keeps users informed without friction</a:t>
+            </a:r>
+            <a:endParaRPr lang="en-US" sz="1600" dirty="0"/>
+          </a:p>
+          <a:p>
+            <a:pPr indent="0" marL="0">
+              <a:buNone/>
+            </a:pPr>
+            <a:r>
+              <a:rPr lang="en-US" sz="1600" dirty="0">
+                <a:solidFill>
+                  <a:srgbClr val="111111"/>
+                </a:solidFill>
+              </a:rPr>
+              <a:t>• One place for study and practice</a:t>
+            </a:r>
+            <a:endParaRPr lang="en-US" sz="1600" dirty="0"/>
+          </a:p>
+        </p:txBody>
+      </p:sp>
+    </p:spTree>
+  </p:cSld>
+  <p:clrMapOvr>
+    <a:masterClrMapping/>
+  </p:clrMapOvr>
+</p:sld>
+</file>
+
+<file path=ppt/slides/slide11.xml><?xml version="1.0" encoding="utf-8"?>
+<p:sld xmlns:a="http://schemas.openxmlformats.org/drawingml/2006/main" xmlns:r="http://schemas.openxmlformats.org/officeDocument/2006/relationships" xmlns:p="http://schemas.openxmlformats.org/presentationml/2006/main">
+  <p:cSld name="Slide 11">
+    <p:spTree>
+      <p:nvGrpSpPr>
+        <p:cNvPr id="1" name=""/>
+        <p:cNvGrpSpPr/>
+        <p:nvPr/>
+      </p:nvGrpSpPr>
+      <p:grpSpPr>
+        <a:xfrm>
+          <a:off x="0" y="0"/>
+          <a:ext cx="0" cy="0"/>
+          <a:chOff x="0" y="0"/>
+          <a:chExt cx="0" cy="0"/>
+        </a:xfrm>
+      </p:grpSpPr>
+      <p:sp>
+        <p:nvSpPr>
+          <p:cNvPr id="2" name="Text 0"/>
+          <p:cNvSpPr/>
+          <p:nvPr/>
+        </p:nvSpPr>
+        <p:spPr>
+          <a:xfrm>
+            <a:off x="457200" y="365760"/>
+            <a:ext cx="8229600" cy="640080"/>
+          </a:xfrm>
+          <a:prstGeom prst="rect">
+            <a:avLst/>
+          </a:prstGeom>
+          <a:noFill/>
+          <a:ln/>
+        </p:spPr>
+        <p:txBody>
+          <a:bodyPr wrap="square" rtlCol="0" anchor="ctr"/>
+          <a:lstStyle/>
+          <a:p>
+            <a:pPr indent="0" marL="0">
+              <a:buNone/>
+            </a:pPr>
+            <a:r>
+              <a:rPr lang="en-US" sz="2600" b="1" dirty="0">
+                <a:solidFill>
+                  <a:srgbClr val="203040"/>
+                </a:solidFill>
+              </a:rPr>
+              <a:t>Admin Tools</a:t>
+            </a:r>
+            <a:endParaRPr lang="en-US" sz="2600" dirty="0"/>
+          </a:p>
+        </p:txBody>
+      </p:sp>
+      <p:sp>
+        <p:nvSpPr>
+          <p:cNvPr id="3" name="Text 1"/>
+          <p:cNvSpPr/>
+          <p:nvPr/>
+        </p:nvSpPr>
+        <p:spPr>
+          <a:xfrm>
+            <a:off x="548640" y="1097280"/>
+            <a:ext cx="3931920" cy="457200"/>
+          </a:xfrm>
+          <a:prstGeom prst="rect">
+            <a:avLst/>
+          </a:prstGeom>
+          <a:noFill/>
+          <a:ln/>
+        </p:spPr>
+        <p:txBody>
+          <a:bodyPr wrap="square" rtlCol="0" anchor="ctr"/>
+          <a:lstStyle/>
+          <a:p>
+            <a:pPr indent="0" marL="0">
+              <a:buNone/>
+            </a:pPr>
+            <a:r>
+              <a:rPr lang="en-US" sz="1800" b="1" dirty="0">
+                <a:solidFill>
+                  <a:srgbClr val="1A2B49"/>
+                </a:solidFill>
+              </a:rPr>
+              <a:t>What it includes</a:t>
+            </a:r>
+            <a:endParaRPr lang="en-US" sz="1800" dirty="0"/>
+          </a:p>
+        </p:txBody>
+      </p:sp>
+      <p:sp>
+        <p:nvSpPr>
+          <p:cNvPr id="4" name="Text 2"/>
+          <p:cNvSpPr/>
+          <p:nvPr/>
+        </p:nvSpPr>
+        <p:spPr>
+          <a:xfrm>
+            <a:off x="548640" y="1554480"/>
+            <a:ext cx="3931920" cy="3657600"/>
+          </a:xfrm>
+          <a:prstGeom prst="rect">
+            <a:avLst/>
+          </a:prstGeom>
+          <a:noFill/>
+          <a:ln/>
+        </p:spPr>
+        <p:txBody>
+          <a:bodyPr wrap="square" rtlCol="0" anchor="ctr"/>
+          <a:lstStyle/>
+          <a:p>
+            <a:pPr indent="0" marL="0">
+              <a:buNone/>
+            </a:pPr>
+            <a:r>
+              <a:rPr lang="en-US" sz="1600" dirty="0">
+                <a:solidFill>
+                  <a:srgbClr val="111111"/>
+                </a:solidFill>
+              </a:rPr>
+              <a:t>• CRUD for students, exams, questions</a:t>
+            </a:r>
+            <a:endParaRPr lang="en-US" sz="1600" dirty="0"/>
+          </a:p>
+          <a:p>
+            <a:pPr indent="0" marL="0">
+              <a:buNone/>
+            </a:pPr>
+            <a:r>
+              <a:rPr lang="en-US" sz="1600" dirty="0">
+                <a:solidFill>
+                  <a:srgbClr val="111111"/>
+                </a:solidFill>
+              </a:rPr>
+              <a:t>• Role management and settings</a:t>
+            </a:r>
+            <a:endParaRPr lang="en-US" sz="1600" dirty="0"/>
+          </a:p>
+          <a:p>
+            <a:pPr indent="0" marL="0">
+              <a:buNone/>
+            </a:pPr>
+            <a:r>
+              <a:rPr lang="en-US" sz="1600" dirty="0">
+                <a:solidFill>
+                  <a:srgbClr val="111111"/>
+                </a:solidFill>
+              </a:rPr>
+              <a:t>• Bulk operations and email triggers</a:t>
+            </a:r>
+            <a:endParaRPr lang="en-US" sz="1600" dirty="0"/>
+          </a:p>
+          <a:p>
+            <a:pPr indent="0" marL="0">
+              <a:buNone/>
+            </a:pPr>
+            <a:r>
+              <a:rPr lang="en-US" sz="1600" dirty="0">
+                <a:solidFill>
+                  <a:srgbClr val="111111"/>
+                </a:solidFill>
+              </a:rPr>
+              <a:t>• Dashboards for oversight</a:t>
+            </a:r>
+            <a:endParaRPr lang="en-US" sz="1600" dirty="0"/>
+          </a:p>
+        </p:txBody>
+      </p:sp>
+      <p:sp>
+        <p:nvSpPr>
+          <p:cNvPr id="5" name="Text 3"/>
+          <p:cNvSpPr/>
+          <p:nvPr/>
+        </p:nvSpPr>
+        <p:spPr>
+          <a:xfrm>
+            <a:off x="4663440" y="1097280"/>
+            <a:ext cx="3931920" cy="457200"/>
+          </a:xfrm>
+          <a:prstGeom prst="rect">
+            <a:avLst/>
+          </a:prstGeom>
+          <a:noFill/>
+          <a:ln/>
+        </p:spPr>
+        <p:txBody>
+          <a:bodyPr wrap="square" rtlCol="0" anchor="ctr"/>
+          <a:lstStyle/>
+          <a:p>
+            <a:pPr indent="0" marL="0">
+              <a:buNone/>
+            </a:pPr>
+            <a:r>
+              <a:rPr lang="en-US" sz="1800" b="1" dirty="0">
+                <a:solidFill>
+                  <a:srgbClr val="1A2B49"/>
+                </a:solidFill>
+              </a:rPr>
+              <a:t>How it helps users</a:t>
+            </a:r>
+            <a:endParaRPr lang="en-US" sz="1800" dirty="0"/>
+          </a:p>
+        </p:txBody>
+      </p:sp>
+      <p:sp>
+        <p:nvSpPr>
+          <p:cNvPr id="6" name="Text 4"/>
+          <p:cNvSpPr/>
+          <p:nvPr/>
+        </p:nvSpPr>
+        <p:spPr>
+          <a:xfrm>
+            <a:off x="4663440" y="1554480"/>
+            <a:ext cx="3931920" cy="3657600"/>
+          </a:xfrm>
+          <a:prstGeom prst="rect">
+            <a:avLst/>
+          </a:prstGeom>
+          <a:noFill/>
+          <a:ln/>
+        </p:spPr>
+        <p:txBody>
+          <a:bodyPr wrap="square" rtlCol="0" anchor="ctr"/>
+          <a:lstStyle/>
+          <a:p>
+            <a:pPr indent="0" marL="0">
+              <a:buNone/>
+            </a:pPr>
+            <a:r>
+              <a:rPr lang="en-US" sz="1600" dirty="0">
+                <a:solidFill>
+                  <a:srgbClr val="111111"/>
+                </a:solidFill>
+              </a:rPr>
+              <a:t>• Saves time managing large cohorts</a:t>
+            </a:r>
+            <a:endParaRPr lang="en-US" sz="1600" dirty="0"/>
+          </a:p>
+          <a:p>
+            <a:pPr indent="0" marL="0">
+              <a:buNone/>
+            </a:pPr>
+            <a:r>
+              <a:rPr lang="en-US" sz="1600" dirty="0">
+                <a:solidFill>
+                  <a:srgbClr val="111111"/>
+                </a:solidFill>
+              </a:rPr>
+              <a:t>• Reduces human error through workflows</a:t>
+            </a:r>
+            <a:endParaRPr lang="en-US" sz="1600" dirty="0"/>
+          </a:p>
+          <a:p>
+            <a:pPr indent="0" marL="0">
+              <a:buNone/>
+            </a:pPr>
+            <a:r>
+              <a:rPr lang="en-US" sz="1600" dirty="0">
+                <a:solidFill>
+                  <a:srgbClr val="111111"/>
+                </a:solidFill>
+              </a:rPr>
+              <a:t>• Automates communication at scale</a:t>
+            </a:r>
+            <a:endParaRPr lang="en-US" sz="1600" dirty="0"/>
+          </a:p>
+          <a:p>
+            <a:pPr indent="0" marL="0">
+              <a:buNone/>
+            </a:pPr>
+            <a:r>
+              <a:rPr lang="en-US" sz="1600" dirty="0">
+                <a:solidFill>
+                  <a:srgbClr val="111111"/>
+                </a:solidFill>
+              </a:rPr>
+              <a:t>• Quickly spots issues and trends</a:t>
+            </a:r>
+            <a:endParaRPr lang="en-US" sz="1600" dirty="0"/>
+          </a:p>
+        </p:txBody>
+      </p:sp>
+    </p:spTree>
+  </p:cSld>
+  <p:clrMapOvr>
+    <a:masterClrMapping/>
+  </p:clrMapOvr>
+</p:sld>
+</file>
+
+<file path=ppt/slides/slide12.xml><?xml version="1.0" encoding="utf-8"?>
+<p:sld xmlns:a="http://schemas.openxmlformats.org/drawingml/2006/main" xmlns:r="http://schemas.openxmlformats.org/officeDocument/2006/relationships" xmlns:p="http://schemas.openxmlformats.org/presentationml/2006/main">
+  <p:cSld name="Slide 12">
+    <p:spTree>
+      <p:nvGrpSpPr>
+        <p:cNvPr id="1" name=""/>
+        <p:cNvGrpSpPr/>
+        <p:nvPr/>
+      </p:nvGrpSpPr>
+      <p:grpSpPr>
+        <a:xfrm>
+          <a:off x="0" y="0"/>
+          <a:ext cx="0" cy="0"/>
+          <a:chOff x="0" y="0"/>
+          <a:chExt cx="0" cy="0"/>
+        </a:xfrm>
+      </p:grpSpPr>
+      <p:sp>
+        <p:nvSpPr>
+          <p:cNvPr id="2" name="Text 0"/>
+          <p:cNvSpPr/>
+          <p:nvPr/>
+        </p:nvSpPr>
+        <p:spPr>
+          <a:xfrm>
+            <a:off x="457200" y="365760"/>
+            <a:ext cx="8229600" cy="640080"/>
+          </a:xfrm>
+          <a:prstGeom prst="rect">
+            <a:avLst/>
+          </a:prstGeom>
+          <a:noFill/>
+          <a:ln/>
+        </p:spPr>
+        <p:txBody>
+          <a:bodyPr wrap="square" rtlCol="0" anchor="ctr"/>
+          <a:lstStyle/>
+          <a:p>
+            <a:pPr indent="0" marL="0">
+              <a:buNone/>
+            </a:pPr>
+            <a:r>
+              <a:rPr lang="en-US" sz="2600" b="1" dirty="0">
+                <a:solidFill>
+                  <a:srgbClr val="203040"/>
+                </a:solidFill>
+              </a:rPr>
+              <a:t>Email &amp; Notifications</a:t>
+            </a:r>
+            <a:endParaRPr lang="en-US" sz="2600" dirty="0"/>
+          </a:p>
+        </p:txBody>
+      </p:sp>
+      <p:sp>
+        <p:nvSpPr>
+          <p:cNvPr id="3" name="Text 1"/>
+          <p:cNvSpPr/>
+          <p:nvPr/>
+        </p:nvSpPr>
+        <p:spPr>
+          <a:xfrm>
+            <a:off x="548640" y="1097280"/>
+            <a:ext cx="3931920" cy="457200"/>
+          </a:xfrm>
+          <a:prstGeom prst="rect">
+            <a:avLst/>
+          </a:prstGeom>
+          <a:noFill/>
+          <a:ln/>
+        </p:spPr>
+        <p:txBody>
+          <a:bodyPr wrap="square" rtlCol="0" anchor="ctr"/>
+          <a:lstStyle/>
+          <a:p>
+            <a:pPr indent="0" marL="0">
+              <a:buNone/>
+            </a:pPr>
+            <a:r>
+              <a:rPr lang="en-US" sz="1800" b="1" dirty="0">
+                <a:solidFill>
+                  <a:srgbClr val="1A2B49"/>
+                </a:solidFill>
+              </a:rPr>
+              <a:t>What it includes</a:t>
+            </a:r>
+            <a:endParaRPr lang="en-US" sz="1800" dirty="0"/>
+          </a:p>
+        </p:txBody>
+      </p:sp>
+      <p:sp>
+        <p:nvSpPr>
+          <p:cNvPr id="4" name="Text 2"/>
+          <p:cNvSpPr/>
+          <p:nvPr/>
+        </p:nvSpPr>
+        <p:spPr>
+          <a:xfrm>
+            <a:off x="548640" y="1554480"/>
+            <a:ext cx="3931920" cy="3657600"/>
+          </a:xfrm>
+          <a:prstGeom prst="rect">
+            <a:avLst/>
+          </a:prstGeom>
+          <a:noFill/>
+          <a:ln/>
+        </p:spPr>
+        <p:txBody>
+          <a:bodyPr wrap="square" rtlCol="0" anchor="ctr"/>
+          <a:lstStyle/>
+          <a:p>
+            <a:pPr indent="0" marL="0">
+              <a:buNone/>
+            </a:pPr>
+            <a:r>
+              <a:rPr lang="en-US" sz="1600" dirty="0">
+                <a:solidFill>
+                  <a:srgbClr val="111111"/>
+                </a:solidFill>
+              </a:rPr>
+              <a:t>• Registration and password reset emails</a:t>
+            </a:r>
+            <a:endParaRPr lang="en-US" sz="1600" dirty="0"/>
+          </a:p>
+          <a:p>
+            <a:pPr indent="0" marL="0">
+              <a:buNone/>
+            </a:pPr>
+            <a:r>
+              <a:rPr lang="en-US" sz="1600" dirty="0">
+                <a:solidFill>
+                  <a:srgbClr val="111111"/>
+                </a:solidFill>
+              </a:rPr>
+              <a:t>• Result and report notifications</a:t>
+            </a:r>
+            <a:endParaRPr lang="en-US" sz="1600" dirty="0"/>
+          </a:p>
+          <a:p>
+            <a:pPr indent="0" marL="0">
+              <a:buNone/>
+            </a:pPr>
+            <a:r>
+              <a:rPr lang="en-US" sz="1600" dirty="0">
+                <a:solidFill>
+                  <a:srgbClr val="111111"/>
+                </a:solidFill>
+              </a:rPr>
+              <a:t>• Provider-agnostic setup (SendGrid/Mailgun)</a:t>
+            </a:r>
+            <a:endParaRPr lang="en-US" sz="1600" dirty="0"/>
+          </a:p>
+        </p:txBody>
+      </p:sp>
+      <p:sp>
+        <p:nvSpPr>
+          <p:cNvPr id="5" name="Text 3"/>
+          <p:cNvSpPr/>
+          <p:nvPr/>
+        </p:nvSpPr>
+        <p:spPr>
+          <a:xfrm>
+            <a:off x="4663440" y="1097280"/>
+            <a:ext cx="3931920" cy="457200"/>
+          </a:xfrm>
+          <a:prstGeom prst="rect">
+            <a:avLst/>
+          </a:prstGeom>
+          <a:noFill/>
+          <a:ln/>
+        </p:spPr>
+        <p:txBody>
+          <a:bodyPr wrap="square" rtlCol="0" anchor="ctr"/>
+          <a:lstStyle/>
+          <a:p>
+            <a:pPr indent="0" marL="0">
+              <a:buNone/>
+            </a:pPr>
+            <a:r>
+              <a:rPr lang="en-US" sz="1800" b="1" dirty="0">
+                <a:solidFill>
+                  <a:srgbClr val="1A2B49"/>
+                </a:solidFill>
+              </a:rPr>
+              <a:t>How it helps users</a:t>
+            </a:r>
+            <a:endParaRPr lang="en-US" sz="1800" dirty="0"/>
+          </a:p>
+        </p:txBody>
+      </p:sp>
+      <p:sp>
+        <p:nvSpPr>
+          <p:cNvPr id="6" name="Text 4"/>
+          <p:cNvSpPr/>
+          <p:nvPr/>
+        </p:nvSpPr>
+        <p:spPr>
+          <a:xfrm>
+            <a:off x="4663440" y="1554480"/>
+            <a:ext cx="3931920" cy="3657600"/>
+          </a:xfrm>
+          <a:prstGeom prst="rect">
+            <a:avLst/>
+          </a:prstGeom>
+          <a:noFill/>
+          <a:ln/>
+        </p:spPr>
+        <p:txBody>
+          <a:bodyPr wrap="square" rtlCol="0" anchor="ctr"/>
+          <a:lstStyle/>
+          <a:p>
+            <a:pPr indent="0" marL="0">
+              <a:buNone/>
+            </a:pPr>
+            <a:r>
+              <a:rPr lang="en-US" sz="1600" dirty="0">
+                <a:solidFill>
+                  <a:srgbClr val="111111"/>
+                </a:solidFill>
+              </a:rPr>
+              <a:t>• Users stay updated on critical actions</a:t>
+            </a:r>
+            <a:endParaRPr lang="en-US" sz="1600" dirty="0"/>
+          </a:p>
+          <a:p>
+            <a:pPr indent="0" marL="0">
+              <a:buNone/>
+            </a:pPr>
+            <a:r>
+              <a:rPr lang="en-US" sz="1600" dirty="0">
+                <a:solidFill>
+                  <a:srgbClr val="111111"/>
+                </a:solidFill>
+              </a:rPr>
+              <a:t>• Encourages return and course completion</a:t>
+            </a:r>
+            <a:endParaRPr lang="en-US" sz="1600" dirty="0"/>
+          </a:p>
+          <a:p>
+            <a:pPr indent="0" marL="0">
+              <a:buNone/>
+            </a:pPr>
+            <a:r>
+              <a:rPr lang="en-US" sz="1600" dirty="0">
+                <a:solidFill>
+                  <a:srgbClr val="111111"/>
+                </a:solidFill>
+              </a:rPr>
+              <a:t>• Easy to switch providers when needed</a:t>
+            </a:r>
+            <a:endParaRPr lang="en-US" sz="1600" dirty="0"/>
+          </a:p>
+        </p:txBody>
+      </p:sp>
+    </p:spTree>
+  </p:cSld>
+  <p:clrMapOvr>
+    <a:masterClrMapping/>
+  </p:clrMapOvr>
+</p:sld>
+</file>
+
+<file path=ppt/slides/slide13.xml><?xml version="1.0" encoding="utf-8"?>
+<p:sld xmlns:a="http://schemas.openxmlformats.org/drawingml/2006/main" xmlns:r="http://schemas.openxmlformats.org/officeDocument/2006/relationships" xmlns:p="http://schemas.openxmlformats.org/presentationml/2006/main">
+  <p:cSld name="Slide 13">
+    <p:spTree>
+      <p:nvGrpSpPr>
+        <p:cNvPr id="1" name=""/>
+        <p:cNvGrpSpPr/>
+        <p:nvPr/>
+      </p:nvGrpSpPr>
+      <p:grpSpPr>
+        <a:xfrm>
+          <a:off x="0" y="0"/>
+          <a:ext cx="0" cy="0"/>
+          <a:chOff x="0" y="0"/>
+          <a:chExt cx="0" cy="0"/>
+        </a:xfrm>
+      </p:grpSpPr>
+      <p:sp>
+        <p:nvSpPr>
+          <p:cNvPr id="2" name="Text 0"/>
+          <p:cNvSpPr/>
+          <p:nvPr/>
+        </p:nvSpPr>
+        <p:spPr>
+          <a:xfrm>
+            <a:off x="457200" y="365760"/>
+            <a:ext cx="8229600" cy="640080"/>
+          </a:xfrm>
+          <a:prstGeom prst="rect">
+            <a:avLst/>
+          </a:prstGeom>
+          <a:noFill/>
+          <a:ln/>
+        </p:spPr>
+        <p:txBody>
+          <a:bodyPr wrap="square" rtlCol="0" anchor="ctr"/>
+          <a:lstStyle/>
+          <a:p>
+            <a:pPr indent="0" marL="0">
+              <a:buNone/>
+            </a:pPr>
+            <a:r>
+              <a:rPr lang="en-US" sz="2600" b="1" dirty="0">
+                <a:solidFill>
+                  <a:srgbClr val="203040"/>
+                </a:solidFill>
+              </a:rPr>
+              <a:t>ML Personalization (Planned)</a:t>
+            </a:r>
+            <a:endParaRPr lang="en-US" sz="2600" dirty="0"/>
+          </a:p>
+        </p:txBody>
+      </p:sp>
+      <p:sp>
+        <p:nvSpPr>
+          <p:cNvPr id="3" name="Text 1"/>
+          <p:cNvSpPr/>
+          <p:nvPr/>
+        </p:nvSpPr>
+        <p:spPr>
+          <a:xfrm>
+            <a:off x="548640" y="1097280"/>
+            <a:ext cx="3931920" cy="457200"/>
+          </a:xfrm>
+          <a:prstGeom prst="rect">
+            <a:avLst/>
+          </a:prstGeom>
+          <a:noFill/>
+          <a:ln/>
+        </p:spPr>
+        <p:txBody>
+          <a:bodyPr wrap="square" rtlCol="0" anchor="ctr"/>
+          <a:lstStyle/>
+          <a:p>
+            <a:pPr indent="0" marL="0">
+              <a:buNone/>
+            </a:pPr>
+            <a:r>
+              <a:rPr lang="en-US" sz="1800" b="1" dirty="0">
+                <a:solidFill>
+                  <a:srgbClr val="1A2B49"/>
+                </a:solidFill>
+              </a:rPr>
+              <a:t>What it includes</a:t>
+            </a:r>
+            <a:endParaRPr lang="en-US" sz="1800" dirty="0"/>
+          </a:p>
+        </p:txBody>
+      </p:sp>
+      <p:sp>
+        <p:nvSpPr>
+          <p:cNvPr id="4" name="Text 2"/>
+          <p:cNvSpPr/>
+          <p:nvPr/>
+        </p:nvSpPr>
+        <p:spPr>
+          <a:xfrm>
+            <a:off x="548640" y="1554480"/>
+            <a:ext cx="3931920" cy="3657600"/>
+          </a:xfrm>
+          <a:prstGeom prst="rect">
+            <a:avLst/>
+          </a:prstGeom>
+          <a:noFill/>
+          <a:ln/>
+        </p:spPr>
+        <p:txBody>
+          <a:bodyPr wrap="square" rtlCol="0" anchor="ctr"/>
+          <a:lstStyle/>
+          <a:p>
+            <a:pPr indent="0" marL="0">
+              <a:buNone/>
+            </a:pPr>
+            <a:r>
+              <a:rPr lang="en-US" sz="1600" dirty="0">
+                <a:solidFill>
+                  <a:srgbClr val="111111"/>
+                </a:solidFill>
+              </a:rPr>
+              <a:t>• Category-wise performance analytics</a:t>
+            </a:r>
+            <a:endParaRPr lang="en-US" sz="1600" dirty="0"/>
+          </a:p>
+          <a:p>
+            <a:pPr indent="0" marL="0">
+              <a:buNone/>
+            </a:pPr>
+            <a:r>
+              <a:rPr lang="en-US" sz="1600" dirty="0">
+                <a:solidFill>
+                  <a:srgbClr val="111111"/>
+                </a:solidFill>
+              </a:rPr>
+              <a:t>• Level classification (Beginner/Intermediate/Advanced)</a:t>
+            </a:r>
+            <a:endParaRPr lang="en-US" sz="1600" dirty="0"/>
+          </a:p>
+          <a:p>
+            <a:pPr indent="0" marL="0">
+              <a:buNone/>
+            </a:pPr>
+            <a:r>
+              <a:rPr lang="en-US" sz="1600" dirty="0">
+                <a:solidFill>
+                  <a:srgbClr val="111111"/>
+                </a:solidFill>
+              </a:rPr>
+              <a:t>• Personalized learning recommendations</a:t>
+            </a:r>
+            <a:endParaRPr lang="en-US" sz="1600" dirty="0"/>
+          </a:p>
+          <a:p>
+            <a:pPr indent="0" marL="0">
+              <a:buNone/>
+            </a:pPr>
+            <a:r>
+              <a:rPr lang="en-US" sz="1600" dirty="0">
+                <a:solidFill>
+                  <a:srgbClr val="111111"/>
+                </a:solidFill>
+              </a:rPr>
+              <a:t>• Adaptive learning path generation</a:t>
+            </a:r>
+            <a:endParaRPr lang="en-US" sz="1600" dirty="0"/>
+          </a:p>
+        </p:txBody>
+      </p:sp>
+      <p:sp>
+        <p:nvSpPr>
+          <p:cNvPr id="5" name="Text 3"/>
+          <p:cNvSpPr/>
+          <p:nvPr/>
+        </p:nvSpPr>
+        <p:spPr>
+          <a:xfrm>
+            <a:off x="4663440" y="1097280"/>
+            <a:ext cx="3931920" cy="457200"/>
+          </a:xfrm>
+          <a:prstGeom prst="rect">
+            <a:avLst/>
+          </a:prstGeom>
+          <a:noFill/>
+          <a:ln/>
+        </p:spPr>
+        <p:txBody>
+          <a:bodyPr wrap="square" rtlCol="0" anchor="ctr"/>
+          <a:lstStyle/>
+          <a:p>
+            <a:pPr indent="0" marL="0">
+              <a:buNone/>
+            </a:pPr>
+            <a:r>
+              <a:rPr lang="en-US" sz="1800" b="1" dirty="0">
+                <a:solidFill>
+                  <a:srgbClr val="1A2B49"/>
+                </a:solidFill>
+              </a:rPr>
+              <a:t>How it helps users</a:t>
+            </a:r>
+            <a:endParaRPr lang="en-US" sz="1800" dirty="0"/>
+          </a:p>
+        </p:txBody>
+      </p:sp>
+      <p:sp>
+        <p:nvSpPr>
+          <p:cNvPr id="6" name="Text 4"/>
+          <p:cNvSpPr/>
+          <p:nvPr/>
+        </p:nvSpPr>
+        <p:spPr>
+          <a:xfrm>
+            <a:off x="4663440" y="1554480"/>
+            <a:ext cx="3931920" cy="3657600"/>
+          </a:xfrm>
+          <a:prstGeom prst="rect">
+            <a:avLst/>
+          </a:prstGeom>
+          <a:noFill/>
+          <a:ln/>
+        </p:spPr>
+        <p:txBody>
+          <a:bodyPr wrap="square" rtlCol="0" anchor="ctr"/>
+          <a:lstStyle/>
+          <a:p>
+            <a:pPr indent="0" marL="0">
+              <a:buNone/>
+            </a:pPr>
+            <a:r>
+              <a:rPr lang="en-US" sz="1600" dirty="0">
+                <a:solidFill>
+                  <a:srgbClr val="111111"/>
+                </a:solidFill>
+              </a:rPr>
+              <a:t>• Improves outcomes with tailored insights</a:t>
+            </a:r>
+            <a:endParaRPr lang="en-US" sz="1600" dirty="0"/>
+          </a:p>
+          <a:p>
+            <a:pPr indent="0" marL="0">
+              <a:buNone/>
+            </a:pPr>
+            <a:r>
+              <a:rPr lang="en-US" sz="1600" dirty="0">
+                <a:solidFill>
+                  <a:srgbClr val="111111"/>
+                </a:solidFill>
+              </a:rPr>
+              <a:t>• Focuses effort where it matters most</a:t>
+            </a:r>
+            <a:endParaRPr lang="en-US" sz="1600" dirty="0"/>
+          </a:p>
+          <a:p>
+            <a:pPr indent="0" marL="0">
+              <a:buNone/>
+            </a:pPr>
+            <a:r>
+              <a:rPr lang="en-US" sz="1600" dirty="0">
+                <a:solidFill>
+                  <a:srgbClr val="111111"/>
+                </a:solidFill>
+              </a:rPr>
+              <a:t>• Provides clear guidance after every attempt</a:t>
+            </a:r>
+            <a:endParaRPr lang="en-US" sz="1600" dirty="0"/>
+          </a:p>
+          <a:p>
+            <a:pPr indent="0" marL="0">
+              <a:buNone/>
+            </a:pPr>
+            <a:r>
+              <a:rPr lang="en-US" sz="1600" dirty="0">
+                <a:solidFill>
+                  <a:srgbClr val="111111"/>
+                </a:solidFill>
+              </a:rPr>
+              <a:t>• Saves time by removing guesswork</a:t>
+            </a:r>
+            <a:endParaRPr lang="en-US" sz="1600" dirty="0"/>
+          </a:p>
+        </p:txBody>
+      </p:sp>
+    </p:spTree>
+  </p:cSld>
+  <p:clrMapOvr>
+    <a:masterClrMapping/>
+  </p:clrMapOvr>
+</p:sld>
+</file>
+
+<file path=ppt/slides/slide14.xml><?xml version="1.0" encoding="utf-8"?>
+<p:sld xmlns:a="http://schemas.openxmlformats.org/drawingml/2006/main" xmlns:r="http://schemas.openxmlformats.org/officeDocument/2006/relationships" xmlns:p="http://schemas.openxmlformats.org/presentationml/2006/main">
+  <p:cSld name="Slide 14">
+    <p:spTree>
+      <p:nvGrpSpPr>
+        <p:cNvPr id="1" name=""/>
+        <p:cNvGrpSpPr/>
+        <p:nvPr/>
+      </p:nvGrpSpPr>
+      <p:grpSpPr>
+        <a:xfrm>
+          <a:off x="0" y="0"/>
+          <a:ext cx="0" cy="0"/>
+          <a:chOff x="0" y="0"/>
+          <a:chExt cx="0" cy="0"/>
+        </a:xfrm>
+      </p:grpSpPr>
+      <p:sp>
+        <p:nvSpPr>
+          <p:cNvPr id="2" name="Text 0"/>
+          <p:cNvSpPr/>
+          <p:nvPr/>
+        </p:nvSpPr>
+        <p:spPr>
+          <a:xfrm>
+            <a:off x="457200" y="457200"/>
+            <a:ext cx="8229600" cy="640080"/>
+          </a:xfrm>
+          <a:prstGeom prst="rect">
+            <a:avLst/>
+          </a:prstGeom>
+          <a:noFill/>
+          <a:ln/>
+        </p:spPr>
+        <p:txBody>
+          <a:bodyPr wrap="square" rtlCol="0" anchor="ctr"/>
+          <a:lstStyle/>
+          <a:p>
+            <a:pPr indent="0" marL="0">
+              <a:buNone/>
+            </a:pPr>
+            <a:r>
+              <a:rPr lang="en-US" sz="2600" b="1" dirty="0">
+                <a:solidFill>
+                  <a:srgbClr val="203040"/>
+                </a:solidFill>
+              </a:rPr>
+              <a:t>Security &amp; Authentication</a:t>
+            </a:r>
+            <a:endParaRPr lang="en-US" sz="2600" dirty="0"/>
+          </a:p>
+        </p:txBody>
+      </p:sp>
+      <p:sp>
+        <p:nvSpPr>
+          <p:cNvPr id="3" name="Text 1"/>
+          <p:cNvSpPr/>
+          <p:nvPr/>
+        </p:nvSpPr>
+        <p:spPr>
+          <a:xfrm>
+            <a:off x="731520" y="1280160"/>
+            <a:ext cx="7772400" cy="4114800"/>
+          </a:xfrm>
+          <a:prstGeom prst="rect">
+            <a:avLst/>
+          </a:prstGeom>
+          <a:noFill/>
+          <a:ln/>
+        </p:spPr>
+        <p:txBody>
+          <a:bodyPr wrap="square" rtlCol="0" anchor="ctr"/>
+          <a:lstStyle/>
+          <a:p>
+            <a:pPr indent="0" marL="0">
+              <a:buNone/>
+            </a:pPr>
+            <a:r>
+              <a:rPr lang="en-US" sz="1800" dirty="0">
+                <a:solidFill>
+                  <a:srgbClr val="111111"/>
+                </a:solidFill>
+              </a:rPr>
+              <a:t>• JWT issuance/verification and secure password hashing</a:t>
+            </a:r>
+            <a:endParaRPr lang="en-US" sz="1800" dirty="0"/>
+          </a:p>
+          <a:p>
+            <a:pPr indent="0" marL="0">
+              <a:buNone/>
+            </a:pPr>
+            <a:r>
+              <a:rPr lang="en-US" sz="1800" dirty="0">
+                <a:solidFill>
+                  <a:srgbClr val="111111"/>
+                </a:solidFill>
+              </a:rPr>
+              <a:t>• Role-Based Access Control (RBAC) on routes and APIs</a:t>
+            </a:r>
+            <a:endParaRPr lang="en-US" sz="1800" dirty="0"/>
+          </a:p>
+          <a:p>
+            <a:pPr indent="0" marL="0">
+              <a:buNone/>
+            </a:pPr>
+            <a:r>
+              <a:rPr lang="en-US" sz="1800" dirty="0">
+                <a:solidFill>
+                  <a:srgbClr val="111111"/>
+                </a:solidFill>
+              </a:rPr>
+              <a:t>• Centralized logging and security utilities</a:t>
+            </a:r>
+            <a:endParaRPr lang="en-US" sz="1800" dirty="0"/>
+          </a:p>
+        </p:txBody>
+      </p:sp>
+    </p:spTree>
+  </p:cSld>
+  <p:clrMapOvr>
+    <a:masterClrMapping/>
+  </p:clrMapOvr>
+</p:sld>
+</file>
+
+<file path=ppt/slides/slide15.xml><?xml version="1.0" encoding="utf-8"?>
+<p:sld xmlns:a="http://schemas.openxmlformats.org/drawingml/2006/main" xmlns:r="http://schemas.openxmlformats.org/officeDocument/2006/relationships" xmlns:p="http://schemas.openxmlformats.org/presentationml/2006/main">
+  <p:cSld name="Slide 15">
+    <p:spTree>
+      <p:nvGrpSpPr>
+        <p:cNvPr id="1" name=""/>
+        <p:cNvGrpSpPr/>
+        <p:nvPr/>
+      </p:nvGrpSpPr>
+      <p:grpSpPr>
+        <a:xfrm>
+          <a:off x="0" y="0"/>
+          <a:ext cx="0" cy="0"/>
+          <a:chOff x="0" y="0"/>
+          <a:chExt cx="0" cy="0"/>
+        </a:xfrm>
+      </p:grpSpPr>
+      <p:sp>
+        <p:nvSpPr>
+          <p:cNvPr id="2" name="Text 0"/>
+          <p:cNvSpPr/>
+          <p:nvPr/>
+        </p:nvSpPr>
+        <p:spPr>
+          <a:xfrm>
+            <a:off x="457200" y="457200"/>
+            <a:ext cx="8229600" cy="640080"/>
+          </a:xfrm>
+          <a:prstGeom prst="rect">
+            <a:avLst/>
+          </a:prstGeom>
+          <a:noFill/>
+          <a:ln/>
+        </p:spPr>
+        <p:txBody>
+          <a:bodyPr wrap="square" rtlCol="0" anchor="ctr"/>
+          <a:lstStyle/>
+          <a:p>
+            <a:pPr indent="0" marL="0">
+              <a:buNone/>
+            </a:pPr>
+            <a:r>
+              <a:rPr lang="en-US" sz="2600" b="1" dirty="0">
+                <a:solidFill>
+                  <a:srgbClr val="203040"/>
+                </a:solidFill>
+              </a:rPr>
+              <a:t>ML Analysis</a:t>
+            </a:r>
+            <a:endParaRPr lang="en-US" sz="2600" dirty="0"/>
+          </a:p>
+        </p:txBody>
+      </p:sp>
+      <p:sp>
+        <p:nvSpPr>
+          <p:cNvPr id="3" name="Text 1"/>
+          <p:cNvSpPr/>
+          <p:nvPr/>
+        </p:nvSpPr>
+        <p:spPr>
+          <a:xfrm>
+            <a:off x="731520" y="1280160"/>
+            <a:ext cx="7772400" cy="4114800"/>
+          </a:xfrm>
+          <a:prstGeom prst="rect">
+            <a:avLst/>
+          </a:prstGeom>
+          <a:noFill/>
+          <a:ln/>
+        </p:spPr>
+        <p:txBody>
+          <a:bodyPr wrap="square" rtlCol="0" anchor="ctr"/>
+          <a:lstStyle/>
+          <a:p>
+            <a:pPr indent="0" marL="0">
+              <a:buNone/>
+            </a:pPr>
+            <a:r>
+              <a:rPr lang="en-US" sz="1800" dirty="0">
+                <a:solidFill>
+                  <a:srgbClr val="111111"/>
+                </a:solidFill>
+              </a:rPr>
+              <a:t>• Category-wise performance and recommendations</a:t>
+            </a:r>
+            <a:endParaRPr lang="en-US" sz="1800" dirty="0"/>
+          </a:p>
+          <a:p>
+            <a:pPr indent="0" marL="0">
+              <a:buNone/>
+            </a:pPr>
+            <a:r>
+              <a:rPr lang="en-US" sz="1800" dirty="0">
+                <a:solidFill>
+                  <a:srgbClr val="111111"/>
+                </a:solidFill>
+              </a:rPr>
+              <a:t>• Strength/weakness detection and level classification</a:t>
+            </a:r>
+            <a:endParaRPr lang="en-US" sz="1800" dirty="0"/>
+          </a:p>
+          <a:p>
+            <a:pPr indent="0" marL="0">
+              <a:buNone/>
+            </a:pPr>
+            <a:r>
+              <a:rPr lang="en-US" sz="1800" dirty="0">
+                <a:solidFill>
+                  <a:srgbClr val="111111"/>
+                </a:solidFill>
+              </a:rPr>
+              <a:t>• Learning path suggestions based on results</a:t>
+            </a:r>
+            <a:endParaRPr lang="en-US" sz="1800" dirty="0"/>
+          </a:p>
+        </p:txBody>
+      </p:sp>
+    </p:spTree>
+  </p:cSld>
+  <p:clrMapOvr>
+    <a:masterClrMapping/>
+  </p:clrMapOvr>
+</p:sld>
+</file>
+
+<file path=ppt/slides/slide16.xml><?xml version="1.0" encoding="utf-8"?>
+<p:sld xmlns:a="http://schemas.openxmlformats.org/drawingml/2006/main" xmlns:r="http://schemas.openxmlformats.org/officeDocument/2006/relationships" xmlns:p="http://schemas.openxmlformats.org/presentationml/2006/main">
+  <p:cSld name="Slide 16">
+    <p:spTree>
+      <p:nvGrpSpPr>
+        <p:cNvPr id="1" name=""/>
+        <p:cNvGrpSpPr/>
+        <p:nvPr/>
+      </p:nvGrpSpPr>
+      <p:grpSpPr>
+        <a:xfrm>
+          <a:off x="0" y="0"/>
+          <a:ext cx="0" cy="0"/>
+          <a:chOff x="0" y="0"/>
+          <a:chExt cx="0" cy="0"/>
+        </a:xfrm>
+      </p:grpSpPr>
+      <p:sp>
+        <p:nvSpPr>
+          <p:cNvPr id="2" name="Text 0"/>
+          <p:cNvSpPr/>
+          <p:nvPr/>
+        </p:nvSpPr>
+        <p:spPr>
+          <a:xfrm>
+            <a:off x="457200" y="457200"/>
+            <a:ext cx="8229600" cy="640080"/>
+          </a:xfrm>
+          <a:prstGeom prst="rect">
+            <a:avLst/>
+          </a:prstGeom>
+          <a:noFill/>
+          <a:ln/>
+        </p:spPr>
+        <p:txBody>
+          <a:bodyPr wrap="square" rtlCol="0" anchor="ctr"/>
+          <a:lstStyle/>
+          <a:p>
+            <a:pPr indent="0" marL="0">
+              <a:buNone/>
+            </a:pPr>
+            <a:r>
+              <a:rPr lang="en-US" sz="2600" b="1" dirty="0">
+                <a:solidFill>
+                  <a:srgbClr val="203040"/>
+                </a:solidFill>
+              </a:rPr>
+              <a:t>Landing Page</a:t>
+            </a:r>
+            <a:endParaRPr lang="en-US" sz="2600" dirty="0"/>
+          </a:p>
+        </p:txBody>
+      </p:sp>
+      <p:pic>
+        <p:nvPicPr>
+          <p:cNvPr id="3" name="Image 0" descr="C:\Users\manis\Downloads\e-learning platform\docs\screenshots\landing.png">    </p:cNvPr>
+          <p:cNvPicPr>
+            <a:picLocks noChangeAspect="1"/>
+          </p:cNvPicPr>
+          <p:nvPr/>
+        </p:nvPicPr>
+        <p:blipFill>
+          <a:blip r:embed="rId1"/>
+          <a:stretch>
+            <a:fillRect/>
+          </a:stretch>
+        </p:blipFill>
+        <p:spPr>
+          <a:xfrm>
+            <a:off x="457200" y="1097280"/>
+            <a:ext cx="8229600" cy="914400"/>
+          </a:xfrm>
+          <a:prstGeom prst="rect">
+            <a:avLst/>
+          </a:prstGeom>
+        </p:spPr>
+      </p:pic>
+    </p:spTree>
+  </p:cSld>
+  <p:clrMapOvr>
+    <a:masterClrMapping/>
+  </p:clrMapOvr>
+</p:sld>
+</file>
+
+<file path=ppt/slides/slide17.xml><?xml version="1.0" encoding="utf-8"?>
+<p:sld xmlns:a="http://schemas.openxmlformats.org/drawingml/2006/main" xmlns:r="http://schemas.openxmlformats.org/officeDocument/2006/relationships" xmlns:p="http://schemas.openxmlformats.org/presentationml/2006/main">
+  <p:cSld name="Slide 17">
+    <p:spTree>
+      <p:nvGrpSpPr>
+        <p:cNvPr id="1" name=""/>
+        <p:cNvGrpSpPr/>
+        <p:nvPr/>
+      </p:nvGrpSpPr>
+      <p:grpSpPr>
+        <a:xfrm>
+          <a:off x="0" y="0"/>
+          <a:ext cx="0" cy="0"/>
+          <a:chOff x="0" y="0"/>
+          <a:chExt cx="0" cy="0"/>
+        </a:xfrm>
+      </p:grpSpPr>
+      <p:sp>
+        <p:nvSpPr>
+          <p:cNvPr id="2" name="Text 0"/>
+          <p:cNvSpPr/>
+          <p:nvPr/>
+        </p:nvSpPr>
+        <p:spPr>
+          <a:xfrm>
+            <a:off x="457200" y="457200"/>
+            <a:ext cx="8229600" cy="640080"/>
+          </a:xfrm>
+          <a:prstGeom prst="rect">
+            <a:avLst/>
+          </a:prstGeom>
+          <a:noFill/>
+          <a:ln/>
+        </p:spPr>
+        <p:txBody>
+          <a:bodyPr wrap="square" rtlCol="0" anchor="ctr"/>
+          <a:lstStyle/>
+          <a:p>
+            <a:pPr indent="0" marL="0">
+              <a:buNone/>
+            </a:pPr>
+            <a:r>
+              <a:rPr lang="en-US" sz="2600" b="1" dirty="0">
+                <a:solidFill>
+                  <a:srgbClr val="203040"/>
+                </a:solidFill>
+              </a:rPr>
+              <a:t>Auth - Login</a:t>
+            </a:r>
+            <a:endParaRPr lang="en-US" sz="2600" dirty="0"/>
+          </a:p>
+        </p:txBody>
+      </p:sp>
+      <p:pic>
+        <p:nvPicPr>
+          <p:cNvPr id="3" name="Image 0" descr="C:\Users\manis\Downloads\e-learning platform\docs\screenshots\auth-login.png">    </p:cNvPr>
+          <p:cNvPicPr>
+            <a:picLocks noChangeAspect="1"/>
+          </p:cNvPicPr>
+          <p:nvPr/>
+        </p:nvPicPr>
+        <p:blipFill>
+          <a:blip r:embed="rId1"/>
+          <a:stretch>
+            <a:fillRect/>
+          </a:stretch>
+        </p:blipFill>
+        <p:spPr>
+          <a:xfrm>
+            <a:off x="457200" y="1097280"/>
+            <a:ext cx="8229600" cy="914400"/>
+          </a:xfrm>
+          <a:prstGeom prst="rect">
+            <a:avLst/>
+          </a:prstGeom>
+        </p:spPr>
+      </p:pic>
+    </p:spTree>
+  </p:cSld>
+  <p:clrMapOvr>
+    <a:masterClrMapping/>
+  </p:clrMapOvr>
+</p:sld>
+</file>
+
+<file path=ppt/slides/slide18.xml><?xml version="1.0" encoding="utf-8"?>
+<p:sld xmlns:a="http://schemas.openxmlformats.org/drawingml/2006/main" xmlns:r="http://schemas.openxmlformats.org/officeDocument/2006/relationships" xmlns:p="http://schemas.openxmlformats.org/presentationml/2006/main">
+  <p:cSld name="Slide 18">
+    <p:spTree>
+      <p:nvGrpSpPr>
+        <p:cNvPr id="1" name=""/>
+        <p:cNvGrpSpPr/>
+        <p:nvPr/>
+      </p:nvGrpSpPr>
+      <p:grpSpPr>
+        <a:xfrm>
+          <a:off x="0" y="0"/>
+          <a:ext cx="0" cy="0"/>
+          <a:chOff x="0" y="0"/>
+          <a:chExt cx="0" cy="0"/>
+        </a:xfrm>
+      </p:grpSpPr>
+      <p:sp>
+        <p:nvSpPr>
+          <p:cNvPr id="2" name="Text 0"/>
+          <p:cNvSpPr/>
+          <p:nvPr/>
+        </p:nvSpPr>
+        <p:spPr>
+          <a:xfrm>
             <a:off x="457200" y="457200"/>
             <a:ext cx="8229600" cy="640080"/>
           </a:xfrm>
@@ -2493,9 +5910,9 @@
 </p:sld>
 </file>
 
-<file path=ppt/slides/slide11.xml><?xml version="1.0" encoding="utf-8"?>
+<file path=ppt/slides/slide19.xml><?xml version="1.0" encoding="utf-8"?>
 <p:sld xmlns:a="http://schemas.openxmlformats.org/drawingml/2006/main" xmlns:r="http://schemas.openxmlformats.org/officeDocument/2006/relationships" xmlns:p="http://schemas.openxmlformats.org/presentationml/2006/main">
-  <p:cSld name="Slide 11">
+  <p:cSld name="Slide 19">
     <p:spTree>
       <p:nvGrpSpPr>
         <p:cNvPr id="1" name=""/>
@@ -2578,9 +5995,190 @@
 </p:sld>
 </file>
 
-<file path=ppt/slides/slide12.xml><?xml version="1.0" encoding="utf-8"?>
+<file path=ppt/slides/slide2.xml><?xml version="1.0" encoding="utf-8"?>
 <p:sld xmlns:a="http://schemas.openxmlformats.org/drawingml/2006/main" xmlns:r="http://schemas.openxmlformats.org/officeDocument/2006/relationships" xmlns:p="http://schemas.openxmlformats.org/presentationml/2006/main">
-  <p:cSld name="Slide 12">
+  <p:cSld name="Slide 2">
+    <p:spTree>
+      <p:nvGrpSpPr>
+        <p:cNvPr id="1" name=""/>
+        <p:cNvGrpSpPr/>
+        <p:nvPr/>
+      </p:nvGrpSpPr>
+      <p:grpSpPr>
+        <a:xfrm>
+          <a:off x="0" y="0"/>
+          <a:ext cx="0" cy="0"/>
+          <a:chOff x="0" y="0"/>
+          <a:chExt cx="0" cy="0"/>
+        </a:xfrm>
+      </p:grpSpPr>
+      <p:sp>
+        <p:nvSpPr>
+          <p:cNvPr id="2" name="Text 0"/>
+          <p:cNvSpPr/>
+          <p:nvPr/>
+        </p:nvSpPr>
+        <p:spPr>
+          <a:xfrm>
+            <a:off x="457200" y="457200"/>
+            <a:ext cx="8229600" cy="640080"/>
+          </a:xfrm>
+          <a:prstGeom prst="rect">
+            <a:avLst/>
+          </a:prstGeom>
+          <a:noFill/>
+          <a:ln/>
+        </p:spPr>
+        <p:txBody>
+          <a:bodyPr wrap="square" rtlCol="0" anchor="ctr"/>
+          <a:lstStyle/>
+          <a:p>
+            <a:pPr indent="0" marL="0">
+              <a:buNone/>
+            </a:pPr>
+            <a:r>
+              <a:rPr lang="en-US" sz="2600" b="1" dirty="0">
+                <a:solidFill>
+                  <a:srgbClr val="203040"/>
+                </a:solidFill>
+              </a:rPr>
+              <a:t>Agenda</a:t>
+            </a:r>
+            <a:endParaRPr lang="en-US" sz="2600" dirty="0"/>
+          </a:p>
+        </p:txBody>
+      </p:sp>
+      <p:sp>
+        <p:nvSpPr>
+          <p:cNvPr id="3" name="Text 1"/>
+          <p:cNvSpPr/>
+          <p:nvPr/>
+        </p:nvSpPr>
+        <p:spPr>
+          <a:xfrm>
+            <a:off x="731520" y="1280160"/>
+            <a:ext cx="7772400" cy="4114800"/>
+          </a:xfrm>
+          <a:prstGeom prst="rect">
+            <a:avLst/>
+          </a:prstGeom>
+          <a:noFill/>
+          <a:ln/>
+        </p:spPr>
+        <p:txBody>
+          <a:bodyPr wrap="square" rtlCol="0" anchor="ctr"/>
+          <a:lstStyle/>
+          <a:p>
+            <a:pPr indent="0" marL="0">
+              <a:buNone/>
+            </a:pPr>
+            <a:r>
+              <a:rPr lang="en-US" sz="1800" dirty="0">
+                <a:solidFill>
+                  <a:srgbClr val="111111"/>
+                </a:solidFill>
+              </a:rPr>
+              <a:t>• Problem and Solution Overview</a:t>
+            </a:r>
+            <a:endParaRPr lang="en-US" sz="1800" dirty="0"/>
+          </a:p>
+          <a:p>
+            <a:pPr indent="0" marL="0">
+              <a:buNone/>
+            </a:pPr>
+            <a:r>
+              <a:rPr lang="en-US" sz="1800" dirty="0">
+                <a:solidFill>
+                  <a:srgbClr val="111111"/>
+                </a:solidFill>
+              </a:rPr>
+              <a:t>• Architecture and Tech Stack</a:t>
+            </a:r>
+            <a:endParaRPr lang="en-US" sz="1800" dirty="0"/>
+          </a:p>
+          <a:p>
+            <a:pPr indent="0" marL="0">
+              <a:buNone/>
+            </a:pPr>
+            <a:r>
+              <a:rPr lang="en-US" sz="1800" dirty="0">
+                <a:solidFill>
+                  <a:srgbClr val="111111"/>
+                </a:solidFill>
+              </a:rPr>
+              <a:t>• Features and User Benefits</a:t>
+            </a:r>
+            <a:endParaRPr lang="en-US" sz="1800" dirty="0"/>
+          </a:p>
+          <a:p>
+            <a:pPr indent="0" marL="0">
+              <a:buNone/>
+            </a:pPr>
+            <a:r>
+              <a:rPr lang="en-US" sz="1800" dirty="0">
+                <a:solidFill>
+                  <a:srgbClr val="111111"/>
+                </a:solidFill>
+              </a:rPr>
+              <a:t>• Live Screens and Demo Flow</a:t>
+            </a:r>
+            <a:endParaRPr lang="en-US" sz="1800" dirty="0"/>
+          </a:p>
+          <a:p>
+            <a:pPr indent="0" marL="0">
+              <a:buNone/>
+            </a:pPr>
+            <a:r>
+              <a:rPr lang="en-US" sz="1800" dirty="0">
+                <a:solidFill>
+                  <a:srgbClr val="111111"/>
+                </a:solidFill>
+              </a:rPr>
+              <a:t>• Team &amp; Work Allocation</a:t>
+            </a:r>
+            <a:endParaRPr lang="en-US" sz="1800" dirty="0"/>
+          </a:p>
+          <a:p>
+            <a:pPr indent="0" marL="0">
+              <a:buNone/>
+            </a:pPr>
+            <a:r>
+              <a:rPr lang="en-US" sz="1800" dirty="0">
+                <a:solidFill>
+                  <a:srgbClr val="111111"/>
+                </a:solidFill>
+              </a:rPr>
+              <a:t>• Progress, KPIs, Roadmap</a:t>
+            </a:r>
+            <a:endParaRPr lang="en-US" sz="1800" dirty="0"/>
+          </a:p>
+          <a:p>
+            <a:pPr indent="0" marL="0">
+              <a:buNone/>
+            </a:pPr>
+            <a:r>
+              <a:rPr lang="en-US" sz="1800" dirty="0">
+                <a:solidFill>
+                  <a:srgbClr val="111111"/>
+                </a:solidFill>
+              </a:rPr>
+              <a:t>• Q&amp;A</a:t>
+            </a:r>
+            <a:endParaRPr lang="en-US" sz="1800" dirty="0"/>
+          </a:p>
+        </p:txBody>
+      </p:sp>
+    </p:spTree>
+  </p:cSld>
+  <p:clrMapOvr>
+    <a:masterClrMapping/>
+  </p:clrMapOvr>
+</p:sld>
+</file>
+
+<file path=ppt/slides/slide20.xml><?xml version="1.0" encoding="utf-8"?>
+<p:sld xmlns:a="http://schemas.openxmlformats.org/drawingml/2006/main" xmlns:r="http://schemas.openxmlformats.org/officeDocument/2006/relationships" xmlns:p="http://schemas.openxmlformats.org/presentationml/2006/main">
+  <p:cSld name="Slide 20">
     <p:spTree>
       <p:nvGrpSpPr>
         <p:cNvPr id="1" name=""/>
@@ -2663,9 +6261,9 @@
 </p:sld>
 </file>
 
-<file path=ppt/slides/slide13.xml><?xml version="1.0" encoding="utf-8"?>
+<file path=ppt/slides/slide21.xml><?xml version="1.0" encoding="utf-8"?>
 <p:sld xmlns:a="http://schemas.openxmlformats.org/drawingml/2006/main" xmlns:r="http://schemas.openxmlformats.org/officeDocument/2006/relationships" xmlns:p="http://schemas.openxmlformats.org/presentationml/2006/main">
-  <p:cSld name="Slide 13">
+  <p:cSld name="Slide 21">
     <p:spTree>
       <p:nvGrpSpPr>
         <p:cNvPr id="1" name=""/>
@@ -2748,9 +6346,9 @@
 </p:sld>
 </file>
 
-<file path=ppt/slides/slide14.xml><?xml version="1.0" encoding="utf-8"?>
+<file path=ppt/slides/slide22.xml><?xml version="1.0" encoding="utf-8"?>
 <p:sld xmlns:a="http://schemas.openxmlformats.org/drawingml/2006/main" xmlns:r="http://schemas.openxmlformats.org/officeDocument/2006/relationships" xmlns:p="http://schemas.openxmlformats.org/presentationml/2006/main">
-  <p:cSld name="Slide 14">
+  <p:cSld name="Slide 22">
     <p:spTree>
       <p:nvGrpSpPr>
         <p:cNvPr id="1" name=""/>
@@ -2833,9 +6431,9 @@
 </p:sld>
 </file>
 
-<file path=ppt/slides/slide15.xml><?xml version="1.0" encoding="utf-8"?>
+<file path=ppt/slides/slide23.xml><?xml version="1.0" encoding="utf-8"?>
 <p:sld xmlns:a="http://schemas.openxmlformats.org/drawingml/2006/main" xmlns:r="http://schemas.openxmlformats.org/officeDocument/2006/relationships" xmlns:p="http://schemas.openxmlformats.org/presentationml/2006/main">
-  <p:cSld name="Slide 15">
+  <p:cSld name="Slide 23">
     <p:spTree>
       <p:nvGrpSpPr>
         <p:cNvPr id="1" name=""/>
@@ -2880,6 +6478,173 @@
                   <a:srgbClr val="203040"/>
                 </a:solidFill>
               </a:rPr>
+              <a:t>Demo Flow</a:t>
+            </a:r>
+            <a:endParaRPr lang="en-US" sz="2600" dirty="0"/>
+          </a:p>
+        </p:txBody>
+      </p:sp>
+      <p:sp>
+        <p:nvSpPr>
+          <p:cNvPr id="3" name="Text 1"/>
+          <p:cNvSpPr/>
+          <p:nvPr/>
+        </p:nvSpPr>
+        <p:spPr>
+          <a:xfrm>
+            <a:off x="731520" y="1280160"/>
+            <a:ext cx="7772400" cy="4114800"/>
+          </a:xfrm>
+          <a:prstGeom prst="rect">
+            <a:avLst/>
+          </a:prstGeom>
+          <a:noFill/>
+          <a:ln/>
+        </p:spPr>
+        <p:txBody>
+          <a:bodyPr wrap="square" rtlCol="0" anchor="ctr"/>
+          <a:lstStyle/>
+          <a:p>
+            <a:pPr indent="0" marL="0">
+              <a:buNone/>
+            </a:pPr>
+            <a:r>
+              <a:rPr lang="en-US" sz="1800" dirty="0">
+                <a:solidFill>
+                  <a:srgbClr val="111111"/>
+                </a:solidFill>
+              </a:rPr>
+              <a:t>• 1) Landing → explore features</a:t>
+            </a:r>
+            <a:endParaRPr lang="en-US" sz="1800" dirty="0"/>
+          </a:p>
+          <a:p>
+            <a:pPr indent="0" marL="0">
+              <a:buNone/>
+            </a:pPr>
+            <a:r>
+              <a:rPr lang="en-US" sz="1800" dirty="0">
+                <a:solidFill>
+                  <a:srgbClr val="111111"/>
+                </a:solidFill>
+              </a:rPr>
+              <a:t>• 2) Auth → login/signup as role</a:t>
+            </a:r>
+            <a:endParaRPr lang="en-US" sz="1800" dirty="0"/>
+          </a:p>
+          <a:p>
+            <a:pPr indent="0" marL="0">
+              <a:buNone/>
+            </a:pPr>
+            <a:r>
+              <a:rPr lang="en-US" sz="1800" dirty="0">
+                <a:solidFill>
+                  <a:srgbClr val="111111"/>
+                </a:solidFill>
+              </a:rPr>
+              <a:t>• 3) Student Dashboard → review modules</a:t>
+            </a:r>
+            <a:endParaRPr lang="en-US" sz="1800" dirty="0"/>
+          </a:p>
+          <a:p>
+            <a:pPr indent="0" marL="0">
+              <a:buNone/>
+            </a:pPr>
+            <a:r>
+              <a:rPr lang="en-US" sz="1800" dirty="0">
+                <a:solidFill>
+                  <a:srgbClr val="111111"/>
+                </a:solidFill>
+              </a:rPr>
+              <a:t>• 4) Exams → attempt and submit</a:t>
+            </a:r>
+            <a:endParaRPr lang="en-US" sz="1800" dirty="0"/>
+          </a:p>
+          <a:p>
+            <a:pPr indent="0" marL="0">
+              <a:buNone/>
+            </a:pPr>
+            <a:r>
+              <a:rPr lang="en-US" sz="1800" dirty="0">
+                <a:solidFill>
+                  <a:srgbClr val="111111"/>
+                </a:solidFill>
+              </a:rPr>
+              <a:t>• 5) Reports → view insights</a:t>
+            </a:r>
+            <a:endParaRPr lang="en-US" sz="1800" dirty="0"/>
+          </a:p>
+          <a:p>
+            <a:pPr indent="0" marL="0">
+              <a:buNone/>
+            </a:pPr>
+            <a:r>
+              <a:rPr lang="en-US" sz="1800" dirty="0">
+                <a:solidFill>
+                  <a:srgbClr val="111111"/>
+                </a:solidFill>
+              </a:rPr>
+              <a:t>• 6) Admin → manage students/exams/questions</a:t>
+            </a:r>
+            <a:endParaRPr lang="en-US" sz="1800" dirty="0"/>
+          </a:p>
+        </p:txBody>
+      </p:sp>
+    </p:spTree>
+  </p:cSld>
+  <p:clrMapOvr>
+    <a:masterClrMapping/>
+  </p:clrMapOvr>
+</p:sld>
+</file>
+
+<file path=ppt/slides/slide24.xml><?xml version="1.0" encoding="utf-8"?>
+<p:sld xmlns:a="http://schemas.openxmlformats.org/drawingml/2006/main" xmlns:r="http://schemas.openxmlformats.org/officeDocument/2006/relationships" xmlns:p="http://schemas.openxmlformats.org/presentationml/2006/main">
+  <p:cSld name="Slide 24">
+    <p:spTree>
+      <p:nvGrpSpPr>
+        <p:cNvPr id="1" name=""/>
+        <p:cNvGrpSpPr/>
+        <p:nvPr/>
+      </p:nvGrpSpPr>
+      <p:grpSpPr>
+        <a:xfrm>
+          <a:off x="0" y="0"/>
+          <a:ext cx="0" cy="0"/>
+          <a:chOff x="0" y="0"/>
+          <a:chExt cx="0" cy="0"/>
+        </a:xfrm>
+      </p:grpSpPr>
+      <p:sp>
+        <p:nvSpPr>
+          <p:cNvPr id="2" name="Text 0"/>
+          <p:cNvSpPr/>
+          <p:nvPr/>
+        </p:nvSpPr>
+        <p:spPr>
+          <a:xfrm>
+            <a:off x="457200" y="457200"/>
+            <a:ext cx="8229600" cy="640080"/>
+          </a:xfrm>
+          <a:prstGeom prst="rect">
+            <a:avLst/>
+          </a:prstGeom>
+          <a:noFill/>
+          <a:ln/>
+        </p:spPr>
+        <p:txBody>
+          <a:bodyPr wrap="square" rtlCol="0" anchor="ctr"/>
+          <a:lstStyle/>
+          <a:p>
+            <a:pPr indent="0" marL="0">
+              <a:buNone/>
+            </a:pPr>
+            <a:r>
+              <a:rPr lang="en-US" sz="2600" b="1" dirty="0">
+                <a:solidFill>
+                  <a:srgbClr val="203040"/>
+                </a:solidFill>
+              </a:rPr>
               <a:t>Team &amp; Work Allocation</a:t>
             </a:r>
             <a:endParaRPr lang="en-US" sz="2600" dirty="0"/>
@@ -2888,7 +6653,7 @@
       </p:sp>
       <p:graphicFrame>
         <p:nvGraphicFramePr>
-          <p:cNvPr id="16" name="Table 0"/>
+          <p:cNvPr id="25" name="Table 0"/>
           <p:cNvGraphicFramePr>
             <a:graphicFrameLocks noGrp="1"/>
           </p:cNvGraphicFramePr>
@@ -3716,9 +7481,9 @@
 </p:sld>
 </file>
 
-<file path=ppt/slides/slide16.xml><?xml version="1.0" encoding="utf-8"?>
+<file path=ppt/slides/slide25.xml><?xml version="1.0" encoding="utf-8"?>
 <p:sld xmlns:a="http://schemas.openxmlformats.org/drawingml/2006/main" xmlns:r="http://schemas.openxmlformats.org/officeDocument/2006/relationships" xmlns:p="http://schemas.openxmlformats.org/presentationml/2006/main">
-  <p:cSld name="Slide 16">
+  <p:cSld name="Slide 25">
     <p:spTree>
       <p:nvGrpSpPr>
         <p:cNvPr id="1" name=""/>
@@ -3763,6 +7528,909 @@
                   <a:srgbClr val="203040"/>
                 </a:solidFill>
               </a:rPr>
+              <a:t>Manish Kumar — Auth &amp; Security</a:t>
+            </a:r>
+            <a:endParaRPr lang="en-US" sz="2600" dirty="0"/>
+          </a:p>
+        </p:txBody>
+      </p:sp>
+      <p:sp>
+        <p:nvSpPr>
+          <p:cNvPr id="3" name="Text 1"/>
+          <p:cNvSpPr/>
+          <p:nvPr/>
+        </p:nvSpPr>
+        <p:spPr>
+          <a:xfrm>
+            <a:off x="731520" y="1280160"/>
+            <a:ext cx="7772400" cy="4114800"/>
+          </a:xfrm>
+          <a:prstGeom prst="rect">
+            <a:avLst/>
+          </a:prstGeom>
+          <a:noFill/>
+          <a:ln/>
+        </p:spPr>
+        <p:txBody>
+          <a:bodyPr wrap="square" rtlCol="0" anchor="ctr"/>
+          <a:lstStyle/>
+          <a:p>
+            <a:pPr indent="0" marL="0">
+              <a:buNone/>
+            </a:pPr>
+            <a:r>
+              <a:rPr lang="en-US" sz="1800" dirty="0">
+                <a:solidFill>
+                  <a:srgbClr val="111111"/>
+                </a:solidFill>
+              </a:rPr>
+              <a:t>• JWT issuance/verification</a:t>
+            </a:r>
+            <a:endParaRPr lang="en-US" sz="1800" dirty="0"/>
+          </a:p>
+          <a:p>
+            <a:pPr indent="0" marL="0">
+              <a:buNone/>
+            </a:pPr>
+            <a:r>
+              <a:rPr lang="en-US" sz="1800" dirty="0">
+                <a:solidFill>
+                  <a:srgbClr val="111111"/>
+                </a:solidFill>
+              </a:rPr>
+              <a:t>• RBAC policies and route guards</a:t>
+            </a:r>
+            <a:endParaRPr lang="en-US" sz="1800" dirty="0"/>
+          </a:p>
+          <a:p>
+            <a:pPr indent="0" marL="0">
+              <a:buNone/>
+            </a:pPr>
+            <a:r>
+              <a:rPr lang="en-US" sz="1800" dirty="0">
+                <a:solidFill>
+                  <a:srgbClr val="111111"/>
+                </a:solidFill>
+              </a:rPr>
+              <a:t>• Middleware protection</a:t>
+            </a:r>
+            <a:endParaRPr lang="en-US" sz="1800" dirty="0"/>
+          </a:p>
+          <a:p>
+            <a:pPr indent="0" marL="0">
+              <a:buNone/>
+            </a:pPr>
+            <a:r>
+              <a:rPr lang="en-US" sz="1800" dirty="0">
+                <a:solidFill>
+                  <a:srgbClr val="111111"/>
+                </a:solidFill>
+              </a:rPr>
+              <a:t>• Security utilities and logging</a:t>
+            </a:r>
+            <a:endParaRPr lang="en-US" sz="1800" dirty="0"/>
+          </a:p>
+        </p:txBody>
+      </p:sp>
+    </p:spTree>
+  </p:cSld>
+  <p:clrMapOvr>
+    <a:masterClrMapping/>
+  </p:clrMapOvr>
+</p:sld>
+</file>
+
+<file path=ppt/slides/slide26.xml><?xml version="1.0" encoding="utf-8"?>
+<p:sld xmlns:a="http://schemas.openxmlformats.org/drawingml/2006/main" xmlns:r="http://schemas.openxmlformats.org/officeDocument/2006/relationships" xmlns:p="http://schemas.openxmlformats.org/presentationml/2006/main">
+  <p:cSld name="Slide 26">
+    <p:spTree>
+      <p:nvGrpSpPr>
+        <p:cNvPr id="1" name=""/>
+        <p:cNvGrpSpPr/>
+        <p:nvPr/>
+      </p:nvGrpSpPr>
+      <p:grpSpPr>
+        <a:xfrm>
+          <a:off x="0" y="0"/>
+          <a:ext cx="0" cy="0"/>
+          <a:chOff x="0" y="0"/>
+          <a:chExt cx="0" cy="0"/>
+        </a:xfrm>
+      </p:grpSpPr>
+      <p:sp>
+        <p:nvSpPr>
+          <p:cNvPr id="2" name="Text 0"/>
+          <p:cNvSpPr/>
+          <p:nvPr/>
+        </p:nvSpPr>
+        <p:spPr>
+          <a:xfrm>
+            <a:off x="457200" y="457200"/>
+            <a:ext cx="8229600" cy="640080"/>
+          </a:xfrm>
+          <a:prstGeom prst="rect">
+            <a:avLst/>
+          </a:prstGeom>
+          <a:noFill/>
+          <a:ln/>
+        </p:spPr>
+        <p:txBody>
+          <a:bodyPr wrap="square" rtlCol="0" anchor="ctr"/>
+          <a:lstStyle/>
+          <a:p>
+            <a:pPr indent="0" marL="0">
+              <a:buNone/>
+            </a:pPr>
+            <a:r>
+              <a:rPr lang="en-US" sz="2600" b="1" dirty="0">
+                <a:solidFill>
+                  <a:srgbClr val="203040"/>
+                </a:solidFill>
+              </a:rPr>
+              <a:t>Akash Kumar — Exam Engine &amp; Reports</a:t>
+            </a:r>
+            <a:endParaRPr lang="en-US" sz="2600" dirty="0"/>
+          </a:p>
+        </p:txBody>
+      </p:sp>
+      <p:sp>
+        <p:nvSpPr>
+          <p:cNvPr id="3" name="Text 1"/>
+          <p:cNvSpPr/>
+          <p:nvPr/>
+        </p:nvSpPr>
+        <p:spPr>
+          <a:xfrm>
+            <a:off x="731520" y="1280160"/>
+            <a:ext cx="7772400" cy="4114800"/>
+          </a:xfrm>
+          <a:prstGeom prst="rect">
+            <a:avLst/>
+          </a:prstGeom>
+          <a:noFill/>
+          <a:ln/>
+        </p:spPr>
+        <p:txBody>
+          <a:bodyPr wrap="square" rtlCol="0" anchor="ctr"/>
+          <a:lstStyle/>
+          <a:p>
+            <a:pPr indent="0" marL="0">
+              <a:buNone/>
+            </a:pPr>
+            <a:r>
+              <a:rPr lang="en-US" sz="1800" dirty="0">
+                <a:solidFill>
+                  <a:srgbClr val="111111"/>
+                </a:solidFill>
+              </a:rPr>
+              <a:t>• Exam attempt lifecycle and state restore</a:t>
+            </a:r>
+            <a:endParaRPr lang="en-US" sz="1800" dirty="0"/>
+          </a:p>
+          <a:p>
+            <a:pPr indent="0" marL="0">
+              <a:buNone/>
+            </a:pPr>
+            <a:r>
+              <a:rPr lang="en-US" sz="1800" dirty="0">
+                <a:solidFill>
+                  <a:srgbClr val="111111"/>
+                </a:solidFill>
+              </a:rPr>
+              <a:t>• Scoring hooks and models</a:t>
+            </a:r>
+            <a:endParaRPr lang="en-US" sz="1800" dirty="0"/>
+          </a:p>
+          <a:p>
+            <a:pPr indent="0" marL="0">
+              <a:buNone/>
+            </a:pPr>
+            <a:r>
+              <a:rPr lang="en-US" sz="1800" dirty="0">
+                <a:solidFill>
+                  <a:srgbClr val="111111"/>
+                </a:solidFill>
+              </a:rPr>
+              <a:t>• Charts and report generation</a:t>
+            </a:r>
+            <a:endParaRPr lang="en-US" sz="1800" dirty="0"/>
+          </a:p>
+          <a:p>
+            <a:pPr indent="0" marL="0">
+              <a:buNone/>
+            </a:pPr>
+            <a:r>
+              <a:rPr lang="en-US" sz="1800" dirty="0">
+                <a:solidFill>
+                  <a:srgbClr val="111111"/>
+                </a:solidFill>
+              </a:rPr>
+              <a:t>• ML integration plan</a:t>
+            </a:r>
+            <a:endParaRPr lang="en-US" sz="1800" dirty="0"/>
+          </a:p>
+        </p:txBody>
+      </p:sp>
+    </p:spTree>
+  </p:cSld>
+  <p:clrMapOvr>
+    <a:masterClrMapping/>
+  </p:clrMapOvr>
+</p:sld>
+</file>
+
+<file path=ppt/slides/slide27.xml><?xml version="1.0" encoding="utf-8"?>
+<p:sld xmlns:a="http://schemas.openxmlformats.org/drawingml/2006/main" xmlns:r="http://schemas.openxmlformats.org/officeDocument/2006/relationships" xmlns:p="http://schemas.openxmlformats.org/presentationml/2006/main">
+  <p:cSld name="Slide 27">
+    <p:spTree>
+      <p:nvGrpSpPr>
+        <p:cNvPr id="1" name=""/>
+        <p:cNvGrpSpPr/>
+        <p:nvPr/>
+      </p:nvGrpSpPr>
+      <p:grpSpPr>
+        <a:xfrm>
+          <a:off x="0" y="0"/>
+          <a:ext cx="0" cy="0"/>
+          <a:chOff x="0" y="0"/>
+          <a:chExt cx="0" cy="0"/>
+        </a:xfrm>
+      </p:grpSpPr>
+      <p:sp>
+        <p:nvSpPr>
+          <p:cNvPr id="2" name="Text 0"/>
+          <p:cNvSpPr/>
+          <p:nvPr/>
+        </p:nvSpPr>
+        <p:spPr>
+          <a:xfrm>
+            <a:off x="457200" y="457200"/>
+            <a:ext cx="8229600" cy="640080"/>
+          </a:xfrm>
+          <a:prstGeom prst="rect">
+            <a:avLst/>
+          </a:prstGeom>
+          <a:noFill/>
+          <a:ln/>
+        </p:spPr>
+        <p:txBody>
+          <a:bodyPr wrap="square" rtlCol="0" anchor="ctr"/>
+          <a:lstStyle/>
+          <a:p>
+            <a:pPr indent="0" marL="0">
+              <a:buNone/>
+            </a:pPr>
+            <a:r>
+              <a:rPr lang="en-US" sz="2600" b="1" dirty="0">
+                <a:solidFill>
+                  <a:srgbClr val="203040"/>
+                </a:solidFill>
+              </a:rPr>
+              <a:t>Manoj Kumar — Admin &amp; Email</a:t>
+            </a:r>
+            <a:endParaRPr lang="en-US" sz="2600" dirty="0"/>
+          </a:p>
+        </p:txBody>
+      </p:sp>
+      <p:sp>
+        <p:nvSpPr>
+          <p:cNvPr id="3" name="Text 1"/>
+          <p:cNvSpPr/>
+          <p:nvPr/>
+        </p:nvSpPr>
+        <p:spPr>
+          <a:xfrm>
+            <a:off x="731520" y="1280160"/>
+            <a:ext cx="7772400" cy="4114800"/>
+          </a:xfrm>
+          <a:prstGeom prst="rect">
+            <a:avLst/>
+          </a:prstGeom>
+          <a:noFill/>
+          <a:ln/>
+        </p:spPr>
+        <p:txBody>
+          <a:bodyPr wrap="square" rtlCol="0" anchor="ctr"/>
+          <a:lstStyle/>
+          <a:p>
+            <a:pPr indent="0" marL="0">
+              <a:buNone/>
+            </a:pPr>
+            <a:r>
+              <a:rPr lang="en-US" sz="1800" dirty="0">
+                <a:solidFill>
+                  <a:srgbClr val="111111"/>
+                </a:solidFill>
+              </a:rPr>
+              <a:t>• CRUD: students, exams, questions</a:t>
+            </a:r>
+            <a:endParaRPr lang="en-US" sz="1800" dirty="0"/>
+          </a:p>
+          <a:p>
+            <a:pPr indent="0" marL="0">
+              <a:buNone/>
+            </a:pPr>
+            <a:r>
+              <a:rPr lang="en-US" sz="1800" dirty="0">
+                <a:solidFill>
+                  <a:srgbClr val="111111"/>
+                </a:solidFill>
+              </a:rPr>
+              <a:t>• Admin dashboards and settings</a:t>
+            </a:r>
+            <a:endParaRPr lang="en-US" sz="1800" dirty="0"/>
+          </a:p>
+          <a:p>
+            <a:pPr indent="0" marL="0">
+              <a:buNone/>
+            </a:pPr>
+            <a:r>
+              <a:rPr lang="en-US" sz="1800" dirty="0">
+                <a:solidFill>
+                  <a:srgbClr val="111111"/>
+                </a:solidFill>
+              </a:rPr>
+              <a:t>• Email notifications (registration/results)</a:t>
+            </a:r>
+            <a:endParaRPr lang="en-US" sz="1800" dirty="0"/>
+          </a:p>
+        </p:txBody>
+      </p:sp>
+    </p:spTree>
+  </p:cSld>
+  <p:clrMapOvr>
+    <a:masterClrMapping/>
+  </p:clrMapOvr>
+</p:sld>
+</file>
+
+<file path=ppt/slides/slide28.xml><?xml version="1.0" encoding="utf-8"?>
+<p:sld xmlns:a="http://schemas.openxmlformats.org/drawingml/2006/main" xmlns:r="http://schemas.openxmlformats.org/officeDocument/2006/relationships" xmlns:p="http://schemas.openxmlformats.org/presentationml/2006/main">
+  <p:cSld name="Slide 28">
+    <p:spTree>
+      <p:nvGrpSpPr>
+        <p:cNvPr id="1" name=""/>
+        <p:cNvGrpSpPr/>
+        <p:nvPr/>
+      </p:nvGrpSpPr>
+      <p:grpSpPr>
+        <a:xfrm>
+          <a:off x="0" y="0"/>
+          <a:ext cx="0" cy="0"/>
+          <a:chOff x="0" y="0"/>
+          <a:chExt cx="0" cy="0"/>
+        </a:xfrm>
+      </p:grpSpPr>
+      <p:sp>
+        <p:nvSpPr>
+          <p:cNvPr id="2" name="Text 0"/>
+          <p:cNvSpPr/>
+          <p:nvPr/>
+        </p:nvSpPr>
+        <p:spPr>
+          <a:xfrm>
+            <a:off x="457200" y="457200"/>
+            <a:ext cx="8229600" cy="640080"/>
+          </a:xfrm>
+          <a:prstGeom prst="rect">
+            <a:avLst/>
+          </a:prstGeom>
+          <a:noFill/>
+          <a:ln/>
+        </p:spPr>
+        <p:txBody>
+          <a:bodyPr wrap="square" rtlCol="0" anchor="ctr"/>
+          <a:lstStyle/>
+          <a:p>
+            <a:pPr indent="0" marL="0">
+              <a:buNone/>
+            </a:pPr>
+            <a:r>
+              <a:rPr lang="en-US" sz="2600" b="1" dirty="0">
+                <a:solidFill>
+                  <a:srgbClr val="203040"/>
+                </a:solidFill>
+              </a:rPr>
+              <a:t>Shiva Jadoun — Student UX</a:t>
+            </a:r>
+            <a:endParaRPr lang="en-US" sz="2600" dirty="0"/>
+          </a:p>
+        </p:txBody>
+      </p:sp>
+      <p:sp>
+        <p:nvSpPr>
+          <p:cNvPr id="3" name="Text 1"/>
+          <p:cNvSpPr/>
+          <p:nvPr/>
+        </p:nvSpPr>
+        <p:spPr>
+          <a:xfrm>
+            <a:off x="731520" y="1280160"/>
+            <a:ext cx="7772400" cy="4114800"/>
+          </a:xfrm>
+          <a:prstGeom prst="rect">
+            <a:avLst/>
+          </a:prstGeom>
+          <a:noFill/>
+          <a:ln/>
+        </p:spPr>
+        <p:txBody>
+          <a:bodyPr wrap="square" rtlCol="0" anchor="ctr"/>
+          <a:lstStyle/>
+          <a:p>
+            <a:pPr indent="0" marL="0">
+              <a:buNone/>
+            </a:pPr>
+            <a:r>
+              <a:rPr lang="en-US" sz="1800" dirty="0">
+                <a:solidFill>
+                  <a:srgbClr val="111111"/>
+                </a:solidFill>
+              </a:rPr>
+              <a:t>• Dashboard and learning paths</a:t>
+            </a:r>
+            <a:endParaRPr lang="en-US" sz="1800" dirty="0"/>
+          </a:p>
+          <a:p>
+            <a:pPr indent="0" marL="0">
+              <a:buNone/>
+            </a:pPr>
+            <a:r>
+              <a:rPr lang="en-US" sz="1800" dirty="0">
+                <a:solidFill>
+                  <a:srgbClr val="111111"/>
+                </a:solidFill>
+              </a:rPr>
+              <a:t>• Responsive components and states</a:t>
+            </a:r>
+            <a:endParaRPr lang="en-US" sz="1800" dirty="0"/>
+          </a:p>
+          <a:p>
+            <a:pPr indent="0" marL="0">
+              <a:buNone/>
+            </a:pPr>
+            <a:r>
+              <a:rPr lang="en-US" sz="1800" dirty="0">
+                <a:solidFill>
+                  <a:srgbClr val="111111"/>
+                </a:solidFill>
+              </a:rPr>
+              <a:t>• Navigation &amp; feedback (toasts/alerts)</a:t>
+            </a:r>
+            <a:endParaRPr lang="en-US" sz="1800" dirty="0"/>
+          </a:p>
+        </p:txBody>
+      </p:sp>
+    </p:spTree>
+  </p:cSld>
+  <p:clrMapOvr>
+    <a:masterClrMapping/>
+  </p:clrMapOvr>
+</p:sld>
+</file>
+
+<file path=ppt/slides/slide29.xml><?xml version="1.0" encoding="utf-8"?>
+<p:sld xmlns:a="http://schemas.openxmlformats.org/drawingml/2006/main" xmlns:r="http://schemas.openxmlformats.org/officeDocument/2006/relationships" xmlns:p="http://schemas.openxmlformats.org/presentationml/2006/main">
+  <p:cSld name="Slide 29">
+    <p:spTree>
+      <p:nvGrpSpPr>
+        <p:cNvPr id="1" name=""/>
+        <p:cNvGrpSpPr/>
+        <p:nvPr/>
+      </p:nvGrpSpPr>
+      <p:grpSpPr>
+        <a:xfrm>
+          <a:off x="0" y="0"/>
+          <a:ext cx="0" cy="0"/>
+          <a:chOff x="0" y="0"/>
+          <a:chExt cx="0" cy="0"/>
+        </a:xfrm>
+      </p:grpSpPr>
+      <p:sp>
+        <p:nvSpPr>
+          <p:cNvPr id="2" name="Text 0"/>
+          <p:cNvSpPr/>
+          <p:nvPr/>
+        </p:nvSpPr>
+        <p:spPr>
+          <a:xfrm>
+            <a:off x="457200" y="457200"/>
+            <a:ext cx="8229600" cy="640080"/>
+          </a:xfrm>
+          <a:prstGeom prst="rect">
+            <a:avLst/>
+          </a:prstGeom>
+          <a:noFill/>
+          <a:ln/>
+        </p:spPr>
+        <p:txBody>
+          <a:bodyPr wrap="square" rtlCol="0" anchor="ctr"/>
+          <a:lstStyle/>
+          <a:p>
+            <a:pPr indent="0" marL="0">
+              <a:buNone/>
+            </a:pPr>
+            <a:r>
+              <a:rPr lang="en-US" sz="2600" b="1" dirty="0">
+                <a:solidFill>
+                  <a:srgbClr val="203040"/>
+                </a:solidFill>
+              </a:rPr>
+              <a:t>Amit Saraswat — QA &amp; CI</a:t>
+            </a:r>
+            <a:endParaRPr lang="en-US" sz="2600" dirty="0"/>
+          </a:p>
+        </p:txBody>
+      </p:sp>
+      <p:sp>
+        <p:nvSpPr>
+          <p:cNvPr id="3" name="Text 1"/>
+          <p:cNvSpPr/>
+          <p:nvPr/>
+        </p:nvSpPr>
+        <p:spPr>
+          <a:xfrm>
+            <a:off x="731520" y="1280160"/>
+            <a:ext cx="7772400" cy="4114800"/>
+          </a:xfrm>
+          <a:prstGeom prst="rect">
+            <a:avLst/>
+          </a:prstGeom>
+          <a:noFill/>
+          <a:ln/>
+        </p:spPr>
+        <p:txBody>
+          <a:bodyPr wrap="square" rtlCol="0" anchor="ctr"/>
+          <a:lstStyle/>
+          <a:p>
+            <a:pPr indent="0" marL="0">
+              <a:buNone/>
+            </a:pPr>
+            <a:r>
+              <a:rPr lang="en-US" sz="1800" dirty="0">
+                <a:solidFill>
+                  <a:srgbClr val="111111"/>
+                </a:solidFill>
+              </a:rPr>
+              <a:t>• Seed/test data preparation</a:t>
+            </a:r>
+            <a:endParaRPr lang="en-US" sz="1800" dirty="0"/>
+          </a:p>
+          <a:p>
+            <a:pPr indent="0" marL="0">
+              <a:buNone/>
+            </a:pPr>
+            <a:r>
+              <a:rPr lang="en-US" sz="1800" dirty="0">
+                <a:solidFill>
+                  <a:srgbClr val="111111"/>
+                </a:solidFill>
+              </a:rPr>
+              <a:t>• Lint/build workflows on PRs</a:t>
+            </a:r>
+            <a:endParaRPr lang="en-US" sz="1800" dirty="0"/>
+          </a:p>
+          <a:p>
+            <a:pPr indent="0" marL="0">
+              <a:buNone/>
+            </a:pPr>
+            <a:r>
+              <a:rPr lang="en-US" sz="1800" dirty="0">
+                <a:solidFill>
+                  <a:srgbClr val="111111"/>
+                </a:solidFill>
+              </a:rPr>
+              <a:t>• Docs and .env.example maintenance</a:t>
+            </a:r>
+            <a:endParaRPr lang="en-US" sz="1800" dirty="0"/>
+          </a:p>
+        </p:txBody>
+      </p:sp>
+    </p:spTree>
+  </p:cSld>
+  <p:clrMapOvr>
+    <a:masterClrMapping/>
+  </p:clrMapOvr>
+</p:sld>
+</file>
+
+<file path=ppt/slides/slide3.xml><?xml version="1.0" encoding="utf-8"?>
+<p:sld xmlns:a="http://schemas.openxmlformats.org/drawingml/2006/main" xmlns:r="http://schemas.openxmlformats.org/officeDocument/2006/relationships" xmlns:p="http://schemas.openxmlformats.org/presentationml/2006/main">
+  <p:cSld name="Slide 3">
+    <p:spTree>
+      <p:nvGrpSpPr>
+        <p:cNvPr id="1" name=""/>
+        <p:cNvGrpSpPr/>
+        <p:nvPr/>
+      </p:nvGrpSpPr>
+      <p:grpSpPr>
+        <a:xfrm>
+          <a:off x="0" y="0"/>
+          <a:ext cx="0" cy="0"/>
+          <a:chOff x="0" y="0"/>
+          <a:chExt cx="0" cy="0"/>
+        </a:xfrm>
+      </p:grpSpPr>
+      <p:sp>
+        <p:nvSpPr>
+          <p:cNvPr id="2" name="Text 0"/>
+          <p:cNvSpPr/>
+          <p:nvPr/>
+        </p:nvSpPr>
+        <p:spPr>
+          <a:xfrm>
+            <a:off x="457200" y="457200"/>
+            <a:ext cx="8229600" cy="640080"/>
+          </a:xfrm>
+          <a:prstGeom prst="rect">
+            <a:avLst/>
+          </a:prstGeom>
+          <a:noFill/>
+          <a:ln/>
+        </p:spPr>
+        <p:txBody>
+          <a:bodyPr wrap="square" rtlCol="0" anchor="ctr"/>
+          <a:lstStyle/>
+          <a:p>
+            <a:pPr indent="0" marL="0">
+              <a:buNone/>
+            </a:pPr>
+            <a:r>
+              <a:rPr lang="en-US" sz="2600" b="1" dirty="0">
+                <a:solidFill>
+                  <a:srgbClr val="203040"/>
+                </a:solidFill>
+              </a:rPr>
+              <a:t>Problem Statement</a:t>
+            </a:r>
+            <a:endParaRPr lang="en-US" sz="2600" dirty="0"/>
+          </a:p>
+        </p:txBody>
+      </p:sp>
+      <p:sp>
+        <p:nvSpPr>
+          <p:cNvPr id="3" name="Text 1"/>
+          <p:cNvSpPr/>
+          <p:nvPr/>
+        </p:nvSpPr>
+        <p:spPr>
+          <a:xfrm>
+            <a:off x="731520" y="1280160"/>
+            <a:ext cx="7772400" cy="4114800"/>
+          </a:xfrm>
+          <a:prstGeom prst="rect">
+            <a:avLst/>
+          </a:prstGeom>
+          <a:noFill/>
+          <a:ln/>
+        </p:spPr>
+        <p:txBody>
+          <a:bodyPr wrap="square" rtlCol="0" anchor="ctr"/>
+          <a:lstStyle/>
+          <a:p>
+            <a:pPr indent="0" marL="0">
+              <a:buNone/>
+            </a:pPr>
+            <a:r>
+              <a:rPr lang="en-US" sz="1800" dirty="0">
+                <a:solidFill>
+                  <a:srgbClr val="111111"/>
+                </a:solidFill>
+              </a:rPr>
+              <a:t>• Traditional learning lacks personalization and deep analytics</a:t>
+            </a:r>
+            <a:endParaRPr lang="en-US" sz="1800" dirty="0"/>
+          </a:p>
+          <a:p>
+            <a:pPr indent="0" marL="0">
+              <a:buNone/>
+            </a:pPr>
+            <a:r>
+              <a:rPr lang="en-US" sz="1800" dirty="0">
+                <a:solidFill>
+                  <a:srgbClr val="111111"/>
+                </a:solidFill>
+              </a:rPr>
+              <a:t>• Hard to identify strengths/weaknesses for targeted improvement</a:t>
+            </a:r>
+            <a:endParaRPr lang="en-US" sz="1800" dirty="0"/>
+          </a:p>
+          <a:p>
+            <a:pPr indent="0" marL="0">
+              <a:buNone/>
+            </a:pPr>
+            <a:r>
+              <a:rPr lang="en-US" sz="1800" dirty="0">
+                <a:solidFill>
+                  <a:srgbClr val="111111"/>
+                </a:solidFill>
+              </a:rPr>
+              <a:t>• Admins require efficient management and oversight tools</a:t>
+            </a:r>
+            <a:endParaRPr lang="en-US" sz="1800" dirty="0"/>
+          </a:p>
+        </p:txBody>
+      </p:sp>
+    </p:spTree>
+  </p:cSld>
+  <p:clrMapOvr>
+    <a:masterClrMapping/>
+  </p:clrMapOvr>
+</p:sld>
+</file>
+
+<file path=ppt/slides/slide30.xml><?xml version="1.0" encoding="utf-8"?>
+<p:sld xmlns:a="http://schemas.openxmlformats.org/drawingml/2006/main" xmlns:r="http://schemas.openxmlformats.org/officeDocument/2006/relationships" xmlns:p="http://schemas.openxmlformats.org/presentationml/2006/main">
+  <p:cSld name="Slide 30">
+    <p:spTree>
+      <p:nvGrpSpPr>
+        <p:cNvPr id="1" name=""/>
+        <p:cNvGrpSpPr/>
+        <p:nvPr/>
+      </p:nvGrpSpPr>
+      <p:grpSpPr>
+        <a:xfrm>
+          <a:off x="0" y="0"/>
+          <a:ext cx="0" cy="0"/>
+          <a:chOff x="0" y="0"/>
+          <a:chExt cx="0" cy="0"/>
+        </a:xfrm>
+      </p:grpSpPr>
+      <p:sp>
+        <p:nvSpPr>
+          <p:cNvPr id="2" name="Text 0"/>
+          <p:cNvSpPr/>
+          <p:nvPr/>
+        </p:nvSpPr>
+        <p:spPr>
+          <a:xfrm>
+            <a:off x="457200" y="457200"/>
+            <a:ext cx="8229600" cy="640080"/>
+          </a:xfrm>
+          <a:prstGeom prst="rect">
+            <a:avLst/>
+          </a:prstGeom>
+          <a:noFill/>
+          <a:ln/>
+        </p:spPr>
+        <p:txBody>
+          <a:bodyPr wrap="square" rtlCol="0" anchor="ctr"/>
+          <a:lstStyle/>
+          <a:p>
+            <a:pPr indent="0" marL="0">
+              <a:buNone/>
+            </a:pPr>
+            <a:r>
+              <a:rPr lang="en-US" sz="2600" b="1" dirty="0">
+                <a:solidFill>
+                  <a:srgbClr val="203040"/>
+                </a:solidFill>
+              </a:rPr>
+              <a:t>Somdatt Verma — UI Polish &amp; A11y</a:t>
+            </a:r>
+            <a:endParaRPr lang="en-US" sz="2600" dirty="0"/>
+          </a:p>
+        </p:txBody>
+      </p:sp>
+      <p:sp>
+        <p:nvSpPr>
+          <p:cNvPr id="3" name="Text 1"/>
+          <p:cNvSpPr/>
+          <p:nvPr/>
+        </p:nvSpPr>
+        <p:spPr>
+          <a:xfrm>
+            <a:off x="731520" y="1280160"/>
+            <a:ext cx="7772400" cy="4114800"/>
+          </a:xfrm>
+          <a:prstGeom prst="rect">
+            <a:avLst/>
+          </a:prstGeom>
+          <a:noFill/>
+          <a:ln/>
+        </p:spPr>
+        <p:txBody>
+          <a:bodyPr wrap="square" rtlCol="0" anchor="ctr"/>
+          <a:lstStyle/>
+          <a:p>
+            <a:pPr indent="0" marL="0">
+              <a:buNone/>
+            </a:pPr>
+            <a:r>
+              <a:rPr lang="en-US" sz="1800" dirty="0">
+                <a:solidFill>
+                  <a:srgbClr val="111111"/>
+                </a:solidFill>
+              </a:rPr>
+              <a:t>• Responsive polish and theming</a:t>
+            </a:r>
+            <a:endParaRPr lang="en-US" sz="1800" dirty="0"/>
+          </a:p>
+          <a:p>
+            <a:pPr indent="0" marL="0">
+              <a:buNone/>
+            </a:pPr>
+            <a:r>
+              <a:rPr lang="en-US" sz="1800" dirty="0">
+                <a:solidFill>
+                  <a:srgbClr val="111111"/>
+                </a:solidFill>
+              </a:rPr>
+              <a:t>• Accessibility checks</a:t>
+            </a:r>
+            <a:endParaRPr lang="en-US" sz="1800" dirty="0"/>
+          </a:p>
+          <a:p>
+            <a:pPr indent="0" marL="0">
+              <a:buNone/>
+            </a:pPr>
+            <a:r>
+              <a:rPr lang="en-US" sz="1800" dirty="0">
+                <a:solidFill>
+                  <a:srgbClr val="111111"/>
+                </a:solidFill>
+              </a:rPr>
+              <a:t>• Content assets management</a:t>
+            </a:r>
+            <a:endParaRPr lang="en-US" sz="1800" dirty="0"/>
+          </a:p>
+        </p:txBody>
+      </p:sp>
+    </p:spTree>
+  </p:cSld>
+  <p:clrMapOvr>
+    <a:masterClrMapping/>
+  </p:clrMapOvr>
+</p:sld>
+</file>
+
+<file path=ppt/slides/slide31.xml><?xml version="1.0" encoding="utf-8"?>
+<p:sld xmlns:a="http://schemas.openxmlformats.org/drawingml/2006/main" xmlns:r="http://schemas.openxmlformats.org/officeDocument/2006/relationships" xmlns:p="http://schemas.openxmlformats.org/presentationml/2006/main">
+  <p:cSld name="Slide 31">
+    <p:spTree>
+      <p:nvGrpSpPr>
+        <p:cNvPr id="1" name=""/>
+        <p:cNvGrpSpPr/>
+        <p:nvPr/>
+      </p:nvGrpSpPr>
+      <p:grpSpPr>
+        <a:xfrm>
+          <a:off x="0" y="0"/>
+          <a:ext cx="0" cy="0"/>
+          <a:chOff x="0" y="0"/>
+          <a:chExt cx="0" cy="0"/>
+        </a:xfrm>
+      </p:grpSpPr>
+      <p:sp>
+        <p:nvSpPr>
+          <p:cNvPr id="2" name="Text 0"/>
+          <p:cNvSpPr/>
+          <p:nvPr/>
+        </p:nvSpPr>
+        <p:spPr>
+          <a:xfrm>
+            <a:off x="457200" y="457200"/>
+            <a:ext cx="8229600" cy="640080"/>
+          </a:xfrm>
+          <a:prstGeom prst="rect">
+            <a:avLst/>
+          </a:prstGeom>
+          <a:noFill/>
+          <a:ln/>
+        </p:spPr>
+        <p:txBody>
+          <a:bodyPr wrap="square" rtlCol="0" anchor="ctr"/>
+          <a:lstStyle/>
+          <a:p>
+            <a:pPr indent="0" marL="0">
+              <a:buNone/>
+            </a:pPr>
+            <a:r>
+              <a:rPr lang="en-US" sz="2600" b="1" dirty="0">
+                <a:solidFill>
+                  <a:srgbClr val="203040"/>
+                </a:solidFill>
+              </a:rPr>
               <a:t>Progress vs. Next Steps</a:t>
             </a:r>
             <a:endParaRPr lang="en-US" sz="2600" dirty="0"/>
@@ -3771,7 +8439,7 @@
       </p:sp>
       <p:graphicFrame>
         <p:nvGraphicFramePr>
-          <p:cNvPr id="17" name="Table 0"/>
+          <p:cNvPr id="32" name="Table 0"/>
           <p:cNvGraphicFramePr>
             <a:graphicFrameLocks noGrp="1"/>
           </p:cNvGraphicFramePr>
@@ -4938,9 +9606,9 @@
 </p:sld>
 </file>
 
-<file path=ppt/slides/slide17.xml><?xml version="1.0" encoding="utf-8"?>
+<file path=ppt/slides/slide32.xml><?xml version="1.0" encoding="utf-8"?>
 <p:sld xmlns:a="http://schemas.openxmlformats.org/drawingml/2006/main" xmlns:r="http://schemas.openxmlformats.org/officeDocument/2006/relationships" xmlns:p="http://schemas.openxmlformats.org/presentationml/2006/main">
-  <p:cSld name="Slide 17">
+  <p:cSld name="Slide 32">
     <p:spTree>
       <p:nvGrpSpPr>
         <p:cNvPr id="1" name=""/>
@@ -4985,104 +9653,721 @@
                   <a:srgbClr val="203040"/>
                 </a:solidFill>
               </a:rPr>
-              <a:t>Roadmap &amp; Deployment</a:t>
+              <a:t>KPIs &amp; Success Metrics</a:t>
             </a:r>
             <a:endParaRPr lang="en-US" sz="2600" dirty="0"/>
           </a:p>
         </p:txBody>
       </p:sp>
-      <p:sp>
-        <p:nvSpPr>
-          <p:cNvPr id="3" name="Text 1"/>
-          <p:cNvSpPr/>
-          <p:nvPr/>
-        </p:nvSpPr>
-        <p:spPr>
-          <a:xfrm>
-            <a:off x="731520" y="1280160"/>
-            <a:ext cx="7772400" cy="4114800"/>
-          </a:xfrm>
-          <a:prstGeom prst="rect">
-            <a:avLst/>
-          </a:prstGeom>
-          <a:noFill/>
-          <a:ln/>
-        </p:spPr>
-        <p:txBody>
-          <a:bodyPr wrap="square" rtlCol="0" anchor="ctr"/>
-          <a:lstStyle/>
-          <a:p>
-            <a:pPr indent="0" marL="0">
-              <a:buNone/>
-            </a:pPr>
-            <a:r>
-              <a:rPr lang="en-US" sz="1800" dirty="0">
-                <a:solidFill>
-                  <a:srgbClr val="111111"/>
-                </a:solidFill>
-              </a:rPr>
-              <a:t>• Implement full auth backend and RBAC guards</a:t>
-            </a:r>
-            <a:endParaRPr lang="en-US" sz="1800" dirty="0"/>
-          </a:p>
-          <a:p>
-            <a:pPr indent="0" marL="0">
-              <a:buNone/>
-            </a:pPr>
-            <a:r>
-              <a:rPr lang="en-US" sz="1800" dirty="0">
-                <a:solidFill>
-                  <a:srgbClr val="111111"/>
-                </a:solidFill>
-              </a:rPr>
-              <a:t>• Complete Admin CRUD and Student data wiring</a:t>
-            </a:r>
-            <a:endParaRPr lang="en-US" sz="1800" dirty="0"/>
-          </a:p>
-          <a:p>
-            <a:pPr indent="0" marL="0">
-              <a:buNone/>
-            </a:pPr>
-            <a:r>
-              <a:rPr lang="en-US" sz="1800" dirty="0">
-                <a:solidFill>
-                  <a:srgbClr val="111111"/>
-                </a:solidFill>
-              </a:rPr>
-              <a:t>• Integrate ML analysis end-to-end</a:t>
-            </a:r>
-            <a:endParaRPr lang="en-US" sz="1800" dirty="0"/>
-          </a:p>
-          <a:p>
-            <a:pPr indent="0" marL="0">
-              <a:buNone/>
-            </a:pPr>
-            <a:r>
-              <a:rPr lang="en-US" sz="1800" dirty="0">
-                <a:solidFill>
-                  <a:srgbClr val="111111"/>
-                </a:solidFill>
-              </a:rPr>
-              <a:t>• Add CI, tests, and deployment (Vercel)</a:t>
-            </a:r>
-            <a:endParaRPr lang="en-US" sz="1800" dirty="0"/>
-          </a:p>
-          <a:p>
-            <a:pPr indent="0" marL="0">
-              <a:buNone/>
-            </a:pPr>
-            <a:r>
-              <a:rPr lang="en-US" sz="1800" dirty="0">
-                <a:solidFill>
-                  <a:srgbClr val="111111"/>
-                </a:solidFill>
-              </a:rPr>
-              <a:t>• Prepare demo walkthrough and documentation</a:t>
-            </a:r>
-            <a:endParaRPr lang="en-US" sz="1800" dirty="0"/>
-          </a:p>
-        </p:txBody>
-      </p:sp>
+      <p:graphicFrame>
+        <p:nvGraphicFramePr>
+          <p:cNvPr id="33" name="Table 0"/>
+          <p:cNvGraphicFramePr>
+            <a:graphicFrameLocks noGrp="1"/>
+          </p:cNvGraphicFramePr>
+          <p:nvPr>
+            <p:extLst>
+              <p:ext uri="{D42A27DB-BD31-4B8C-83A1-F6EECF244321}">
+                <p14:modId xmlns:p14="http://schemas.microsoft.com/office/powerpoint/2010/main" val="1579011935"/>
+              </p:ext>
+            </p:extLst>
+          </p:nvPr>
+        </p:nvGraphicFramePr>
+        <p:xfrm>
+          <a:off x="457200" y="1188720"/>
+          <a:ext cx="8229600" cy="914400"/>
+        </p:xfrm>
+        <a:graphic>
+          <a:graphicData uri="http://schemas.openxmlformats.org/drawingml/2006/table">
+            <a:tbl>
+              <a:tblPr/>
+              <a:tblGrid>
+                <a:gridCol w="2743200"/>
+                <a:gridCol w="2743200"/>
+                <a:gridCol w="2743200"/>
+              </a:tblGrid>
+              <a:tr h="0">
+                <a:tc>
+                  <a:txBody>
+                    <a:bodyPr/>
+                    <a:lstStyle/>
+                    <a:p>
+                      <a:pPr indent="0" marL="0">
+                        <a:buNone/>
+                      </a:pPr>
+                      <a:r>
+                        <a:rPr lang="en-US" sz="1400" b="1" dirty="0">
+                          <a:solidFill>
+                            <a:srgbClr val="1A1A1A"/>
+                          </a:solidFill>
+                        </a:rPr>
+                        <a:t>Metric</a:t>
+                      </a:r>
+                      <a:endParaRPr lang="en-US" sz="1400" dirty="0"/>
+                    </a:p>
+                  </a:txBody>
+                  <a:tcPr marL="91440" marR="91440" marT="45720" marB="45720">
+                    <a:lnL w="0" cap="flat" cmpd="sng" algn="ctr">
+                      <a:noFill/>
+                    </a:lnL>
+                    <a:lnR w="0" cap="flat" cmpd="sng" algn="ctr">
+                      <a:noFill/>
+                    </a:lnR>
+                    <a:lnT w="0" cap="flat" cmpd="sng" algn="ctr">
+                      <a:noFill/>
+                    </a:lnT>
+                    <a:lnB w="0" cap="flat" cmpd="sng" algn="ctr">
+                      <a:noFill/>
+                    </a:lnB>
+                    <a:solidFill>
+                      <a:srgbClr val="F7F9FC"/>
+                    </a:solidFill>
+                  </a:tcPr>
+                </a:tc>
+                <a:tc>
+                  <a:txBody>
+                    <a:bodyPr/>
+                    <a:lstStyle/>
+                    <a:p>
+                      <a:pPr indent="0" marL="0">
+                        <a:buNone/>
+                      </a:pPr>
+                      <a:r>
+                        <a:rPr lang="en-US" sz="1400" b="1" dirty="0">
+                          <a:solidFill>
+                            <a:srgbClr val="1A1A1A"/>
+                          </a:solidFill>
+                        </a:rPr>
+                        <a:t>Target</a:t>
+                      </a:r>
+                      <a:endParaRPr lang="en-US" sz="1400" dirty="0"/>
+                    </a:p>
+                  </a:txBody>
+                  <a:tcPr marL="91440" marR="91440" marT="45720" marB="45720">
+                    <a:lnL w="0" cap="flat" cmpd="sng" algn="ctr">
+                      <a:noFill/>
+                    </a:lnL>
+                    <a:lnR w="0" cap="flat" cmpd="sng" algn="ctr">
+                      <a:noFill/>
+                    </a:lnR>
+                    <a:lnT w="0" cap="flat" cmpd="sng" algn="ctr">
+                      <a:noFill/>
+                    </a:lnT>
+                    <a:lnB w="0" cap="flat" cmpd="sng" algn="ctr">
+                      <a:noFill/>
+                    </a:lnB>
+                    <a:solidFill>
+                      <a:srgbClr val="F7F9FC"/>
+                    </a:solidFill>
+                  </a:tcPr>
+                </a:tc>
+                <a:tc>
+                  <a:txBody>
+                    <a:bodyPr/>
+                    <a:lstStyle/>
+                    <a:p>
+                      <a:pPr indent="0" marL="0">
+                        <a:buNone/>
+                      </a:pPr>
+                      <a:r>
+                        <a:rPr lang="en-US" sz="1400" b="1" dirty="0">
+                          <a:solidFill>
+                            <a:srgbClr val="1A1A1A"/>
+                          </a:solidFill>
+                        </a:rPr>
+                        <a:t>Why It Matters</a:t>
+                      </a:r>
+                      <a:endParaRPr lang="en-US" sz="1400" dirty="0"/>
+                    </a:p>
+                  </a:txBody>
+                  <a:tcPr marL="91440" marR="91440" marT="45720" marB="45720">
+                    <a:lnL w="0" cap="flat" cmpd="sng" algn="ctr">
+                      <a:noFill/>
+                    </a:lnL>
+                    <a:lnR w="0" cap="flat" cmpd="sng" algn="ctr">
+                      <a:noFill/>
+                    </a:lnR>
+                    <a:lnT w="0" cap="flat" cmpd="sng" algn="ctr">
+                      <a:noFill/>
+                    </a:lnT>
+                    <a:lnB w="0" cap="flat" cmpd="sng" algn="ctr">
+                      <a:noFill/>
+                    </a:lnB>
+                    <a:solidFill>
+                      <a:srgbClr val="F7F9FC"/>
+                    </a:solidFill>
+                  </a:tcPr>
+                </a:tc>
+              </a:tr>
+              <a:tr h="0">
+                <a:tc>
+                  <a:txBody>
+                    <a:bodyPr/>
+                    <a:lstStyle/>
+                    <a:p>
+                      <a:pPr indent="0" marL="0">
+                        <a:buNone/>
+                      </a:pPr>
+                      <a:r>
+                        <a:rPr lang="en-US" sz="1400" dirty="0">
+                          <a:solidFill>
+                            <a:srgbClr val="1A1A1A"/>
+                          </a:solidFill>
+                        </a:rPr>
+                        <a:t>Monthly Active Users</a:t>
+                      </a:r>
+                      <a:endParaRPr lang="en-US" sz="1400" dirty="0"/>
+                    </a:p>
+                  </a:txBody>
+                  <a:tcPr marL="91440" marR="91440" marT="45720" marB="45720">
+                    <a:lnL w="0" cap="flat" cmpd="sng" algn="ctr">
+                      <a:noFill/>
+                    </a:lnL>
+                    <a:lnR w="0" cap="flat" cmpd="sng" algn="ctr">
+                      <a:noFill/>
+                    </a:lnR>
+                    <a:lnT w="0" cap="flat" cmpd="sng" algn="ctr">
+                      <a:noFill/>
+                    </a:lnT>
+                    <a:lnB w="0" cap="flat" cmpd="sng" algn="ctr">
+                      <a:noFill/>
+                    </a:lnB>
+                    <a:solidFill>
+                      <a:srgbClr val="F7F9FC"/>
+                    </a:solidFill>
+                  </a:tcPr>
+                </a:tc>
+                <a:tc>
+                  <a:txBody>
+                    <a:bodyPr/>
+                    <a:lstStyle/>
+                    <a:p>
+                      <a:pPr indent="0" marL="0">
+                        <a:buNone/>
+                      </a:pPr>
+                      <a:r>
+                        <a:rPr lang="en-US" sz="1400" dirty="0">
+                          <a:solidFill>
+                            <a:srgbClr val="1A1A1A"/>
+                          </a:solidFill>
+                        </a:rPr>
+                        <a:t>500+</a:t>
+                      </a:r>
+                      <a:endParaRPr lang="en-US" sz="1400" dirty="0"/>
+                    </a:p>
+                  </a:txBody>
+                  <a:tcPr marL="91440" marR="91440" marT="45720" marB="45720">
+                    <a:lnL w="0" cap="flat" cmpd="sng" algn="ctr">
+                      <a:noFill/>
+                    </a:lnL>
+                    <a:lnR w="0" cap="flat" cmpd="sng" algn="ctr">
+                      <a:noFill/>
+                    </a:lnR>
+                    <a:lnT w="0" cap="flat" cmpd="sng" algn="ctr">
+                      <a:noFill/>
+                    </a:lnT>
+                    <a:lnB w="0" cap="flat" cmpd="sng" algn="ctr">
+                      <a:noFill/>
+                    </a:lnB>
+                    <a:solidFill>
+                      <a:srgbClr val="F7F9FC"/>
+                    </a:solidFill>
+                  </a:tcPr>
+                </a:tc>
+                <a:tc>
+                  <a:txBody>
+                    <a:bodyPr/>
+                    <a:lstStyle/>
+                    <a:p>
+                      <a:pPr indent="0" marL="0">
+                        <a:buNone/>
+                      </a:pPr>
+                      <a:r>
+                        <a:rPr lang="en-US" sz="1400" dirty="0">
+                          <a:solidFill>
+                            <a:srgbClr val="1A1A1A"/>
+                          </a:solidFill>
+                        </a:rPr>
+                        <a:t>Adoption and engagement</a:t>
+                      </a:r>
+                      <a:endParaRPr lang="en-US" sz="1400" dirty="0"/>
+                    </a:p>
+                  </a:txBody>
+                  <a:tcPr marL="91440" marR="91440" marT="45720" marB="45720">
+                    <a:lnL w="0" cap="flat" cmpd="sng" algn="ctr">
+                      <a:noFill/>
+                    </a:lnL>
+                    <a:lnR w="0" cap="flat" cmpd="sng" algn="ctr">
+                      <a:noFill/>
+                    </a:lnR>
+                    <a:lnT w="0" cap="flat" cmpd="sng" algn="ctr">
+                      <a:noFill/>
+                    </a:lnT>
+                    <a:lnB w="0" cap="flat" cmpd="sng" algn="ctr">
+                      <a:noFill/>
+                    </a:lnB>
+                    <a:solidFill>
+                      <a:srgbClr val="F7F9FC"/>
+                    </a:solidFill>
+                  </a:tcPr>
+                </a:tc>
+              </a:tr>
+              <a:tr h="0">
+                <a:tc>
+                  <a:txBody>
+                    <a:bodyPr/>
+                    <a:lstStyle/>
+                    <a:p>
+                      <a:pPr indent="0" marL="0">
+                        <a:buNone/>
+                      </a:pPr>
+                      <a:r>
+                        <a:rPr lang="en-US" sz="1400" dirty="0">
+                          <a:solidFill>
+                            <a:srgbClr val="1A1A1A"/>
+                          </a:solidFill>
+                        </a:rPr>
+                        <a:t>Exam Completion Rate</a:t>
+                      </a:r>
+                      <a:endParaRPr lang="en-US" sz="1400" dirty="0"/>
+                    </a:p>
+                  </a:txBody>
+                  <a:tcPr marL="91440" marR="91440" marT="45720" marB="45720">
+                    <a:lnL w="0" cap="flat" cmpd="sng" algn="ctr">
+                      <a:noFill/>
+                    </a:lnL>
+                    <a:lnR w="0" cap="flat" cmpd="sng" algn="ctr">
+                      <a:noFill/>
+                    </a:lnR>
+                    <a:lnT w="0" cap="flat" cmpd="sng" algn="ctr">
+                      <a:noFill/>
+                    </a:lnT>
+                    <a:lnB w="0" cap="flat" cmpd="sng" algn="ctr">
+                      <a:noFill/>
+                    </a:lnB>
+                    <a:solidFill>
+                      <a:srgbClr val="F7F9FC"/>
+                    </a:solidFill>
+                  </a:tcPr>
+                </a:tc>
+                <a:tc>
+                  <a:txBody>
+                    <a:bodyPr/>
+                    <a:lstStyle/>
+                    <a:p>
+                      <a:pPr indent="0" marL="0">
+                        <a:buNone/>
+                      </a:pPr>
+                      <a:r>
+                        <a:rPr lang="en-US" sz="1400" dirty="0">
+                          <a:solidFill>
+                            <a:srgbClr val="1A1A1A"/>
+                          </a:solidFill>
+                        </a:rPr>
+                        <a:t>≥ 75%</a:t>
+                      </a:r>
+                      <a:endParaRPr lang="en-US" sz="1400" dirty="0"/>
+                    </a:p>
+                  </a:txBody>
+                  <a:tcPr marL="91440" marR="91440" marT="45720" marB="45720">
+                    <a:lnL w="0" cap="flat" cmpd="sng" algn="ctr">
+                      <a:noFill/>
+                    </a:lnL>
+                    <a:lnR w="0" cap="flat" cmpd="sng" algn="ctr">
+                      <a:noFill/>
+                    </a:lnR>
+                    <a:lnT w="0" cap="flat" cmpd="sng" algn="ctr">
+                      <a:noFill/>
+                    </a:lnT>
+                    <a:lnB w="0" cap="flat" cmpd="sng" algn="ctr">
+                      <a:noFill/>
+                    </a:lnB>
+                    <a:solidFill>
+                      <a:srgbClr val="F7F9FC"/>
+                    </a:solidFill>
+                  </a:tcPr>
+                </a:tc>
+                <a:tc>
+                  <a:txBody>
+                    <a:bodyPr/>
+                    <a:lstStyle/>
+                    <a:p>
+                      <a:pPr indent="0" marL="0">
+                        <a:buNone/>
+                      </a:pPr>
+                      <a:r>
+                        <a:rPr lang="en-US" sz="1400" dirty="0">
+                          <a:solidFill>
+                            <a:srgbClr val="1A1A1A"/>
+                          </a:solidFill>
+                        </a:rPr>
+                        <a:t>Stickiness and flow quality</a:t>
+                      </a:r>
+                      <a:endParaRPr lang="en-US" sz="1400" dirty="0"/>
+                    </a:p>
+                  </a:txBody>
+                  <a:tcPr marL="91440" marR="91440" marT="45720" marB="45720">
+                    <a:lnL w="0" cap="flat" cmpd="sng" algn="ctr">
+                      <a:noFill/>
+                    </a:lnL>
+                    <a:lnR w="0" cap="flat" cmpd="sng" algn="ctr">
+                      <a:noFill/>
+                    </a:lnR>
+                    <a:lnT w="0" cap="flat" cmpd="sng" algn="ctr">
+                      <a:noFill/>
+                    </a:lnT>
+                    <a:lnB w="0" cap="flat" cmpd="sng" algn="ctr">
+                      <a:noFill/>
+                    </a:lnB>
+                    <a:solidFill>
+                      <a:srgbClr val="F7F9FC"/>
+                    </a:solidFill>
+                  </a:tcPr>
+                </a:tc>
+              </a:tr>
+              <a:tr h="0">
+                <a:tc>
+                  <a:txBody>
+                    <a:bodyPr/>
+                    <a:lstStyle/>
+                    <a:p>
+                      <a:pPr indent="0" marL="0">
+                        <a:buNone/>
+                      </a:pPr>
+                      <a:r>
+                        <a:rPr lang="en-US" sz="1400" dirty="0">
+                          <a:solidFill>
+                            <a:srgbClr val="1A1A1A"/>
+                          </a:solidFill>
+                        </a:rPr>
+                        <a:t>Avg. Score Improvement</a:t>
+                      </a:r>
+                      <a:endParaRPr lang="en-US" sz="1400" dirty="0"/>
+                    </a:p>
+                  </a:txBody>
+                  <a:tcPr marL="91440" marR="91440" marT="45720" marB="45720">
+                    <a:lnL w="0" cap="flat" cmpd="sng" algn="ctr">
+                      <a:noFill/>
+                    </a:lnL>
+                    <a:lnR w="0" cap="flat" cmpd="sng" algn="ctr">
+                      <a:noFill/>
+                    </a:lnR>
+                    <a:lnT w="0" cap="flat" cmpd="sng" algn="ctr">
+                      <a:noFill/>
+                    </a:lnT>
+                    <a:lnB w="0" cap="flat" cmpd="sng" algn="ctr">
+                      <a:noFill/>
+                    </a:lnB>
+                    <a:solidFill>
+                      <a:srgbClr val="F7F9FC"/>
+                    </a:solidFill>
+                  </a:tcPr>
+                </a:tc>
+                <a:tc>
+                  <a:txBody>
+                    <a:bodyPr/>
+                    <a:lstStyle/>
+                    <a:p>
+                      <a:pPr indent="0" marL="0">
+                        <a:buNone/>
+                      </a:pPr>
+                      <a:r>
+                        <a:rPr lang="en-US" sz="1400" dirty="0">
+                          <a:solidFill>
+                            <a:srgbClr val="1A1A1A"/>
+                          </a:solidFill>
+                        </a:rPr>
+                        <a:t>+10%</a:t>
+                      </a:r>
+                      <a:endParaRPr lang="en-US" sz="1400" dirty="0"/>
+                    </a:p>
+                  </a:txBody>
+                  <a:tcPr marL="91440" marR="91440" marT="45720" marB="45720">
+                    <a:lnL w="0" cap="flat" cmpd="sng" algn="ctr">
+                      <a:noFill/>
+                    </a:lnL>
+                    <a:lnR w="0" cap="flat" cmpd="sng" algn="ctr">
+                      <a:noFill/>
+                    </a:lnR>
+                    <a:lnT w="0" cap="flat" cmpd="sng" algn="ctr">
+                      <a:noFill/>
+                    </a:lnT>
+                    <a:lnB w="0" cap="flat" cmpd="sng" algn="ctr">
+                      <a:noFill/>
+                    </a:lnB>
+                    <a:solidFill>
+                      <a:srgbClr val="F7F9FC"/>
+                    </a:solidFill>
+                  </a:tcPr>
+                </a:tc>
+                <a:tc>
+                  <a:txBody>
+                    <a:bodyPr/>
+                    <a:lstStyle/>
+                    <a:p>
+                      <a:pPr indent="0" marL="0">
+                        <a:buNone/>
+                      </a:pPr>
+                      <a:r>
+                        <a:rPr lang="en-US" sz="1400" dirty="0">
+                          <a:solidFill>
+                            <a:srgbClr val="1A1A1A"/>
+                          </a:solidFill>
+                        </a:rPr>
+                        <a:t>Learning impact</a:t>
+                      </a:r>
+                      <a:endParaRPr lang="en-US" sz="1400" dirty="0"/>
+                    </a:p>
+                  </a:txBody>
+                  <a:tcPr marL="91440" marR="91440" marT="45720" marB="45720">
+                    <a:lnL w="0" cap="flat" cmpd="sng" algn="ctr">
+                      <a:noFill/>
+                    </a:lnL>
+                    <a:lnR w="0" cap="flat" cmpd="sng" algn="ctr">
+                      <a:noFill/>
+                    </a:lnR>
+                    <a:lnT w="0" cap="flat" cmpd="sng" algn="ctr">
+                      <a:noFill/>
+                    </a:lnT>
+                    <a:lnB w="0" cap="flat" cmpd="sng" algn="ctr">
+                      <a:noFill/>
+                    </a:lnB>
+                    <a:solidFill>
+                      <a:srgbClr val="F7F9FC"/>
+                    </a:solidFill>
+                  </a:tcPr>
+                </a:tc>
+              </a:tr>
+              <a:tr h="0">
+                <a:tc>
+                  <a:txBody>
+                    <a:bodyPr/>
+                    <a:lstStyle/>
+                    <a:p>
+                      <a:pPr indent="0" marL="0">
+                        <a:buNone/>
+                      </a:pPr>
+                      <a:r>
+                        <a:rPr lang="en-US" sz="1400" dirty="0">
+                          <a:solidFill>
+                            <a:srgbClr val="1A1A1A"/>
+                          </a:solidFill>
+                        </a:rPr>
+                        <a:t>Report Views per User</a:t>
+                      </a:r>
+                      <a:endParaRPr lang="en-US" sz="1400" dirty="0"/>
+                    </a:p>
+                  </a:txBody>
+                  <a:tcPr marL="91440" marR="91440" marT="45720" marB="45720">
+                    <a:lnL w="0" cap="flat" cmpd="sng" algn="ctr">
+                      <a:noFill/>
+                    </a:lnL>
+                    <a:lnR w="0" cap="flat" cmpd="sng" algn="ctr">
+                      <a:noFill/>
+                    </a:lnR>
+                    <a:lnT w="0" cap="flat" cmpd="sng" algn="ctr">
+                      <a:noFill/>
+                    </a:lnT>
+                    <a:lnB w="0" cap="flat" cmpd="sng" algn="ctr">
+                      <a:noFill/>
+                    </a:lnB>
+                    <a:solidFill>
+                      <a:srgbClr val="F7F9FC"/>
+                    </a:solidFill>
+                  </a:tcPr>
+                </a:tc>
+                <a:tc>
+                  <a:txBody>
+                    <a:bodyPr/>
+                    <a:lstStyle/>
+                    <a:p>
+                      <a:pPr indent="0" marL="0">
+                        <a:buNone/>
+                      </a:pPr>
+                      <a:r>
+                        <a:rPr lang="en-US" sz="1400" dirty="0">
+                          <a:solidFill>
+                            <a:srgbClr val="1A1A1A"/>
+                          </a:solidFill>
+                        </a:rPr>
+                        <a:t>≥ 3</a:t>
+                      </a:r>
+                      <a:endParaRPr lang="en-US" sz="1400" dirty="0"/>
+                    </a:p>
+                  </a:txBody>
+                  <a:tcPr marL="91440" marR="91440" marT="45720" marB="45720">
+                    <a:lnL w="0" cap="flat" cmpd="sng" algn="ctr">
+                      <a:noFill/>
+                    </a:lnL>
+                    <a:lnR w="0" cap="flat" cmpd="sng" algn="ctr">
+                      <a:noFill/>
+                    </a:lnR>
+                    <a:lnT w="0" cap="flat" cmpd="sng" algn="ctr">
+                      <a:noFill/>
+                    </a:lnT>
+                    <a:lnB w="0" cap="flat" cmpd="sng" algn="ctr">
+                      <a:noFill/>
+                    </a:lnB>
+                    <a:solidFill>
+                      <a:srgbClr val="F7F9FC"/>
+                    </a:solidFill>
+                  </a:tcPr>
+                </a:tc>
+                <a:tc>
+                  <a:txBody>
+                    <a:bodyPr/>
+                    <a:lstStyle/>
+                    <a:p>
+                      <a:pPr indent="0" marL="0">
+                        <a:buNone/>
+                      </a:pPr>
+                      <a:r>
+                        <a:rPr lang="en-US" sz="1400" dirty="0">
+                          <a:solidFill>
+                            <a:srgbClr val="1A1A1A"/>
+                          </a:solidFill>
+                        </a:rPr>
+                        <a:t>Insight consumption</a:t>
+                      </a:r>
+                      <a:endParaRPr lang="en-US" sz="1400" dirty="0"/>
+                    </a:p>
+                  </a:txBody>
+                  <a:tcPr marL="91440" marR="91440" marT="45720" marB="45720">
+                    <a:lnL w="0" cap="flat" cmpd="sng" algn="ctr">
+                      <a:noFill/>
+                    </a:lnL>
+                    <a:lnR w="0" cap="flat" cmpd="sng" algn="ctr">
+                      <a:noFill/>
+                    </a:lnR>
+                    <a:lnT w="0" cap="flat" cmpd="sng" algn="ctr">
+                      <a:noFill/>
+                    </a:lnT>
+                    <a:lnB w="0" cap="flat" cmpd="sng" algn="ctr">
+                      <a:noFill/>
+                    </a:lnB>
+                    <a:solidFill>
+                      <a:srgbClr val="F7F9FC"/>
+                    </a:solidFill>
+                  </a:tcPr>
+                </a:tc>
+              </a:tr>
+              <a:tr h="0">
+                <a:tc>
+                  <a:txBody>
+                    <a:bodyPr/>
+                    <a:lstStyle/>
+                    <a:p>
+                      <a:pPr indent="0" marL="0">
+                        <a:buNone/>
+                      </a:pPr>
+                      <a:r>
+                        <a:rPr lang="en-US" sz="1400" dirty="0">
+                          <a:solidFill>
+                            <a:srgbClr val="1A1A1A"/>
+                          </a:solidFill>
+                        </a:rPr>
+                        <a:t>7-day Retention</a:t>
+                      </a:r>
+                      <a:endParaRPr lang="en-US" sz="1400" dirty="0"/>
+                    </a:p>
+                  </a:txBody>
+                  <a:tcPr marL="91440" marR="91440" marT="45720" marB="45720">
+                    <a:lnL w="0" cap="flat" cmpd="sng" algn="ctr">
+                      <a:noFill/>
+                    </a:lnL>
+                    <a:lnR w="0" cap="flat" cmpd="sng" algn="ctr">
+                      <a:noFill/>
+                    </a:lnR>
+                    <a:lnT w="0" cap="flat" cmpd="sng" algn="ctr">
+                      <a:noFill/>
+                    </a:lnT>
+                    <a:lnB w="0" cap="flat" cmpd="sng" algn="ctr">
+                      <a:noFill/>
+                    </a:lnB>
+                    <a:solidFill>
+                      <a:srgbClr val="F7F9FC"/>
+                    </a:solidFill>
+                  </a:tcPr>
+                </a:tc>
+                <a:tc>
+                  <a:txBody>
+                    <a:bodyPr/>
+                    <a:lstStyle/>
+                    <a:p>
+                      <a:pPr indent="0" marL="0">
+                        <a:buNone/>
+                      </a:pPr>
+                      <a:r>
+                        <a:rPr lang="en-US" sz="1400" dirty="0">
+                          <a:solidFill>
+                            <a:srgbClr val="1A1A1A"/>
+                          </a:solidFill>
+                        </a:rPr>
+                        <a:t>≥ 40%</a:t>
+                      </a:r>
+                      <a:endParaRPr lang="en-US" sz="1400" dirty="0"/>
+                    </a:p>
+                  </a:txBody>
+                  <a:tcPr marL="91440" marR="91440" marT="45720" marB="45720">
+                    <a:lnL w="0" cap="flat" cmpd="sng" algn="ctr">
+                      <a:noFill/>
+                    </a:lnL>
+                    <a:lnR w="0" cap="flat" cmpd="sng" algn="ctr">
+                      <a:noFill/>
+                    </a:lnR>
+                    <a:lnT w="0" cap="flat" cmpd="sng" algn="ctr">
+                      <a:noFill/>
+                    </a:lnT>
+                    <a:lnB w="0" cap="flat" cmpd="sng" algn="ctr">
+                      <a:noFill/>
+                    </a:lnB>
+                    <a:solidFill>
+                      <a:srgbClr val="F7F9FC"/>
+                    </a:solidFill>
+                  </a:tcPr>
+                </a:tc>
+                <a:tc>
+                  <a:txBody>
+                    <a:bodyPr/>
+                    <a:lstStyle/>
+                    <a:p>
+                      <a:pPr indent="0" marL="0">
+                        <a:buNone/>
+                      </a:pPr>
+                      <a:r>
+                        <a:rPr lang="en-US" sz="1400" dirty="0">
+                          <a:solidFill>
+                            <a:srgbClr val="1A1A1A"/>
+                          </a:solidFill>
+                        </a:rPr>
+                        <a:t>Habit formation</a:t>
+                      </a:r>
+                      <a:endParaRPr lang="en-US" sz="1400" dirty="0"/>
+                    </a:p>
+                  </a:txBody>
+                  <a:tcPr marL="91440" marR="91440" marT="45720" marB="45720">
+                    <a:lnL w="0" cap="flat" cmpd="sng" algn="ctr">
+                      <a:noFill/>
+                    </a:lnL>
+                    <a:lnR w="0" cap="flat" cmpd="sng" algn="ctr">
+                      <a:noFill/>
+                    </a:lnR>
+                    <a:lnT w="0" cap="flat" cmpd="sng" algn="ctr">
+                      <a:noFill/>
+                    </a:lnT>
+                    <a:lnB w="0" cap="flat" cmpd="sng" algn="ctr">
+                      <a:noFill/>
+                    </a:lnB>
+                    <a:solidFill>
+                      <a:srgbClr val="F7F9FC"/>
+                    </a:solidFill>
+                  </a:tcPr>
+                </a:tc>
+              </a:tr>
+            </a:tbl>
+          </a:graphicData>
+        </a:graphic>
+      </p:graphicFrame>
     </p:spTree>
   </p:cSld>
   <p:clrMapOvr>
@@ -5091,9 +10376,9 @@
 </p:sld>
 </file>
 
-<file path=ppt/slides/slide2.xml><?xml version="1.0" encoding="utf-8"?>
+<file path=ppt/slides/slide33.xml><?xml version="1.0" encoding="utf-8"?>
 <p:sld xmlns:a="http://schemas.openxmlformats.org/drawingml/2006/main" xmlns:r="http://schemas.openxmlformats.org/officeDocument/2006/relationships" xmlns:p="http://schemas.openxmlformats.org/presentationml/2006/main">
-  <p:cSld name="Slide 2">
+  <p:cSld name="Slide 33">
     <p:spTree>
       <p:nvGrpSpPr>
         <p:cNvPr id="1" name=""/>
@@ -5138,76 +10423,495 @@
                   <a:srgbClr val="203040"/>
                 </a:solidFill>
               </a:rPr>
-              <a:t>Problem Statement</a:t>
+              <a:t>Timeline</a:t>
             </a:r>
             <a:endParaRPr lang="en-US" sz="2600" dirty="0"/>
           </a:p>
         </p:txBody>
       </p:sp>
-      <p:sp>
-        <p:nvSpPr>
-          <p:cNvPr id="3" name="Text 1"/>
-          <p:cNvSpPr/>
-          <p:nvPr/>
-        </p:nvSpPr>
-        <p:spPr>
-          <a:xfrm>
-            <a:off x="731520" y="1280160"/>
-            <a:ext cx="7772400" cy="4114800"/>
-          </a:xfrm>
-          <a:prstGeom prst="rect">
-            <a:avLst/>
-          </a:prstGeom>
-          <a:noFill/>
-          <a:ln/>
-        </p:spPr>
-        <p:txBody>
-          <a:bodyPr wrap="square" rtlCol="0" anchor="ctr"/>
-          <a:lstStyle/>
-          <a:p>
-            <a:pPr indent="0" marL="0">
-              <a:buNone/>
-            </a:pPr>
-            <a:r>
-              <a:rPr lang="en-US" sz="1800" dirty="0">
-                <a:solidFill>
-                  <a:srgbClr val="111111"/>
-                </a:solidFill>
-              </a:rPr>
-              <a:t>• Traditional learning lacks personalization and deep analytics</a:t>
-            </a:r>
-            <a:endParaRPr lang="en-US" sz="1800" dirty="0"/>
-          </a:p>
-          <a:p>
-            <a:pPr indent="0" marL="0">
-              <a:buNone/>
-            </a:pPr>
-            <a:r>
-              <a:rPr lang="en-US" sz="1800" dirty="0">
-                <a:solidFill>
-                  <a:srgbClr val="111111"/>
-                </a:solidFill>
-              </a:rPr>
-              <a:t>• Hard to identify strengths/weaknesses for targeted improvement</a:t>
-            </a:r>
-            <a:endParaRPr lang="en-US" sz="1800" dirty="0"/>
-          </a:p>
-          <a:p>
-            <a:pPr indent="0" marL="0">
-              <a:buNone/>
-            </a:pPr>
-            <a:r>
-              <a:rPr lang="en-US" sz="1800" dirty="0">
-                <a:solidFill>
-                  <a:srgbClr val="111111"/>
-                </a:solidFill>
-              </a:rPr>
-              <a:t>• Admins require efficient management and oversight tools</a:t>
-            </a:r>
-            <a:endParaRPr lang="en-US" sz="1800" dirty="0"/>
-          </a:p>
-        </p:txBody>
-      </p:sp>
+      <p:graphicFrame>
+        <p:nvGraphicFramePr>
+          <p:cNvPr id="34" name="Table 0"/>
+          <p:cNvGraphicFramePr>
+            <a:graphicFrameLocks noGrp="1"/>
+          </p:cNvGraphicFramePr>
+          <p:nvPr>
+            <p:extLst>
+              <p:ext uri="{D42A27DB-BD31-4B8C-83A1-F6EECF244321}">
+                <p14:modId xmlns:p14="http://schemas.microsoft.com/office/powerpoint/2010/main" val="1579011935"/>
+              </p:ext>
+            </p:extLst>
+          </p:nvPr>
+        </p:nvGraphicFramePr>
+        <p:xfrm>
+          <a:off x="457200" y="1188720"/>
+          <a:ext cx="8229600" cy="914400"/>
+        </p:xfrm>
+        <a:graphic>
+          <a:graphicData uri="http://schemas.openxmlformats.org/drawingml/2006/table">
+            <a:tbl>
+              <a:tblPr/>
+              <a:tblGrid>
+                <a:gridCol w="2743200"/>
+                <a:gridCol w="2743200"/>
+                <a:gridCol w="2743200"/>
+              </a:tblGrid>
+              <a:tr h="0">
+                <a:tc>
+                  <a:txBody>
+                    <a:bodyPr/>
+                    <a:lstStyle/>
+                    <a:p>
+                      <a:pPr indent="0" marL="0">
+                        <a:buNone/>
+                      </a:pPr>
+                      <a:r>
+                        <a:rPr lang="en-US" sz="1400" b="1" dirty="0">
+                          <a:solidFill>
+                            <a:srgbClr val="1A1A1A"/>
+                          </a:solidFill>
+                        </a:rPr>
+                        <a:t>Phase</a:t>
+                      </a:r>
+                      <a:endParaRPr lang="en-US" sz="1400" dirty="0"/>
+                    </a:p>
+                  </a:txBody>
+                  <a:tcPr marL="91440" marR="91440" marT="45720" marB="45720">
+                    <a:lnL w="0" cap="flat" cmpd="sng" algn="ctr">
+                      <a:noFill/>
+                    </a:lnL>
+                    <a:lnR w="0" cap="flat" cmpd="sng" algn="ctr">
+                      <a:noFill/>
+                    </a:lnR>
+                    <a:lnT w="0" cap="flat" cmpd="sng" algn="ctr">
+                      <a:noFill/>
+                    </a:lnT>
+                    <a:lnB w="0" cap="flat" cmpd="sng" algn="ctr">
+                      <a:noFill/>
+                    </a:lnB>
+                    <a:solidFill>
+                      <a:srgbClr val="F7F9FC"/>
+                    </a:solidFill>
+                  </a:tcPr>
+                </a:tc>
+                <a:tc>
+                  <a:txBody>
+                    <a:bodyPr/>
+                    <a:lstStyle/>
+                    <a:p>
+                      <a:pPr indent="0" marL="0">
+                        <a:buNone/>
+                      </a:pPr>
+                      <a:r>
+                        <a:rPr lang="en-US" sz="1400" b="1" dirty="0">
+                          <a:solidFill>
+                            <a:srgbClr val="1A1A1A"/>
+                          </a:solidFill>
+                        </a:rPr>
+                        <a:t>Scope</a:t>
+                      </a:r>
+                      <a:endParaRPr lang="en-US" sz="1400" dirty="0"/>
+                    </a:p>
+                  </a:txBody>
+                  <a:tcPr marL="91440" marR="91440" marT="45720" marB="45720">
+                    <a:lnL w="0" cap="flat" cmpd="sng" algn="ctr">
+                      <a:noFill/>
+                    </a:lnL>
+                    <a:lnR w="0" cap="flat" cmpd="sng" algn="ctr">
+                      <a:noFill/>
+                    </a:lnR>
+                    <a:lnT w="0" cap="flat" cmpd="sng" algn="ctr">
+                      <a:noFill/>
+                    </a:lnT>
+                    <a:lnB w="0" cap="flat" cmpd="sng" algn="ctr">
+                      <a:noFill/>
+                    </a:lnB>
+                    <a:solidFill>
+                      <a:srgbClr val="F7F9FC"/>
+                    </a:solidFill>
+                  </a:tcPr>
+                </a:tc>
+                <a:tc>
+                  <a:txBody>
+                    <a:bodyPr/>
+                    <a:lstStyle/>
+                    <a:p>
+                      <a:pPr indent="0" marL="0">
+                        <a:buNone/>
+                      </a:pPr>
+                      <a:r>
+                        <a:rPr lang="en-US" sz="1400" b="1" dirty="0">
+                          <a:solidFill>
+                            <a:srgbClr val="1A1A1A"/>
+                          </a:solidFill>
+                        </a:rPr>
+                        <a:t>Window</a:t>
+                      </a:r>
+                      <a:endParaRPr lang="en-US" sz="1400" dirty="0"/>
+                    </a:p>
+                  </a:txBody>
+                  <a:tcPr marL="91440" marR="91440" marT="45720" marB="45720">
+                    <a:lnL w="0" cap="flat" cmpd="sng" algn="ctr">
+                      <a:noFill/>
+                    </a:lnL>
+                    <a:lnR w="0" cap="flat" cmpd="sng" algn="ctr">
+                      <a:noFill/>
+                    </a:lnR>
+                    <a:lnT w="0" cap="flat" cmpd="sng" algn="ctr">
+                      <a:noFill/>
+                    </a:lnT>
+                    <a:lnB w="0" cap="flat" cmpd="sng" algn="ctr">
+                      <a:noFill/>
+                    </a:lnB>
+                    <a:solidFill>
+                      <a:srgbClr val="F7F9FC"/>
+                    </a:solidFill>
+                  </a:tcPr>
+                </a:tc>
+              </a:tr>
+              <a:tr h="0">
+                <a:tc>
+                  <a:txBody>
+                    <a:bodyPr/>
+                    <a:lstStyle/>
+                    <a:p>
+                      <a:pPr indent="0" marL="0">
+                        <a:buNone/>
+                      </a:pPr>
+                      <a:r>
+                        <a:rPr lang="en-US" sz="1400" dirty="0">
+                          <a:solidFill>
+                            <a:srgbClr val="1A1A1A"/>
+                          </a:solidFill>
+                        </a:rPr>
+                        <a:t>Phase 1</a:t>
+                      </a:r>
+                      <a:endParaRPr lang="en-US" sz="1400" dirty="0"/>
+                    </a:p>
+                  </a:txBody>
+                  <a:tcPr marL="91440" marR="91440" marT="45720" marB="45720">
+                    <a:lnL w="0" cap="flat" cmpd="sng" algn="ctr">
+                      <a:noFill/>
+                    </a:lnL>
+                    <a:lnR w="0" cap="flat" cmpd="sng" algn="ctr">
+                      <a:noFill/>
+                    </a:lnR>
+                    <a:lnT w="0" cap="flat" cmpd="sng" algn="ctr">
+                      <a:noFill/>
+                    </a:lnT>
+                    <a:lnB w="0" cap="flat" cmpd="sng" algn="ctr">
+                      <a:noFill/>
+                    </a:lnB>
+                    <a:solidFill>
+                      <a:srgbClr val="F7F9FC"/>
+                    </a:solidFill>
+                  </a:tcPr>
+                </a:tc>
+                <a:tc>
+                  <a:txBody>
+                    <a:bodyPr/>
+                    <a:lstStyle/>
+                    <a:p>
+                      <a:pPr indent="0" marL="0">
+                        <a:buNone/>
+                      </a:pPr>
+                      <a:r>
+                        <a:rPr lang="en-US" sz="1400" dirty="0">
+                          <a:solidFill>
+                            <a:srgbClr val="1A1A1A"/>
+                          </a:solidFill>
+                        </a:rPr>
+                        <a:t>Auth, UI scaffolding, basic exams</a:t>
+                      </a:r>
+                      <a:endParaRPr lang="en-US" sz="1400" dirty="0"/>
+                    </a:p>
+                  </a:txBody>
+                  <a:tcPr marL="91440" marR="91440" marT="45720" marB="45720">
+                    <a:lnL w="0" cap="flat" cmpd="sng" algn="ctr">
+                      <a:noFill/>
+                    </a:lnL>
+                    <a:lnR w="0" cap="flat" cmpd="sng" algn="ctr">
+                      <a:noFill/>
+                    </a:lnR>
+                    <a:lnT w="0" cap="flat" cmpd="sng" algn="ctr">
+                      <a:noFill/>
+                    </a:lnT>
+                    <a:lnB w="0" cap="flat" cmpd="sng" algn="ctr">
+                      <a:noFill/>
+                    </a:lnB>
+                    <a:solidFill>
+                      <a:srgbClr val="F7F9FC"/>
+                    </a:solidFill>
+                  </a:tcPr>
+                </a:tc>
+                <a:tc>
+                  <a:txBody>
+                    <a:bodyPr/>
+                    <a:lstStyle/>
+                    <a:p>
+                      <a:pPr indent="0" marL="0">
+                        <a:buNone/>
+                      </a:pPr>
+                      <a:r>
+                        <a:rPr lang="en-US" sz="1400" dirty="0">
+                          <a:solidFill>
+                            <a:srgbClr val="1A1A1A"/>
+                          </a:solidFill>
+                        </a:rPr>
+                        <a:t>Week 1–2</a:t>
+                      </a:r>
+                      <a:endParaRPr lang="en-US" sz="1400" dirty="0"/>
+                    </a:p>
+                  </a:txBody>
+                  <a:tcPr marL="91440" marR="91440" marT="45720" marB="45720">
+                    <a:lnL w="0" cap="flat" cmpd="sng" algn="ctr">
+                      <a:noFill/>
+                    </a:lnL>
+                    <a:lnR w="0" cap="flat" cmpd="sng" algn="ctr">
+                      <a:noFill/>
+                    </a:lnR>
+                    <a:lnT w="0" cap="flat" cmpd="sng" algn="ctr">
+                      <a:noFill/>
+                    </a:lnT>
+                    <a:lnB w="0" cap="flat" cmpd="sng" algn="ctr">
+                      <a:noFill/>
+                    </a:lnB>
+                    <a:solidFill>
+                      <a:srgbClr val="F7F9FC"/>
+                    </a:solidFill>
+                  </a:tcPr>
+                </a:tc>
+              </a:tr>
+              <a:tr h="0">
+                <a:tc>
+                  <a:txBody>
+                    <a:bodyPr/>
+                    <a:lstStyle/>
+                    <a:p>
+                      <a:pPr indent="0" marL="0">
+                        <a:buNone/>
+                      </a:pPr>
+                      <a:r>
+                        <a:rPr lang="en-US" sz="1400" dirty="0">
+                          <a:solidFill>
+                            <a:srgbClr val="1A1A1A"/>
+                          </a:solidFill>
+                        </a:rPr>
+                        <a:t>Phase 2</a:t>
+                      </a:r>
+                      <a:endParaRPr lang="en-US" sz="1400" dirty="0"/>
+                    </a:p>
+                  </a:txBody>
+                  <a:tcPr marL="91440" marR="91440" marT="45720" marB="45720">
+                    <a:lnL w="0" cap="flat" cmpd="sng" algn="ctr">
+                      <a:noFill/>
+                    </a:lnL>
+                    <a:lnR w="0" cap="flat" cmpd="sng" algn="ctr">
+                      <a:noFill/>
+                    </a:lnR>
+                    <a:lnT w="0" cap="flat" cmpd="sng" algn="ctr">
+                      <a:noFill/>
+                    </a:lnT>
+                    <a:lnB w="0" cap="flat" cmpd="sng" algn="ctr">
+                      <a:noFill/>
+                    </a:lnB>
+                    <a:solidFill>
+                      <a:srgbClr val="F7F9FC"/>
+                    </a:solidFill>
+                  </a:tcPr>
+                </a:tc>
+                <a:tc>
+                  <a:txBody>
+                    <a:bodyPr/>
+                    <a:lstStyle/>
+                    <a:p>
+                      <a:pPr indent="0" marL="0">
+                        <a:buNone/>
+                      </a:pPr>
+                      <a:r>
+                        <a:rPr lang="en-US" sz="1400" dirty="0">
+                          <a:solidFill>
+                            <a:srgbClr val="1A1A1A"/>
+                          </a:solidFill>
+                        </a:rPr>
+                        <a:t>Admin CRUD, student flows, reports UI</a:t>
+                      </a:r>
+                      <a:endParaRPr lang="en-US" sz="1400" dirty="0"/>
+                    </a:p>
+                  </a:txBody>
+                  <a:tcPr marL="91440" marR="91440" marT="45720" marB="45720">
+                    <a:lnL w="0" cap="flat" cmpd="sng" algn="ctr">
+                      <a:noFill/>
+                    </a:lnL>
+                    <a:lnR w="0" cap="flat" cmpd="sng" algn="ctr">
+                      <a:noFill/>
+                    </a:lnR>
+                    <a:lnT w="0" cap="flat" cmpd="sng" algn="ctr">
+                      <a:noFill/>
+                    </a:lnT>
+                    <a:lnB w="0" cap="flat" cmpd="sng" algn="ctr">
+                      <a:noFill/>
+                    </a:lnB>
+                    <a:solidFill>
+                      <a:srgbClr val="F7F9FC"/>
+                    </a:solidFill>
+                  </a:tcPr>
+                </a:tc>
+                <a:tc>
+                  <a:txBody>
+                    <a:bodyPr/>
+                    <a:lstStyle/>
+                    <a:p>
+                      <a:pPr indent="0" marL="0">
+                        <a:buNone/>
+                      </a:pPr>
+                      <a:r>
+                        <a:rPr lang="en-US" sz="1400" dirty="0">
+                          <a:solidFill>
+                            <a:srgbClr val="1A1A1A"/>
+                          </a:solidFill>
+                        </a:rPr>
+                        <a:t>Week 3–4</a:t>
+                      </a:r>
+                      <a:endParaRPr lang="en-US" sz="1400" dirty="0"/>
+                    </a:p>
+                  </a:txBody>
+                  <a:tcPr marL="91440" marR="91440" marT="45720" marB="45720">
+                    <a:lnL w="0" cap="flat" cmpd="sng" algn="ctr">
+                      <a:noFill/>
+                    </a:lnL>
+                    <a:lnR w="0" cap="flat" cmpd="sng" algn="ctr">
+                      <a:noFill/>
+                    </a:lnR>
+                    <a:lnT w="0" cap="flat" cmpd="sng" algn="ctr">
+                      <a:noFill/>
+                    </a:lnT>
+                    <a:lnB w="0" cap="flat" cmpd="sng" algn="ctr">
+                      <a:noFill/>
+                    </a:lnB>
+                    <a:solidFill>
+                      <a:srgbClr val="F7F9FC"/>
+                    </a:solidFill>
+                  </a:tcPr>
+                </a:tc>
+              </a:tr>
+              <a:tr h="0">
+                <a:tc>
+                  <a:txBody>
+                    <a:bodyPr/>
+                    <a:lstStyle/>
+                    <a:p>
+                      <a:pPr indent="0" marL="0">
+                        <a:buNone/>
+                      </a:pPr>
+                      <a:r>
+                        <a:rPr lang="en-US" sz="1400" dirty="0">
+                          <a:solidFill>
+                            <a:srgbClr val="1A1A1A"/>
+                          </a:solidFill>
+                        </a:rPr>
+                        <a:t>Phase 3</a:t>
+                      </a:r>
+                      <a:endParaRPr lang="en-US" sz="1400" dirty="0"/>
+                    </a:p>
+                  </a:txBody>
+                  <a:tcPr marL="91440" marR="91440" marT="45720" marB="45720">
+                    <a:lnL w="0" cap="flat" cmpd="sng" algn="ctr">
+                      <a:noFill/>
+                    </a:lnL>
+                    <a:lnR w="0" cap="flat" cmpd="sng" algn="ctr">
+                      <a:noFill/>
+                    </a:lnR>
+                    <a:lnT w="0" cap="flat" cmpd="sng" algn="ctr">
+                      <a:noFill/>
+                    </a:lnT>
+                    <a:lnB w="0" cap="flat" cmpd="sng" algn="ctr">
+                      <a:noFill/>
+                    </a:lnB>
+                    <a:solidFill>
+                      <a:srgbClr val="F7F9FC"/>
+                    </a:solidFill>
+                  </a:tcPr>
+                </a:tc>
+                <a:tc>
+                  <a:txBody>
+                    <a:bodyPr/>
+                    <a:lstStyle/>
+                    <a:p>
+                      <a:pPr indent="0" marL="0">
+                        <a:buNone/>
+                      </a:pPr>
+                      <a:r>
+                        <a:rPr lang="en-US" sz="1400" dirty="0">
+                          <a:solidFill>
+                            <a:srgbClr val="1A1A1A"/>
+                          </a:solidFill>
+                        </a:rPr>
+                        <a:t>ML integration, email, polish &amp; CI</a:t>
+                      </a:r>
+                      <a:endParaRPr lang="en-US" sz="1400" dirty="0"/>
+                    </a:p>
+                  </a:txBody>
+                  <a:tcPr marL="91440" marR="91440" marT="45720" marB="45720">
+                    <a:lnL w="0" cap="flat" cmpd="sng" algn="ctr">
+                      <a:noFill/>
+                    </a:lnL>
+                    <a:lnR w="0" cap="flat" cmpd="sng" algn="ctr">
+                      <a:noFill/>
+                    </a:lnR>
+                    <a:lnT w="0" cap="flat" cmpd="sng" algn="ctr">
+                      <a:noFill/>
+                    </a:lnT>
+                    <a:lnB w="0" cap="flat" cmpd="sng" algn="ctr">
+                      <a:noFill/>
+                    </a:lnB>
+                    <a:solidFill>
+                      <a:srgbClr val="F7F9FC"/>
+                    </a:solidFill>
+                  </a:tcPr>
+                </a:tc>
+                <a:tc>
+                  <a:txBody>
+                    <a:bodyPr/>
+                    <a:lstStyle/>
+                    <a:p>
+                      <a:pPr indent="0" marL="0">
+                        <a:buNone/>
+                      </a:pPr>
+                      <a:r>
+                        <a:rPr lang="en-US" sz="1400" dirty="0">
+                          <a:solidFill>
+                            <a:srgbClr val="1A1A1A"/>
+                          </a:solidFill>
+                        </a:rPr>
+                        <a:t>Week 5–6</a:t>
+                      </a:r>
+                      <a:endParaRPr lang="en-US" sz="1400" dirty="0"/>
+                    </a:p>
+                  </a:txBody>
+                  <a:tcPr marL="91440" marR="91440" marT="45720" marB="45720">
+                    <a:lnL w="0" cap="flat" cmpd="sng" algn="ctr">
+                      <a:noFill/>
+                    </a:lnL>
+                    <a:lnR w="0" cap="flat" cmpd="sng" algn="ctr">
+                      <a:noFill/>
+                    </a:lnR>
+                    <a:lnT w="0" cap="flat" cmpd="sng" algn="ctr">
+                      <a:noFill/>
+                    </a:lnT>
+                    <a:lnB w="0" cap="flat" cmpd="sng" algn="ctr">
+                      <a:noFill/>
+                    </a:lnB>
+                    <a:solidFill>
+                      <a:srgbClr val="F7F9FC"/>
+                    </a:solidFill>
+                  </a:tcPr>
+                </a:tc>
+              </a:tr>
+            </a:tbl>
+          </a:graphicData>
+        </a:graphic>
+      </p:graphicFrame>
     </p:spTree>
   </p:cSld>
   <p:clrMapOvr>
@@ -5216,9 +10920,9 @@
 </p:sld>
 </file>
 
-<file path=ppt/slides/slide3.xml><?xml version="1.0" encoding="utf-8"?>
+<file path=ppt/slides/slide34.xml><?xml version="1.0" encoding="utf-8"?>
 <p:sld xmlns:a="http://schemas.openxmlformats.org/drawingml/2006/main" xmlns:r="http://schemas.openxmlformats.org/officeDocument/2006/relationships" xmlns:p="http://schemas.openxmlformats.org/presentationml/2006/main">
-  <p:cSld name="Slide 3">
+  <p:cSld name="Slide 34">
     <p:spTree>
       <p:nvGrpSpPr>
         <p:cNvPr id="1" name=""/>
@@ -5263,7 +10967,777 @@
                   <a:srgbClr val="203040"/>
                 </a:solidFill>
               </a:rPr>
-              <a:t>Solution Overview</a:t>
+              <a:t>Risks &amp; Mitigations</a:t>
+            </a:r>
+            <a:endParaRPr lang="en-US" sz="2600" dirty="0"/>
+          </a:p>
+        </p:txBody>
+      </p:sp>
+      <p:graphicFrame>
+        <p:nvGraphicFramePr>
+          <p:cNvPr id="35" name="Table 0"/>
+          <p:cNvGraphicFramePr>
+            <a:graphicFrameLocks noGrp="1"/>
+          </p:cNvGraphicFramePr>
+          <p:nvPr>
+            <p:extLst>
+              <p:ext uri="{D42A27DB-BD31-4B8C-83A1-F6EECF244321}">
+                <p14:modId xmlns:p14="http://schemas.microsoft.com/office/powerpoint/2010/main" val="1579011935"/>
+              </p:ext>
+            </p:extLst>
+          </p:nvPr>
+        </p:nvGraphicFramePr>
+        <p:xfrm>
+          <a:off x="457200" y="1188720"/>
+          <a:ext cx="8229600" cy="914400"/>
+        </p:xfrm>
+        <a:graphic>
+          <a:graphicData uri="http://schemas.openxmlformats.org/drawingml/2006/table">
+            <a:tbl>
+              <a:tblPr/>
+              <a:tblGrid>
+                <a:gridCol w="2743200"/>
+                <a:gridCol w="2743200"/>
+                <a:gridCol w="2743200"/>
+              </a:tblGrid>
+              <a:tr h="0">
+                <a:tc>
+                  <a:txBody>
+                    <a:bodyPr/>
+                    <a:lstStyle/>
+                    <a:p>
+                      <a:pPr indent="0" marL="0">
+                        <a:buNone/>
+                      </a:pPr>
+                      <a:r>
+                        <a:rPr lang="en-US" sz="1400" b="1" dirty="0">
+                          <a:solidFill>
+                            <a:srgbClr val="1A1A1A"/>
+                          </a:solidFill>
+                        </a:rPr>
+                        <a:t>Risk</a:t>
+                      </a:r>
+                      <a:endParaRPr lang="en-US" sz="1400" dirty="0"/>
+                    </a:p>
+                  </a:txBody>
+                  <a:tcPr marL="91440" marR="91440" marT="45720" marB="45720">
+                    <a:lnL w="0" cap="flat" cmpd="sng" algn="ctr">
+                      <a:noFill/>
+                    </a:lnL>
+                    <a:lnR w="0" cap="flat" cmpd="sng" algn="ctr">
+                      <a:noFill/>
+                    </a:lnR>
+                    <a:lnT w="0" cap="flat" cmpd="sng" algn="ctr">
+                      <a:noFill/>
+                    </a:lnT>
+                    <a:lnB w="0" cap="flat" cmpd="sng" algn="ctr">
+                      <a:noFill/>
+                    </a:lnB>
+                    <a:solidFill>
+                      <a:srgbClr val="F7F9FC"/>
+                    </a:solidFill>
+                  </a:tcPr>
+                </a:tc>
+                <a:tc>
+                  <a:txBody>
+                    <a:bodyPr/>
+                    <a:lstStyle/>
+                    <a:p>
+                      <a:pPr indent="0" marL="0">
+                        <a:buNone/>
+                      </a:pPr>
+                      <a:r>
+                        <a:rPr lang="en-US" sz="1400" b="1" dirty="0">
+                          <a:solidFill>
+                            <a:srgbClr val="1A1A1A"/>
+                          </a:solidFill>
+                        </a:rPr>
+                        <a:t>Impact</a:t>
+                      </a:r>
+                      <a:endParaRPr lang="en-US" sz="1400" dirty="0"/>
+                    </a:p>
+                  </a:txBody>
+                  <a:tcPr marL="91440" marR="91440" marT="45720" marB="45720">
+                    <a:lnL w="0" cap="flat" cmpd="sng" algn="ctr">
+                      <a:noFill/>
+                    </a:lnL>
+                    <a:lnR w="0" cap="flat" cmpd="sng" algn="ctr">
+                      <a:noFill/>
+                    </a:lnR>
+                    <a:lnT w="0" cap="flat" cmpd="sng" algn="ctr">
+                      <a:noFill/>
+                    </a:lnT>
+                    <a:lnB w="0" cap="flat" cmpd="sng" algn="ctr">
+                      <a:noFill/>
+                    </a:lnB>
+                    <a:solidFill>
+                      <a:srgbClr val="F7F9FC"/>
+                    </a:solidFill>
+                  </a:tcPr>
+                </a:tc>
+                <a:tc>
+                  <a:txBody>
+                    <a:bodyPr/>
+                    <a:lstStyle/>
+                    <a:p>
+                      <a:pPr indent="0" marL="0">
+                        <a:buNone/>
+                      </a:pPr>
+                      <a:r>
+                        <a:rPr lang="en-US" sz="1400" b="1" dirty="0">
+                          <a:solidFill>
+                            <a:srgbClr val="1A1A1A"/>
+                          </a:solidFill>
+                        </a:rPr>
+                        <a:t>Mitigation</a:t>
+                      </a:r>
+                      <a:endParaRPr lang="en-US" sz="1400" dirty="0"/>
+                    </a:p>
+                  </a:txBody>
+                  <a:tcPr marL="91440" marR="91440" marT="45720" marB="45720">
+                    <a:lnL w="0" cap="flat" cmpd="sng" algn="ctr">
+                      <a:noFill/>
+                    </a:lnL>
+                    <a:lnR w="0" cap="flat" cmpd="sng" algn="ctr">
+                      <a:noFill/>
+                    </a:lnR>
+                    <a:lnT w="0" cap="flat" cmpd="sng" algn="ctr">
+                      <a:noFill/>
+                    </a:lnT>
+                    <a:lnB w="0" cap="flat" cmpd="sng" algn="ctr">
+                      <a:noFill/>
+                    </a:lnB>
+                    <a:solidFill>
+                      <a:srgbClr val="F7F9FC"/>
+                    </a:solidFill>
+                  </a:tcPr>
+                </a:tc>
+              </a:tr>
+              <a:tr h="0">
+                <a:tc>
+                  <a:txBody>
+                    <a:bodyPr/>
+                    <a:lstStyle/>
+                    <a:p>
+                      <a:pPr indent="0" marL="0">
+                        <a:buNone/>
+                      </a:pPr>
+                      <a:r>
+                        <a:rPr lang="en-US" sz="1400" dirty="0">
+                          <a:solidFill>
+                            <a:srgbClr val="1A1A1A"/>
+                          </a:solidFill>
+                        </a:rPr>
+                        <a:t>Data security</a:t>
+                      </a:r>
+                      <a:endParaRPr lang="en-US" sz="1400" dirty="0"/>
+                    </a:p>
+                  </a:txBody>
+                  <a:tcPr marL="91440" marR="91440" marT="45720" marB="45720">
+                    <a:lnL w="0" cap="flat" cmpd="sng" algn="ctr">
+                      <a:noFill/>
+                    </a:lnL>
+                    <a:lnR w="0" cap="flat" cmpd="sng" algn="ctr">
+                      <a:noFill/>
+                    </a:lnR>
+                    <a:lnT w="0" cap="flat" cmpd="sng" algn="ctr">
+                      <a:noFill/>
+                    </a:lnT>
+                    <a:lnB w="0" cap="flat" cmpd="sng" algn="ctr">
+                      <a:noFill/>
+                    </a:lnB>
+                    <a:solidFill>
+                      <a:srgbClr val="F7F9FC"/>
+                    </a:solidFill>
+                  </a:tcPr>
+                </a:tc>
+                <a:tc>
+                  <a:txBody>
+                    <a:bodyPr/>
+                    <a:lstStyle/>
+                    <a:p>
+                      <a:pPr indent="0" marL="0">
+                        <a:buNone/>
+                      </a:pPr>
+                      <a:r>
+                        <a:rPr lang="en-US" sz="1400" dirty="0">
+                          <a:solidFill>
+                            <a:srgbClr val="1A1A1A"/>
+                          </a:solidFill>
+                        </a:rPr>
+                        <a:t>High</a:t>
+                      </a:r>
+                      <a:endParaRPr lang="en-US" sz="1400" dirty="0"/>
+                    </a:p>
+                  </a:txBody>
+                  <a:tcPr marL="91440" marR="91440" marT="45720" marB="45720">
+                    <a:lnL w="0" cap="flat" cmpd="sng" algn="ctr">
+                      <a:noFill/>
+                    </a:lnL>
+                    <a:lnR w="0" cap="flat" cmpd="sng" algn="ctr">
+                      <a:noFill/>
+                    </a:lnR>
+                    <a:lnT w="0" cap="flat" cmpd="sng" algn="ctr">
+                      <a:noFill/>
+                    </a:lnT>
+                    <a:lnB w="0" cap="flat" cmpd="sng" algn="ctr">
+                      <a:noFill/>
+                    </a:lnB>
+                    <a:solidFill>
+                      <a:srgbClr val="F7F9FC"/>
+                    </a:solidFill>
+                  </a:tcPr>
+                </a:tc>
+                <a:tc>
+                  <a:txBody>
+                    <a:bodyPr/>
+                    <a:lstStyle/>
+                    <a:p>
+                      <a:pPr indent="0" marL="0">
+                        <a:buNone/>
+                      </a:pPr>
+                      <a:r>
+                        <a:rPr lang="en-US" sz="1400" dirty="0">
+                          <a:solidFill>
+                            <a:srgbClr val="1A1A1A"/>
+                          </a:solidFill>
+                        </a:rPr>
+                        <a:t>RBAC, validation, secure storage</a:t>
+                      </a:r>
+                      <a:endParaRPr lang="en-US" sz="1400" dirty="0"/>
+                    </a:p>
+                  </a:txBody>
+                  <a:tcPr marL="91440" marR="91440" marT="45720" marB="45720">
+                    <a:lnL w="0" cap="flat" cmpd="sng" algn="ctr">
+                      <a:noFill/>
+                    </a:lnL>
+                    <a:lnR w="0" cap="flat" cmpd="sng" algn="ctr">
+                      <a:noFill/>
+                    </a:lnR>
+                    <a:lnT w="0" cap="flat" cmpd="sng" algn="ctr">
+                      <a:noFill/>
+                    </a:lnT>
+                    <a:lnB w="0" cap="flat" cmpd="sng" algn="ctr">
+                      <a:noFill/>
+                    </a:lnB>
+                    <a:solidFill>
+                      <a:srgbClr val="F7F9FC"/>
+                    </a:solidFill>
+                  </a:tcPr>
+                </a:tc>
+              </a:tr>
+              <a:tr h="0">
+                <a:tc>
+                  <a:txBody>
+                    <a:bodyPr/>
+                    <a:lstStyle/>
+                    <a:p>
+                      <a:pPr indent="0" marL="0">
+                        <a:buNone/>
+                      </a:pPr>
+                      <a:r>
+                        <a:rPr lang="en-US" sz="1400" dirty="0">
+                          <a:solidFill>
+                            <a:srgbClr val="1A1A1A"/>
+                          </a:solidFill>
+                        </a:rPr>
+                        <a:t>Exam integrity</a:t>
+                      </a:r>
+                      <a:endParaRPr lang="en-US" sz="1400" dirty="0"/>
+                    </a:p>
+                  </a:txBody>
+                  <a:tcPr marL="91440" marR="91440" marT="45720" marB="45720">
+                    <a:lnL w="0" cap="flat" cmpd="sng" algn="ctr">
+                      <a:noFill/>
+                    </a:lnL>
+                    <a:lnR w="0" cap="flat" cmpd="sng" algn="ctr">
+                      <a:noFill/>
+                    </a:lnR>
+                    <a:lnT w="0" cap="flat" cmpd="sng" algn="ctr">
+                      <a:noFill/>
+                    </a:lnT>
+                    <a:lnB w="0" cap="flat" cmpd="sng" algn="ctr">
+                      <a:noFill/>
+                    </a:lnB>
+                    <a:solidFill>
+                      <a:srgbClr val="F7F9FC"/>
+                    </a:solidFill>
+                  </a:tcPr>
+                </a:tc>
+                <a:tc>
+                  <a:txBody>
+                    <a:bodyPr/>
+                    <a:lstStyle/>
+                    <a:p>
+                      <a:pPr indent="0" marL="0">
+                        <a:buNone/>
+                      </a:pPr>
+                      <a:r>
+                        <a:rPr lang="en-US" sz="1400" dirty="0">
+                          <a:solidFill>
+                            <a:srgbClr val="1A1A1A"/>
+                          </a:solidFill>
+                        </a:rPr>
+                        <a:t>Medium</a:t>
+                      </a:r>
+                      <a:endParaRPr lang="en-US" sz="1400" dirty="0"/>
+                    </a:p>
+                  </a:txBody>
+                  <a:tcPr marL="91440" marR="91440" marT="45720" marB="45720">
+                    <a:lnL w="0" cap="flat" cmpd="sng" algn="ctr">
+                      <a:noFill/>
+                    </a:lnL>
+                    <a:lnR w="0" cap="flat" cmpd="sng" algn="ctr">
+                      <a:noFill/>
+                    </a:lnR>
+                    <a:lnT w="0" cap="flat" cmpd="sng" algn="ctr">
+                      <a:noFill/>
+                    </a:lnT>
+                    <a:lnB w="0" cap="flat" cmpd="sng" algn="ctr">
+                      <a:noFill/>
+                    </a:lnB>
+                    <a:solidFill>
+                      <a:srgbClr val="F7F9FC"/>
+                    </a:solidFill>
+                  </a:tcPr>
+                </a:tc>
+                <a:tc>
+                  <a:txBody>
+                    <a:bodyPr/>
+                    <a:lstStyle/>
+                    <a:p>
+                      <a:pPr indent="0" marL="0">
+                        <a:buNone/>
+                      </a:pPr>
+                      <a:r>
+                        <a:rPr lang="en-US" sz="1400" dirty="0">
+                          <a:solidFill>
+                            <a:srgbClr val="1A1A1A"/>
+                          </a:solidFill>
+                        </a:rPr>
+                        <a:t>Timers, session checks, proctoring roadmap</a:t>
+                      </a:r>
+                      <a:endParaRPr lang="en-US" sz="1400" dirty="0"/>
+                    </a:p>
+                  </a:txBody>
+                  <a:tcPr marL="91440" marR="91440" marT="45720" marB="45720">
+                    <a:lnL w="0" cap="flat" cmpd="sng" algn="ctr">
+                      <a:noFill/>
+                    </a:lnL>
+                    <a:lnR w="0" cap="flat" cmpd="sng" algn="ctr">
+                      <a:noFill/>
+                    </a:lnR>
+                    <a:lnT w="0" cap="flat" cmpd="sng" algn="ctr">
+                      <a:noFill/>
+                    </a:lnT>
+                    <a:lnB w="0" cap="flat" cmpd="sng" algn="ctr">
+                      <a:noFill/>
+                    </a:lnB>
+                    <a:solidFill>
+                      <a:srgbClr val="F7F9FC"/>
+                    </a:solidFill>
+                  </a:tcPr>
+                </a:tc>
+              </a:tr>
+              <a:tr h="0">
+                <a:tc>
+                  <a:txBody>
+                    <a:bodyPr/>
+                    <a:lstStyle/>
+                    <a:p>
+                      <a:pPr indent="0" marL="0">
+                        <a:buNone/>
+                      </a:pPr>
+                      <a:r>
+                        <a:rPr lang="en-US" sz="1400" dirty="0">
+                          <a:solidFill>
+                            <a:srgbClr val="1A1A1A"/>
+                          </a:solidFill>
+                        </a:rPr>
+                        <a:t>Scale/performance</a:t>
+                      </a:r>
+                      <a:endParaRPr lang="en-US" sz="1400" dirty="0"/>
+                    </a:p>
+                  </a:txBody>
+                  <a:tcPr marL="91440" marR="91440" marT="45720" marB="45720">
+                    <a:lnL w="0" cap="flat" cmpd="sng" algn="ctr">
+                      <a:noFill/>
+                    </a:lnL>
+                    <a:lnR w="0" cap="flat" cmpd="sng" algn="ctr">
+                      <a:noFill/>
+                    </a:lnR>
+                    <a:lnT w="0" cap="flat" cmpd="sng" algn="ctr">
+                      <a:noFill/>
+                    </a:lnT>
+                    <a:lnB w="0" cap="flat" cmpd="sng" algn="ctr">
+                      <a:noFill/>
+                    </a:lnB>
+                    <a:solidFill>
+                      <a:srgbClr val="F7F9FC"/>
+                    </a:solidFill>
+                  </a:tcPr>
+                </a:tc>
+                <a:tc>
+                  <a:txBody>
+                    <a:bodyPr/>
+                    <a:lstStyle/>
+                    <a:p>
+                      <a:pPr indent="0" marL="0">
+                        <a:buNone/>
+                      </a:pPr>
+                      <a:r>
+                        <a:rPr lang="en-US" sz="1400" dirty="0">
+                          <a:solidFill>
+                            <a:srgbClr val="1A1A1A"/>
+                          </a:solidFill>
+                        </a:rPr>
+                        <a:t>Medium</a:t>
+                      </a:r>
+                      <a:endParaRPr lang="en-US" sz="1400" dirty="0"/>
+                    </a:p>
+                  </a:txBody>
+                  <a:tcPr marL="91440" marR="91440" marT="45720" marB="45720">
+                    <a:lnL w="0" cap="flat" cmpd="sng" algn="ctr">
+                      <a:noFill/>
+                    </a:lnL>
+                    <a:lnR w="0" cap="flat" cmpd="sng" algn="ctr">
+                      <a:noFill/>
+                    </a:lnR>
+                    <a:lnT w="0" cap="flat" cmpd="sng" algn="ctr">
+                      <a:noFill/>
+                    </a:lnT>
+                    <a:lnB w="0" cap="flat" cmpd="sng" algn="ctr">
+                      <a:noFill/>
+                    </a:lnB>
+                    <a:solidFill>
+                      <a:srgbClr val="F7F9FC"/>
+                    </a:solidFill>
+                  </a:tcPr>
+                </a:tc>
+                <a:tc>
+                  <a:txBody>
+                    <a:bodyPr/>
+                    <a:lstStyle/>
+                    <a:p>
+                      <a:pPr indent="0" marL="0">
+                        <a:buNone/>
+                      </a:pPr>
+                      <a:r>
+                        <a:rPr lang="en-US" sz="1400" dirty="0">
+                          <a:solidFill>
+                            <a:srgbClr val="1A1A1A"/>
+                          </a:solidFill>
+                        </a:rPr>
+                        <a:t>Caching, indexes, monitoring</a:t>
+                      </a:r>
+                      <a:endParaRPr lang="en-US" sz="1400" dirty="0"/>
+                    </a:p>
+                  </a:txBody>
+                  <a:tcPr marL="91440" marR="91440" marT="45720" marB="45720">
+                    <a:lnL w="0" cap="flat" cmpd="sng" algn="ctr">
+                      <a:noFill/>
+                    </a:lnL>
+                    <a:lnR w="0" cap="flat" cmpd="sng" algn="ctr">
+                      <a:noFill/>
+                    </a:lnR>
+                    <a:lnT w="0" cap="flat" cmpd="sng" algn="ctr">
+                      <a:noFill/>
+                    </a:lnT>
+                    <a:lnB w="0" cap="flat" cmpd="sng" algn="ctr">
+                      <a:noFill/>
+                    </a:lnB>
+                    <a:solidFill>
+                      <a:srgbClr val="F7F9FC"/>
+                    </a:solidFill>
+                  </a:tcPr>
+                </a:tc>
+              </a:tr>
+              <a:tr h="0">
+                <a:tc>
+                  <a:txBody>
+                    <a:bodyPr/>
+                    <a:lstStyle/>
+                    <a:p>
+                      <a:pPr indent="0" marL="0">
+                        <a:buNone/>
+                      </a:pPr>
+                      <a:r>
+                        <a:rPr lang="en-US" sz="1400" dirty="0">
+                          <a:solidFill>
+                            <a:srgbClr val="1A1A1A"/>
+                          </a:solidFill>
+                        </a:rPr>
+                        <a:t>Email delivery</a:t>
+                      </a:r>
+                      <a:endParaRPr lang="en-US" sz="1400" dirty="0"/>
+                    </a:p>
+                  </a:txBody>
+                  <a:tcPr marL="91440" marR="91440" marT="45720" marB="45720">
+                    <a:lnL w="0" cap="flat" cmpd="sng" algn="ctr">
+                      <a:noFill/>
+                    </a:lnL>
+                    <a:lnR w="0" cap="flat" cmpd="sng" algn="ctr">
+                      <a:noFill/>
+                    </a:lnR>
+                    <a:lnT w="0" cap="flat" cmpd="sng" algn="ctr">
+                      <a:noFill/>
+                    </a:lnT>
+                    <a:lnB w="0" cap="flat" cmpd="sng" algn="ctr">
+                      <a:noFill/>
+                    </a:lnB>
+                    <a:solidFill>
+                      <a:srgbClr val="F7F9FC"/>
+                    </a:solidFill>
+                  </a:tcPr>
+                </a:tc>
+                <a:tc>
+                  <a:txBody>
+                    <a:bodyPr/>
+                    <a:lstStyle/>
+                    <a:p>
+                      <a:pPr indent="0" marL="0">
+                        <a:buNone/>
+                      </a:pPr>
+                      <a:r>
+                        <a:rPr lang="en-US" sz="1400" dirty="0">
+                          <a:solidFill>
+                            <a:srgbClr val="1A1A1A"/>
+                          </a:solidFill>
+                        </a:rPr>
+                        <a:t>Low</a:t>
+                      </a:r>
+                      <a:endParaRPr lang="en-US" sz="1400" dirty="0"/>
+                    </a:p>
+                  </a:txBody>
+                  <a:tcPr marL="91440" marR="91440" marT="45720" marB="45720">
+                    <a:lnL w="0" cap="flat" cmpd="sng" algn="ctr">
+                      <a:noFill/>
+                    </a:lnL>
+                    <a:lnR w="0" cap="flat" cmpd="sng" algn="ctr">
+                      <a:noFill/>
+                    </a:lnR>
+                    <a:lnT w="0" cap="flat" cmpd="sng" algn="ctr">
+                      <a:noFill/>
+                    </a:lnT>
+                    <a:lnB w="0" cap="flat" cmpd="sng" algn="ctr">
+                      <a:noFill/>
+                    </a:lnB>
+                    <a:solidFill>
+                      <a:srgbClr val="F7F9FC"/>
+                    </a:solidFill>
+                  </a:tcPr>
+                </a:tc>
+                <a:tc>
+                  <a:txBody>
+                    <a:bodyPr/>
+                    <a:lstStyle/>
+                    <a:p>
+                      <a:pPr indent="0" marL="0">
+                        <a:buNone/>
+                      </a:pPr>
+                      <a:r>
+                        <a:rPr lang="en-US" sz="1400" dirty="0">
+                          <a:solidFill>
+                            <a:srgbClr val="1A1A1A"/>
+                          </a:solidFill>
+                        </a:rPr>
+                        <a:t>Provider retries, fallbacks</a:t>
+                      </a:r>
+                      <a:endParaRPr lang="en-US" sz="1400" dirty="0"/>
+                    </a:p>
+                  </a:txBody>
+                  <a:tcPr marL="91440" marR="91440" marT="45720" marB="45720">
+                    <a:lnL w="0" cap="flat" cmpd="sng" algn="ctr">
+                      <a:noFill/>
+                    </a:lnL>
+                    <a:lnR w="0" cap="flat" cmpd="sng" algn="ctr">
+                      <a:noFill/>
+                    </a:lnR>
+                    <a:lnT w="0" cap="flat" cmpd="sng" algn="ctr">
+                      <a:noFill/>
+                    </a:lnT>
+                    <a:lnB w="0" cap="flat" cmpd="sng" algn="ctr">
+                      <a:noFill/>
+                    </a:lnB>
+                    <a:solidFill>
+                      <a:srgbClr val="F7F9FC"/>
+                    </a:solidFill>
+                  </a:tcPr>
+                </a:tc>
+              </a:tr>
+              <a:tr h="0">
+                <a:tc>
+                  <a:txBody>
+                    <a:bodyPr/>
+                    <a:lstStyle/>
+                    <a:p>
+                      <a:pPr indent="0" marL="0">
+                        <a:buNone/>
+                      </a:pPr>
+                      <a:r>
+                        <a:rPr lang="en-US" sz="1400" dirty="0">
+                          <a:solidFill>
+                            <a:srgbClr val="1A1A1A"/>
+                          </a:solidFill>
+                        </a:rPr>
+                        <a:t>ML data quality</a:t>
+                      </a:r>
+                      <a:endParaRPr lang="en-US" sz="1400" dirty="0"/>
+                    </a:p>
+                  </a:txBody>
+                  <a:tcPr marL="91440" marR="91440" marT="45720" marB="45720">
+                    <a:lnL w="0" cap="flat" cmpd="sng" algn="ctr">
+                      <a:noFill/>
+                    </a:lnL>
+                    <a:lnR w="0" cap="flat" cmpd="sng" algn="ctr">
+                      <a:noFill/>
+                    </a:lnR>
+                    <a:lnT w="0" cap="flat" cmpd="sng" algn="ctr">
+                      <a:noFill/>
+                    </a:lnT>
+                    <a:lnB w="0" cap="flat" cmpd="sng" algn="ctr">
+                      <a:noFill/>
+                    </a:lnB>
+                    <a:solidFill>
+                      <a:srgbClr val="F7F9FC"/>
+                    </a:solidFill>
+                  </a:tcPr>
+                </a:tc>
+                <a:tc>
+                  <a:txBody>
+                    <a:bodyPr/>
+                    <a:lstStyle/>
+                    <a:p>
+                      <a:pPr indent="0" marL="0">
+                        <a:buNone/>
+                      </a:pPr>
+                      <a:r>
+                        <a:rPr lang="en-US" sz="1400" dirty="0">
+                          <a:solidFill>
+                            <a:srgbClr val="1A1A1A"/>
+                          </a:solidFill>
+                        </a:rPr>
+                        <a:t>Medium</a:t>
+                      </a:r>
+                      <a:endParaRPr lang="en-US" sz="1400" dirty="0"/>
+                    </a:p>
+                  </a:txBody>
+                  <a:tcPr marL="91440" marR="91440" marT="45720" marB="45720">
+                    <a:lnL w="0" cap="flat" cmpd="sng" algn="ctr">
+                      <a:noFill/>
+                    </a:lnL>
+                    <a:lnR w="0" cap="flat" cmpd="sng" algn="ctr">
+                      <a:noFill/>
+                    </a:lnR>
+                    <a:lnT w="0" cap="flat" cmpd="sng" algn="ctr">
+                      <a:noFill/>
+                    </a:lnT>
+                    <a:lnB w="0" cap="flat" cmpd="sng" algn="ctr">
+                      <a:noFill/>
+                    </a:lnB>
+                    <a:solidFill>
+                      <a:srgbClr val="F7F9FC"/>
+                    </a:solidFill>
+                  </a:tcPr>
+                </a:tc>
+                <a:tc>
+                  <a:txBody>
+                    <a:bodyPr/>
+                    <a:lstStyle/>
+                    <a:p>
+                      <a:pPr indent="0" marL="0">
+                        <a:buNone/>
+                      </a:pPr>
+                      <a:r>
+                        <a:rPr lang="en-US" sz="1400" dirty="0">
+                          <a:solidFill>
+                            <a:srgbClr val="1A1A1A"/>
+                          </a:solidFill>
+                        </a:rPr>
+                        <a:t>Validation &amp; continuous evaluation</a:t>
+                      </a:r>
+                      <a:endParaRPr lang="en-US" sz="1400" dirty="0"/>
+                    </a:p>
+                  </a:txBody>
+                  <a:tcPr marL="91440" marR="91440" marT="45720" marB="45720">
+                    <a:lnL w="0" cap="flat" cmpd="sng" algn="ctr">
+                      <a:noFill/>
+                    </a:lnL>
+                    <a:lnR w="0" cap="flat" cmpd="sng" algn="ctr">
+                      <a:noFill/>
+                    </a:lnR>
+                    <a:lnT w="0" cap="flat" cmpd="sng" algn="ctr">
+                      <a:noFill/>
+                    </a:lnT>
+                    <a:lnB w="0" cap="flat" cmpd="sng" algn="ctr">
+                      <a:noFill/>
+                    </a:lnB>
+                    <a:solidFill>
+                      <a:srgbClr val="F7F9FC"/>
+                    </a:solidFill>
+                  </a:tcPr>
+                </a:tc>
+              </a:tr>
+            </a:tbl>
+          </a:graphicData>
+        </a:graphic>
+      </p:graphicFrame>
+    </p:spTree>
+  </p:cSld>
+  <p:clrMapOvr>
+    <a:masterClrMapping/>
+  </p:clrMapOvr>
+</p:sld>
+</file>
+
+<file path=ppt/slides/slide35.xml><?xml version="1.0" encoding="utf-8"?>
+<p:sld xmlns:a="http://schemas.openxmlformats.org/drawingml/2006/main" xmlns:r="http://schemas.openxmlformats.org/officeDocument/2006/relationships" xmlns:p="http://schemas.openxmlformats.org/presentationml/2006/main">
+  <p:cSld name="Slide 35">
+    <p:spTree>
+      <p:nvGrpSpPr>
+        <p:cNvPr id="1" name=""/>
+        <p:cNvGrpSpPr/>
+        <p:nvPr/>
+      </p:nvGrpSpPr>
+      <p:grpSpPr>
+        <a:xfrm>
+          <a:off x="0" y="0"/>
+          <a:ext cx="0" cy="0"/>
+          <a:chOff x="0" y="0"/>
+          <a:chExt cx="0" cy="0"/>
+        </a:xfrm>
+      </p:grpSpPr>
+      <p:sp>
+        <p:nvSpPr>
+          <p:cNvPr id="2" name="Text 0"/>
+          <p:cNvSpPr/>
+          <p:nvPr/>
+        </p:nvSpPr>
+        <p:spPr>
+          <a:xfrm>
+            <a:off x="457200" y="457200"/>
+            <a:ext cx="8229600" cy="640080"/>
+          </a:xfrm>
+          <a:prstGeom prst="rect">
+            <a:avLst/>
+          </a:prstGeom>
+          <a:noFill/>
+          <a:ln/>
+        </p:spPr>
+        <p:txBody>
+          <a:bodyPr wrap="square" rtlCol="0" anchor="ctr"/>
+          <a:lstStyle/>
+          <a:p>
+            <a:pPr indent="0" marL="0">
+              <a:buNone/>
+            </a:pPr>
+            <a:r>
+              <a:rPr lang="en-US" sz="2600" b="1" dirty="0">
+                <a:solidFill>
+                  <a:srgbClr val="203040"/>
+                </a:solidFill>
+              </a:rPr>
+              <a:t>Testing &amp; CI</a:t>
             </a:r>
             <a:endParaRPr lang="en-US" sz="2600" dirty="0"/>
           </a:p>
@@ -5299,7 +11773,7 @@
                   <a:srgbClr val="111111"/>
                 </a:solidFill>
               </a:rPr>
-              <a:t>• Next.js platform with role-based auth and secure APIs</a:t>
+              <a:t>• ESLint/type checks on PRs</a:t>
             </a:r>
             <a:endParaRPr lang="en-US" sz="1800" dirty="0"/>
           </a:p>
@@ -5313,7 +11787,7 @@
                   <a:srgbClr val="111111"/>
                 </a:solidFill>
               </a:rPr>
-              <a:t>• Exam engine with reporting, charts, and ML analysis</a:t>
+              <a:t>• Build and smoke tests</a:t>
             </a:r>
             <a:endParaRPr lang="en-US" sz="1800" dirty="0"/>
           </a:p>
@@ -5327,7 +11801,410 @@
                   <a:srgbClr val="111111"/>
                 </a:solidFill>
               </a:rPr>
-              <a:t>• Modern, responsive UI for students and admins</a:t>
+              <a:t>• Planned e2e for key flows</a:t>
+            </a:r>
+            <a:endParaRPr lang="en-US" sz="1800" dirty="0"/>
+          </a:p>
+        </p:txBody>
+      </p:sp>
+    </p:spTree>
+  </p:cSld>
+  <p:clrMapOvr>
+    <a:masterClrMapping/>
+  </p:clrMapOvr>
+</p:sld>
+</file>
+
+<file path=ppt/slides/slide36.xml><?xml version="1.0" encoding="utf-8"?>
+<p:sld xmlns:a="http://schemas.openxmlformats.org/drawingml/2006/main" xmlns:r="http://schemas.openxmlformats.org/officeDocument/2006/relationships" xmlns:p="http://schemas.openxmlformats.org/presentationml/2006/main">
+  <p:cSld name="Slide 36">
+    <p:spTree>
+      <p:nvGrpSpPr>
+        <p:cNvPr id="1" name=""/>
+        <p:cNvGrpSpPr/>
+        <p:nvPr/>
+      </p:nvGrpSpPr>
+      <p:grpSpPr>
+        <a:xfrm>
+          <a:off x="0" y="0"/>
+          <a:ext cx="0" cy="0"/>
+          <a:chOff x="0" y="0"/>
+          <a:chExt cx="0" cy="0"/>
+        </a:xfrm>
+      </p:grpSpPr>
+      <p:sp>
+        <p:nvSpPr>
+          <p:cNvPr id="2" name="Text 0"/>
+          <p:cNvSpPr/>
+          <p:nvPr/>
+        </p:nvSpPr>
+        <p:spPr>
+          <a:xfrm>
+            <a:off x="457200" y="457200"/>
+            <a:ext cx="8229600" cy="640080"/>
+          </a:xfrm>
+          <a:prstGeom prst="rect">
+            <a:avLst/>
+          </a:prstGeom>
+          <a:noFill/>
+          <a:ln/>
+        </p:spPr>
+        <p:txBody>
+          <a:bodyPr wrap="square" rtlCol="0" anchor="ctr"/>
+          <a:lstStyle/>
+          <a:p>
+            <a:pPr indent="0" marL="0">
+              <a:buNone/>
+            </a:pPr>
+            <a:r>
+              <a:rPr lang="en-US" sz="2600" b="1" dirty="0">
+                <a:solidFill>
+                  <a:srgbClr val="203040"/>
+                </a:solidFill>
+              </a:rPr>
+              <a:t>Accessibility &amp; Performance</a:t>
+            </a:r>
+            <a:endParaRPr lang="en-US" sz="2600" dirty="0"/>
+          </a:p>
+        </p:txBody>
+      </p:sp>
+      <p:sp>
+        <p:nvSpPr>
+          <p:cNvPr id="3" name="Text 1"/>
+          <p:cNvSpPr/>
+          <p:nvPr/>
+        </p:nvSpPr>
+        <p:spPr>
+          <a:xfrm>
+            <a:off x="731520" y="1280160"/>
+            <a:ext cx="7772400" cy="4114800"/>
+          </a:xfrm>
+          <a:prstGeom prst="rect">
+            <a:avLst/>
+          </a:prstGeom>
+          <a:noFill/>
+          <a:ln/>
+        </p:spPr>
+        <p:txBody>
+          <a:bodyPr wrap="square" rtlCol="0" anchor="ctr"/>
+          <a:lstStyle/>
+          <a:p>
+            <a:pPr indent="0" marL="0">
+              <a:buNone/>
+            </a:pPr>
+            <a:r>
+              <a:rPr lang="en-US" sz="1800" dirty="0">
+                <a:solidFill>
+                  <a:srgbClr val="111111"/>
+                </a:solidFill>
+              </a:rPr>
+              <a:t>• Keyboard navigation and ARIA labels</a:t>
+            </a:r>
+            <a:endParaRPr lang="en-US" sz="1800" dirty="0"/>
+          </a:p>
+          <a:p>
+            <a:pPr indent="0" marL="0">
+              <a:buNone/>
+            </a:pPr>
+            <a:r>
+              <a:rPr lang="en-US" sz="1800" dirty="0">
+                <a:solidFill>
+                  <a:srgbClr val="111111"/>
+                </a:solidFill>
+              </a:rPr>
+              <a:t>• Color contrast and focus states</a:t>
+            </a:r>
+            <a:endParaRPr lang="en-US" sz="1800" dirty="0"/>
+          </a:p>
+          <a:p>
+            <a:pPr indent="0" marL="0">
+              <a:buNone/>
+            </a:pPr>
+            <a:r>
+              <a:rPr lang="en-US" sz="1800" dirty="0">
+                <a:solidFill>
+                  <a:srgbClr val="111111"/>
+                </a:solidFill>
+              </a:rPr>
+              <a:t>• Lighthouse performance targets</a:t>
+            </a:r>
+            <a:endParaRPr lang="en-US" sz="1800" dirty="0"/>
+          </a:p>
+        </p:txBody>
+      </p:sp>
+    </p:spTree>
+  </p:cSld>
+  <p:clrMapOvr>
+    <a:masterClrMapping/>
+  </p:clrMapOvr>
+</p:sld>
+</file>
+
+<file path=ppt/slides/slide37.xml><?xml version="1.0" encoding="utf-8"?>
+<p:sld xmlns:a="http://schemas.openxmlformats.org/drawingml/2006/main" xmlns:r="http://schemas.openxmlformats.org/officeDocument/2006/relationships" xmlns:p="http://schemas.openxmlformats.org/presentationml/2006/main">
+  <p:cSld name="Slide 37">
+    <p:spTree>
+      <p:nvGrpSpPr>
+        <p:cNvPr id="1" name=""/>
+        <p:cNvGrpSpPr/>
+        <p:nvPr/>
+      </p:nvGrpSpPr>
+      <p:grpSpPr>
+        <a:xfrm>
+          <a:off x="0" y="0"/>
+          <a:ext cx="0" cy="0"/>
+          <a:chOff x="0" y="0"/>
+          <a:chExt cx="0" cy="0"/>
+        </a:xfrm>
+      </p:grpSpPr>
+      <p:sp>
+        <p:nvSpPr>
+          <p:cNvPr id="2" name="Text 0"/>
+          <p:cNvSpPr/>
+          <p:nvPr/>
+        </p:nvSpPr>
+        <p:spPr>
+          <a:xfrm>
+            <a:off x="457200" y="457200"/>
+            <a:ext cx="8229600" cy="640080"/>
+          </a:xfrm>
+          <a:prstGeom prst="rect">
+            <a:avLst/>
+          </a:prstGeom>
+          <a:noFill/>
+          <a:ln/>
+        </p:spPr>
+        <p:txBody>
+          <a:bodyPr wrap="square" rtlCol="0" anchor="ctr"/>
+          <a:lstStyle/>
+          <a:p>
+            <a:pPr indent="0" marL="0">
+              <a:buNone/>
+            </a:pPr>
+            <a:r>
+              <a:rPr lang="en-US" sz="2600" b="1" dirty="0">
+                <a:solidFill>
+                  <a:srgbClr val="203040"/>
+                </a:solidFill>
+              </a:rPr>
+              <a:t>Roadmap &amp; Deployment</a:t>
+            </a:r>
+            <a:endParaRPr lang="en-US" sz="2600" dirty="0"/>
+          </a:p>
+        </p:txBody>
+      </p:sp>
+      <p:sp>
+        <p:nvSpPr>
+          <p:cNvPr id="3" name="Text 1"/>
+          <p:cNvSpPr/>
+          <p:nvPr/>
+        </p:nvSpPr>
+        <p:spPr>
+          <a:xfrm>
+            <a:off x="731520" y="1280160"/>
+            <a:ext cx="7772400" cy="4114800"/>
+          </a:xfrm>
+          <a:prstGeom prst="rect">
+            <a:avLst/>
+          </a:prstGeom>
+          <a:noFill/>
+          <a:ln/>
+        </p:spPr>
+        <p:txBody>
+          <a:bodyPr wrap="square" rtlCol="0" anchor="ctr"/>
+          <a:lstStyle/>
+          <a:p>
+            <a:pPr indent="0" marL="0">
+              <a:buNone/>
+            </a:pPr>
+            <a:r>
+              <a:rPr lang="en-US" sz="1800" dirty="0">
+                <a:solidFill>
+                  <a:srgbClr val="111111"/>
+                </a:solidFill>
+              </a:rPr>
+              <a:t>• Implement full auth backend and RBAC guards</a:t>
+            </a:r>
+            <a:endParaRPr lang="en-US" sz="1800" dirty="0"/>
+          </a:p>
+          <a:p>
+            <a:pPr indent="0" marL="0">
+              <a:buNone/>
+            </a:pPr>
+            <a:r>
+              <a:rPr lang="en-US" sz="1800" dirty="0">
+                <a:solidFill>
+                  <a:srgbClr val="111111"/>
+                </a:solidFill>
+              </a:rPr>
+              <a:t>• Complete Admin CRUD and Student data wiring</a:t>
+            </a:r>
+            <a:endParaRPr lang="en-US" sz="1800" dirty="0"/>
+          </a:p>
+          <a:p>
+            <a:pPr indent="0" marL="0">
+              <a:buNone/>
+            </a:pPr>
+            <a:r>
+              <a:rPr lang="en-US" sz="1800" dirty="0">
+                <a:solidFill>
+                  <a:srgbClr val="111111"/>
+                </a:solidFill>
+              </a:rPr>
+              <a:t>• Integrate ML analysis end-to-end</a:t>
+            </a:r>
+            <a:endParaRPr lang="en-US" sz="1800" dirty="0"/>
+          </a:p>
+          <a:p>
+            <a:pPr indent="0" marL="0">
+              <a:buNone/>
+            </a:pPr>
+            <a:r>
+              <a:rPr lang="en-US" sz="1800" dirty="0">
+                <a:solidFill>
+                  <a:srgbClr val="111111"/>
+                </a:solidFill>
+              </a:rPr>
+              <a:t>• Add CI, tests, and deployment (Vercel)</a:t>
+            </a:r>
+            <a:endParaRPr lang="en-US" sz="1800" dirty="0"/>
+          </a:p>
+          <a:p>
+            <a:pPr indent="0" marL="0">
+              <a:buNone/>
+            </a:pPr>
+            <a:r>
+              <a:rPr lang="en-US" sz="1800" dirty="0">
+                <a:solidFill>
+                  <a:srgbClr val="111111"/>
+                </a:solidFill>
+              </a:rPr>
+              <a:t>• Prepare demo walkthrough and documentation</a:t>
+            </a:r>
+            <a:endParaRPr lang="en-US" sz="1800" dirty="0"/>
+          </a:p>
+        </p:txBody>
+      </p:sp>
+    </p:spTree>
+  </p:cSld>
+  <p:clrMapOvr>
+    <a:masterClrMapping/>
+  </p:clrMapOvr>
+</p:sld>
+</file>
+
+<file path=ppt/slides/slide38.xml><?xml version="1.0" encoding="utf-8"?>
+<p:sld xmlns:a="http://schemas.openxmlformats.org/drawingml/2006/main" xmlns:r="http://schemas.openxmlformats.org/officeDocument/2006/relationships" xmlns:p="http://schemas.openxmlformats.org/presentationml/2006/main">
+  <p:cSld name="Slide 38">
+    <p:spTree>
+      <p:nvGrpSpPr>
+        <p:cNvPr id="1" name=""/>
+        <p:cNvGrpSpPr/>
+        <p:nvPr/>
+      </p:nvGrpSpPr>
+      <p:grpSpPr>
+        <a:xfrm>
+          <a:off x="0" y="0"/>
+          <a:ext cx="0" cy="0"/>
+          <a:chOff x="0" y="0"/>
+          <a:chExt cx="0" cy="0"/>
+        </a:xfrm>
+      </p:grpSpPr>
+      <p:sp>
+        <p:nvSpPr>
+          <p:cNvPr id="2" name="Text 0"/>
+          <p:cNvSpPr/>
+          <p:nvPr/>
+        </p:nvSpPr>
+        <p:spPr>
+          <a:xfrm>
+            <a:off x="457200" y="457200"/>
+            <a:ext cx="8229600" cy="640080"/>
+          </a:xfrm>
+          <a:prstGeom prst="rect">
+            <a:avLst/>
+          </a:prstGeom>
+          <a:noFill/>
+          <a:ln/>
+        </p:spPr>
+        <p:txBody>
+          <a:bodyPr wrap="square" rtlCol="0" anchor="ctr"/>
+          <a:lstStyle/>
+          <a:p>
+            <a:pPr indent="0" marL="0">
+              <a:buNone/>
+            </a:pPr>
+            <a:r>
+              <a:rPr lang="en-US" sz="2600" b="1" dirty="0">
+                <a:solidFill>
+                  <a:srgbClr val="203040"/>
+                </a:solidFill>
+              </a:rPr>
+              <a:t>Summary &amp; Ask</a:t>
+            </a:r>
+            <a:endParaRPr lang="en-US" sz="2600" dirty="0"/>
+          </a:p>
+        </p:txBody>
+      </p:sp>
+      <p:sp>
+        <p:nvSpPr>
+          <p:cNvPr id="3" name="Text 1"/>
+          <p:cNvSpPr/>
+          <p:nvPr/>
+        </p:nvSpPr>
+        <p:spPr>
+          <a:xfrm>
+            <a:off x="731520" y="1280160"/>
+            <a:ext cx="7772400" cy="4114800"/>
+          </a:xfrm>
+          <a:prstGeom prst="rect">
+            <a:avLst/>
+          </a:prstGeom>
+          <a:noFill/>
+          <a:ln/>
+        </p:spPr>
+        <p:txBody>
+          <a:bodyPr wrap="square" rtlCol="0" anchor="ctr"/>
+          <a:lstStyle/>
+          <a:p>
+            <a:pPr indent="0" marL="0">
+              <a:buNone/>
+            </a:pPr>
+            <a:r>
+              <a:rPr lang="en-US" sz="1800" dirty="0">
+                <a:solidFill>
+                  <a:srgbClr val="111111"/>
+                </a:solidFill>
+              </a:rPr>
+              <a:t>• Delivering a secure, insightful e-learning experience</a:t>
+            </a:r>
+            <a:endParaRPr lang="en-US" sz="1800" dirty="0"/>
+          </a:p>
+          <a:p>
+            <a:pPr indent="0" marL="0">
+              <a:buNone/>
+            </a:pPr>
+            <a:r>
+              <a:rPr lang="en-US" sz="1800" dirty="0">
+                <a:solidFill>
+                  <a:srgbClr val="111111"/>
+                </a:solidFill>
+              </a:rPr>
+              <a:t>• Clear roadmap and measurable KPIs</a:t>
+            </a:r>
+            <a:endParaRPr lang="en-US" sz="1800" dirty="0"/>
+          </a:p>
+          <a:p>
+            <a:pPr indent="0" marL="0">
+              <a:buNone/>
+            </a:pPr>
+            <a:r>
+              <a:rPr lang="en-US" sz="1800" dirty="0">
+                <a:solidFill>
+                  <a:srgbClr val="111111"/>
+                </a:solidFill>
+              </a:rPr>
+              <a:t>• Feedback on ML scope and deployment plan appreciated</a:t>
             </a:r>
             <a:endParaRPr lang="en-US" sz="1800" dirty="0"/>
           </a:p>
@@ -5388,7 +12265,7 @@
                   <a:srgbClr val="203040"/>
                 </a:solidFill>
               </a:rPr>
-              <a:t>Architecture Overview</a:t>
+              <a:t>Solution Overview</a:t>
             </a:r>
             <a:endParaRPr lang="en-US" sz="2600" dirty="0"/>
           </a:p>
@@ -5424,7 +12301,7 @@
                   <a:srgbClr val="111111"/>
                 </a:solidFill>
               </a:rPr>
-              <a:t>• Next.js App Router for pages and APIs</a:t>
+              <a:t>• Next.js platform with role-based auth and secure APIs</a:t>
             </a:r>
             <a:endParaRPr lang="en-US" sz="1800" dirty="0"/>
           </a:p>
@@ -5438,7 +12315,7 @@
                   <a:srgbClr val="111111"/>
                 </a:solidFill>
               </a:rPr>
-              <a:t>• JWT-based authentication with middleware protection</a:t>
+              <a:t>• Exam engine with reporting, charts, and ML analysis</a:t>
             </a:r>
             <a:endParaRPr lang="en-US" sz="1800" dirty="0"/>
           </a:p>
@@ -5452,7 +12329,7 @@
                   <a:srgbClr val="111111"/>
                 </a:solidFill>
               </a:rPr>
-              <a:t>• MongoDB-ready models and services (planned integration)</a:t>
+              <a:t>• Modern, responsive UI for students and admins</a:t>
             </a:r>
             <a:endParaRPr lang="en-US" sz="1800" dirty="0"/>
           </a:p>
@@ -5513,7 +12390,7 @@
                   <a:srgbClr val="203040"/>
                 </a:solidFill>
               </a:rPr>
-              <a:t>Tech Stack</a:t>
+              <a:t>Architecture Overview</a:t>
             </a:r>
             <a:endParaRPr lang="en-US" sz="2600" dirty="0"/>
           </a:p>
@@ -5549,7 +12426,7 @@
                   <a:srgbClr val="111111"/>
                 </a:solidFill>
               </a:rPr>
-              <a:t>• Next.js, React, TypeScript, Tailwind CSS, shadcn/ui</a:t>
+              <a:t>• Next.js App Router for pages and APIs</a:t>
             </a:r>
             <a:endParaRPr lang="en-US" sz="1800" dirty="0"/>
           </a:p>
@@ -5563,7 +12440,7 @@
                   <a:srgbClr val="111111"/>
                 </a:solidFill>
               </a:rPr>
-              <a:t>• Recharts for visualizations</a:t>
+              <a:t>• JWT-based authentication with middleware protection</a:t>
             </a:r>
             <a:endParaRPr lang="en-US" sz="1800" dirty="0"/>
           </a:p>
@@ -5577,7 +12454,7 @@
                   <a:srgbClr val="111111"/>
                 </a:solidFill>
               </a:rPr>
-              <a:t>• JWT auth, Node services, MongoDB (planned)</a:t>
+              <a:t>• MongoDB-ready models and services (planned integration)</a:t>
             </a:r>
             <a:endParaRPr lang="en-US" sz="1800" dirty="0"/>
           </a:p>
@@ -5638,7 +12515,7 @@
                   <a:srgbClr val="203040"/>
                 </a:solidFill>
               </a:rPr>
-              <a:t>Security &amp; Authentication</a:t>
+              <a:t>Tech Stack</a:t>
             </a:r>
             <a:endParaRPr lang="en-US" sz="2600" dirty="0"/>
           </a:p>
@@ -5674,7 +12551,7 @@
                   <a:srgbClr val="111111"/>
                 </a:solidFill>
               </a:rPr>
-              <a:t>• JWT issuance/verification and secure password hashing</a:t>
+              <a:t>• Next.js, React, TypeScript, Tailwind CSS, shadcn/ui</a:t>
             </a:r>
             <a:endParaRPr lang="en-US" sz="1800" dirty="0"/>
           </a:p>
@@ -5688,7 +12565,7 @@
                   <a:srgbClr val="111111"/>
                 </a:solidFill>
               </a:rPr>
-              <a:t>• Role-Based Access Control (RBAC) on routes and APIs</a:t>
+              <a:t>• Recharts for visualizations</a:t>
             </a:r>
             <a:endParaRPr lang="en-US" sz="1800" dirty="0"/>
           </a:p>
@@ -5702,7 +12579,7 @@
                   <a:srgbClr val="111111"/>
                 </a:solidFill>
               </a:rPr>
-              <a:t>• Centralized logging and security utilities</a:t>
+              <a:t>• JWT auth, Node services, MongoDB (planned)</a:t>
             </a:r>
             <a:endParaRPr lang="en-US" sz="1800" dirty="0"/>
           </a:p>
@@ -5741,7 +12618,7 @@
         </p:nvSpPr>
         <p:spPr>
           <a:xfrm>
-            <a:off x="457200" y="457200"/>
+            <a:off x="457200" y="365760"/>
             <a:ext cx="8229600" cy="640080"/>
           </a:xfrm>
           <a:prstGeom prst="rect">
@@ -5763,7 +12640,7 @@
                   <a:srgbClr val="203040"/>
                 </a:solidFill>
               </a:rPr>
-              <a:t>ML Analysis</a:t>
+              <a:t>Authentication &amp; RBAC</a:t>
             </a:r>
             <a:endParaRPr lang="en-US" sz="2600" dirty="0"/>
           </a:p>
@@ -5777,8 +12654,8 @@
         </p:nvSpPr>
         <p:spPr>
           <a:xfrm>
-            <a:off x="731520" y="1280160"/>
-            <a:ext cx="7772400" cy="4114800"/>
+            <a:off x="548640" y="1097280"/>
+            <a:ext cx="3931920" cy="457200"/>
           </a:xfrm>
           <a:prstGeom prst="rect">
             <a:avLst/>
@@ -5794,42 +12671,206 @@
               <a:buNone/>
             </a:pPr>
             <a:r>
-              <a:rPr lang="en-US" sz="1800" dirty="0">
+              <a:rPr lang="en-US" sz="1800" b="1" dirty="0">
+                <a:solidFill>
+                  <a:srgbClr val="1A2B49"/>
+                </a:solidFill>
+              </a:rPr>
+              <a:t>What it includes</a:t>
+            </a:r>
+            <a:endParaRPr lang="en-US" sz="1800" dirty="0"/>
+          </a:p>
+        </p:txBody>
+      </p:sp>
+      <p:sp>
+        <p:nvSpPr>
+          <p:cNvPr id="4" name="Text 2"/>
+          <p:cNvSpPr/>
+          <p:nvPr/>
+        </p:nvSpPr>
+        <p:spPr>
+          <a:xfrm>
+            <a:off x="548640" y="1554480"/>
+            <a:ext cx="3931920" cy="3657600"/>
+          </a:xfrm>
+          <a:prstGeom prst="rect">
+            <a:avLst/>
+          </a:prstGeom>
+          <a:noFill/>
+          <a:ln/>
+        </p:spPr>
+        <p:txBody>
+          <a:bodyPr wrap="square" rtlCol="0" anchor="ctr"/>
+          <a:lstStyle/>
+          <a:p>
+            <a:pPr indent="0" marL="0">
+              <a:buNone/>
+            </a:pPr>
+            <a:r>
+              <a:rPr lang="en-US" sz="1600" dirty="0">
                 <a:solidFill>
                   <a:srgbClr val="111111"/>
                 </a:solidFill>
               </a:rPr>
-              <a:t>• Category-wise performance and recommendations</a:t>
+              <a:t>• Signup/Login with form validation</a:t>
+            </a:r>
+            <a:endParaRPr lang="en-US" sz="1600" dirty="0"/>
+          </a:p>
+          <a:p>
+            <a:pPr indent="0" marL="0">
+              <a:buNone/>
+            </a:pPr>
+            <a:r>
+              <a:rPr lang="en-US" sz="1600" dirty="0">
+                <a:solidFill>
+                  <a:srgbClr val="111111"/>
+                </a:solidFill>
+              </a:rPr>
+              <a:t>• JWT issuance/verification</a:t>
+            </a:r>
+            <a:endParaRPr lang="en-US" sz="1600" dirty="0"/>
+          </a:p>
+          <a:p>
+            <a:pPr indent="0" marL="0">
+              <a:buNone/>
+            </a:pPr>
+            <a:r>
+              <a:rPr lang="en-US" sz="1600" dirty="0">
+                <a:solidFill>
+                  <a:srgbClr val="111111"/>
+                </a:solidFill>
+              </a:rPr>
+              <a:t>• Role-based route protection (Admin/Student)</a:t>
+            </a:r>
+            <a:endParaRPr lang="en-US" sz="1600" dirty="0"/>
+          </a:p>
+          <a:p>
+            <a:pPr indent="0" marL="0">
+              <a:buNone/>
+            </a:pPr>
+            <a:r>
+              <a:rPr lang="en-US" sz="1600" dirty="0">
+                <a:solidFill>
+                  <a:srgbClr val="111111"/>
+                </a:solidFill>
+              </a:rPr>
+              <a:t>• Secure middleware for API and pages</a:t>
+            </a:r>
+            <a:endParaRPr lang="en-US" sz="1600" dirty="0"/>
+          </a:p>
+        </p:txBody>
+      </p:sp>
+      <p:sp>
+        <p:nvSpPr>
+          <p:cNvPr id="5" name="Text 3"/>
+          <p:cNvSpPr/>
+          <p:nvPr/>
+        </p:nvSpPr>
+        <p:spPr>
+          <a:xfrm>
+            <a:off x="4663440" y="1097280"/>
+            <a:ext cx="3931920" cy="457200"/>
+          </a:xfrm>
+          <a:prstGeom prst="rect">
+            <a:avLst/>
+          </a:prstGeom>
+          <a:noFill/>
+          <a:ln/>
+        </p:spPr>
+        <p:txBody>
+          <a:bodyPr wrap="square" rtlCol="0" anchor="ctr"/>
+          <a:lstStyle/>
+          <a:p>
+            <a:pPr indent="0" marL="0">
+              <a:buNone/>
+            </a:pPr>
+            <a:r>
+              <a:rPr lang="en-US" sz="1800" b="1" dirty="0">
+                <a:solidFill>
+                  <a:srgbClr val="1A2B49"/>
+                </a:solidFill>
+              </a:rPr>
+              <a:t>How it helps users</a:t>
             </a:r>
             <a:endParaRPr lang="en-US" sz="1800" dirty="0"/>
           </a:p>
-          <a:p>
-            <a:pPr indent="0" marL="0">
-              <a:buNone/>
-            </a:pPr>
-            <a:r>
-              <a:rPr lang="en-US" sz="1800" dirty="0">
+        </p:txBody>
+      </p:sp>
+      <p:sp>
+        <p:nvSpPr>
+          <p:cNvPr id="6" name="Text 4"/>
+          <p:cNvSpPr/>
+          <p:nvPr/>
+        </p:nvSpPr>
+        <p:spPr>
+          <a:xfrm>
+            <a:off x="4663440" y="1554480"/>
+            <a:ext cx="3931920" cy="3657600"/>
+          </a:xfrm>
+          <a:prstGeom prst="rect">
+            <a:avLst/>
+          </a:prstGeom>
+          <a:noFill/>
+          <a:ln/>
+        </p:spPr>
+        <p:txBody>
+          <a:bodyPr wrap="square" rtlCol="0" anchor="ctr"/>
+          <a:lstStyle/>
+          <a:p>
+            <a:pPr indent="0" marL="0">
+              <a:buNone/>
+            </a:pPr>
+            <a:r>
+              <a:rPr lang="en-US" sz="1600" dirty="0">
                 <a:solidFill>
                   <a:srgbClr val="111111"/>
                 </a:solidFill>
               </a:rPr>
-              <a:t>• Strength/weakness detection and level classification</a:t>
-            </a:r>
-            <a:endParaRPr lang="en-US" sz="1800" dirty="0"/>
-          </a:p>
-          <a:p>
-            <a:pPr indent="0" marL="0">
-              <a:buNone/>
-            </a:pPr>
-            <a:r>
-              <a:rPr lang="en-US" sz="1800" dirty="0">
+              <a:t>• Keeps accounts secure and scoped to the right role</a:t>
+            </a:r>
+            <a:endParaRPr lang="en-US" sz="1600" dirty="0"/>
+          </a:p>
+          <a:p>
+            <a:pPr indent="0" marL="0">
+              <a:buNone/>
+            </a:pPr>
+            <a:r>
+              <a:rPr lang="en-US" sz="1600" dirty="0">
                 <a:solidFill>
                   <a:srgbClr val="111111"/>
                 </a:solidFill>
               </a:rPr>
-              <a:t>• Learning path suggestions based on results</a:t>
-            </a:r>
-            <a:endParaRPr lang="en-US" sz="1800" dirty="0"/>
+              <a:t>• Smooth sign-in flow builds trust and speed</a:t>
+            </a:r>
+            <a:endParaRPr lang="en-US" sz="1600" dirty="0"/>
+          </a:p>
+          <a:p>
+            <a:pPr indent="0" marL="0">
+              <a:buNone/>
+            </a:pPr>
+            <a:r>
+              <a:rPr lang="en-US" sz="1600" dirty="0">
+                <a:solidFill>
+                  <a:srgbClr val="111111"/>
+                </a:solidFill>
+              </a:rPr>
+              <a:t>• Prevents unauthorized access and data leaks</a:t>
+            </a:r>
+            <a:endParaRPr lang="en-US" sz="1600" dirty="0"/>
+          </a:p>
+          <a:p>
+            <a:pPr indent="0" marL="0">
+              <a:buNone/>
+            </a:pPr>
+            <a:r>
+              <a:rPr lang="en-US" sz="1600" dirty="0">
+                <a:solidFill>
+                  <a:srgbClr val="111111"/>
+                </a:solidFill>
+              </a:rPr>
+              <a:t>• Auditable, maintainable security boundary</a:t>
+            </a:r>
+            <a:endParaRPr lang="en-US" sz="1600" dirty="0"/>
           </a:p>
         </p:txBody>
       </p:sp>
@@ -5866,7 +12907,7 @@
         </p:nvSpPr>
         <p:spPr>
           <a:xfrm>
-            <a:off x="457200" y="457200"/>
+            <a:off x="457200" y="365760"/>
             <a:ext cx="8229600" cy="640080"/>
           </a:xfrm>
           <a:prstGeom prst="rect">
@@ -5888,36 +12929,240 @@
                   <a:srgbClr val="203040"/>
                 </a:solidFill>
               </a:rPr>
-              <a:t>Landing Page</a:t>
+              <a:t>Exam Engine</a:t>
             </a:r>
             <a:endParaRPr lang="en-US" sz="2600" dirty="0"/>
           </a:p>
         </p:txBody>
       </p:sp>
-      <p:pic>
-        <p:nvPicPr>
-          <p:cNvPr id="3" name="Image 0" descr="C:\Users\manis\Downloads\e-learning platform\docs\screenshots\landing.png">    </p:cNvPr>
-          <p:cNvPicPr>
-            <a:picLocks noChangeAspect="1"/>
-          </p:cNvPicPr>
+      <p:sp>
+        <p:nvSpPr>
+          <p:cNvPr id="3" name="Text 1"/>
+          <p:cNvSpPr/>
           <p:nvPr/>
-        </p:nvPicPr>
-        <p:blipFill>
-          <a:blip r:embed="rId1"/>
-          <a:stretch>
-            <a:fillRect/>
-          </a:stretch>
-        </p:blipFill>
+        </p:nvSpPr>
         <p:spPr>
           <a:xfrm>
-            <a:off x="457200" y="1097280"/>
-            <a:ext cx="8229600" cy="914400"/>
+            <a:off x="548640" y="1097280"/>
+            <a:ext cx="3931920" cy="457200"/>
           </a:xfrm>
           <a:prstGeom prst="rect">
             <a:avLst/>
           </a:prstGeom>
+          <a:noFill/>
+          <a:ln/>
         </p:spPr>
-      </p:pic>
+        <p:txBody>
+          <a:bodyPr wrap="square" rtlCol="0" anchor="ctr"/>
+          <a:lstStyle/>
+          <a:p>
+            <a:pPr indent="0" marL="0">
+              <a:buNone/>
+            </a:pPr>
+            <a:r>
+              <a:rPr lang="en-US" sz="1800" b="1" dirty="0">
+                <a:solidFill>
+                  <a:srgbClr val="1A2B49"/>
+                </a:solidFill>
+              </a:rPr>
+              <a:t>What it includes</a:t>
+            </a:r>
+            <a:endParaRPr lang="en-US" sz="1800" dirty="0"/>
+          </a:p>
+        </p:txBody>
+      </p:sp>
+      <p:sp>
+        <p:nvSpPr>
+          <p:cNvPr id="4" name="Text 2"/>
+          <p:cNvSpPr/>
+          <p:nvPr/>
+        </p:nvSpPr>
+        <p:spPr>
+          <a:xfrm>
+            <a:off x="548640" y="1554480"/>
+            <a:ext cx="3931920" cy="3657600"/>
+          </a:xfrm>
+          <a:prstGeom prst="rect">
+            <a:avLst/>
+          </a:prstGeom>
+          <a:noFill/>
+          <a:ln/>
+        </p:spPr>
+        <p:txBody>
+          <a:bodyPr wrap="square" rtlCol="0" anchor="ctr"/>
+          <a:lstStyle/>
+          <a:p>
+            <a:pPr indent="0" marL="0">
+              <a:buNone/>
+            </a:pPr>
+            <a:r>
+              <a:rPr lang="en-US" sz="1600" dirty="0">
+                <a:solidFill>
+                  <a:srgbClr val="111111"/>
+                </a:solidFill>
+              </a:rPr>
+              <a:t>• Timed exams with progress tracking</a:t>
+            </a:r>
+            <a:endParaRPr lang="en-US" sz="1600" dirty="0"/>
+          </a:p>
+          <a:p>
+            <a:pPr indent="0" marL="0">
+              <a:buNone/>
+            </a:pPr>
+            <a:r>
+              <a:rPr lang="en-US" sz="1600" dirty="0">
+                <a:solidFill>
+                  <a:srgbClr val="111111"/>
+                </a:solidFill>
+              </a:rPr>
+              <a:t>• Question navigation and state restore</a:t>
+            </a:r>
+            <a:endParaRPr lang="en-US" sz="1600" dirty="0"/>
+          </a:p>
+          <a:p>
+            <a:pPr indent="0" marL="0">
+              <a:buNone/>
+            </a:pPr>
+            <a:r>
+              <a:rPr lang="en-US" sz="1600" dirty="0">
+                <a:solidFill>
+                  <a:srgbClr val="111111"/>
+                </a:solidFill>
+              </a:rPr>
+              <a:t>• Auto scoring hooks and persistence models</a:t>
+            </a:r>
+            <a:endParaRPr lang="en-US" sz="1600" dirty="0"/>
+          </a:p>
+          <a:p>
+            <a:pPr indent="0" marL="0">
+              <a:buNone/>
+            </a:pPr>
+            <a:r>
+              <a:rPr lang="en-US" sz="1600" dirty="0">
+                <a:solidFill>
+                  <a:srgbClr val="111111"/>
+                </a:solidFill>
+              </a:rPr>
+              <a:t>• Practice sections (Aptitude/DSA/CS/Reasoning)</a:t>
+            </a:r>
+            <a:endParaRPr lang="en-US" sz="1600" dirty="0"/>
+          </a:p>
+        </p:txBody>
+      </p:sp>
+      <p:sp>
+        <p:nvSpPr>
+          <p:cNvPr id="5" name="Text 3"/>
+          <p:cNvSpPr/>
+          <p:nvPr/>
+        </p:nvSpPr>
+        <p:spPr>
+          <a:xfrm>
+            <a:off x="4663440" y="1097280"/>
+            <a:ext cx="3931920" cy="457200"/>
+          </a:xfrm>
+          <a:prstGeom prst="rect">
+            <a:avLst/>
+          </a:prstGeom>
+          <a:noFill/>
+          <a:ln/>
+        </p:spPr>
+        <p:txBody>
+          <a:bodyPr wrap="square" rtlCol="0" anchor="ctr"/>
+          <a:lstStyle/>
+          <a:p>
+            <a:pPr indent="0" marL="0">
+              <a:buNone/>
+            </a:pPr>
+            <a:r>
+              <a:rPr lang="en-US" sz="1800" b="1" dirty="0">
+                <a:solidFill>
+                  <a:srgbClr val="1A2B49"/>
+                </a:solidFill>
+              </a:rPr>
+              <a:t>How it helps users</a:t>
+            </a:r>
+            <a:endParaRPr lang="en-US" sz="1800" dirty="0"/>
+          </a:p>
+        </p:txBody>
+      </p:sp>
+      <p:sp>
+        <p:nvSpPr>
+          <p:cNvPr id="6" name="Text 4"/>
+          <p:cNvSpPr/>
+          <p:nvPr/>
+        </p:nvSpPr>
+        <p:spPr>
+          <a:xfrm>
+            <a:off x="4663440" y="1554480"/>
+            <a:ext cx="3931920" cy="3657600"/>
+          </a:xfrm>
+          <a:prstGeom prst="rect">
+            <a:avLst/>
+          </a:prstGeom>
+          <a:noFill/>
+          <a:ln/>
+        </p:spPr>
+        <p:txBody>
+          <a:bodyPr wrap="square" rtlCol="0" anchor="ctr"/>
+          <a:lstStyle/>
+          <a:p>
+            <a:pPr indent="0" marL="0">
+              <a:buNone/>
+            </a:pPr>
+            <a:r>
+              <a:rPr lang="en-US" sz="1600" dirty="0">
+                <a:solidFill>
+                  <a:srgbClr val="111111"/>
+                </a:solidFill>
+              </a:rPr>
+              <a:t>• Realistic exam experience boosts readiness</a:t>
+            </a:r>
+            <a:endParaRPr lang="en-US" sz="1600" dirty="0"/>
+          </a:p>
+          <a:p>
+            <a:pPr indent="0" marL="0">
+              <a:buNone/>
+            </a:pPr>
+            <a:r>
+              <a:rPr lang="en-US" sz="1600" dirty="0">
+                <a:solidFill>
+                  <a:srgbClr val="111111"/>
+                </a:solidFill>
+              </a:rPr>
+              <a:t>• No loss on refresh or disconnect</a:t>
+            </a:r>
+            <a:endParaRPr lang="en-US" sz="1600" dirty="0"/>
+          </a:p>
+          <a:p>
+            <a:pPr indent="0" marL="0">
+              <a:buNone/>
+            </a:pPr>
+            <a:r>
+              <a:rPr lang="en-US" sz="1600" dirty="0">
+                <a:solidFill>
+                  <a:srgbClr val="111111"/>
+                </a:solidFill>
+              </a:rPr>
+              <a:t>• Fast feedback for learning loops</a:t>
+            </a:r>
+            <a:endParaRPr lang="en-US" sz="1600" dirty="0"/>
+          </a:p>
+          <a:p>
+            <a:pPr indent="0" marL="0">
+              <a:buNone/>
+            </a:pPr>
+            <a:r>
+              <a:rPr lang="en-US" sz="1600" dirty="0">
+                <a:solidFill>
+                  <a:srgbClr val="111111"/>
+                </a:solidFill>
+              </a:rPr>
+              <a:t>• Targeted practice by category</a:t>
+            </a:r>
+            <a:endParaRPr lang="en-US" sz="1600" dirty="0"/>
+          </a:p>
+        </p:txBody>
+      </p:sp>
     </p:spTree>
   </p:cSld>
   <p:clrMapOvr>
@@ -5951,7 +13196,7 @@
         </p:nvSpPr>
         <p:spPr>
           <a:xfrm>
-            <a:off x="457200" y="457200"/>
+            <a:off x="457200" y="365760"/>
             <a:ext cx="8229600" cy="640080"/>
           </a:xfrm>
           <a:prstGeom prst="rect">
@@ -5973,36 +13218,240 @@
                   <a:srgbClr val="203040"/>
                 </a:solidFill>
               </a:rPr>
-              <a:t>Auth - Login</a:t>
+              <a:t>Reports &amp; Analytics</a:t>
             </a:r>
             <a:endParaRPr lang="en-US" sz="2600" dirty="0"/>
           </a:p>
         </p:txBody>
       </p:sp>
-      <p:pic>
-        <p:nvPicPr>
-          <p:cNvPr id="3" name="Image 0" descr="C:\Users\manis\Downloads\e-learning platform\docs\screenshots\auth-login.png">    </p:cNvPr>
-          <p:cNvPicPr>
-            <a:picLocks noChangeAspect="1"/>
-          </p:cNvPicPr>
+      <p:sp>
+        <p:nvSpPr>
+          <p:cNvPr id="3" name="Text 1"/>
+          <p:cNvSpPr/>
           <p:nvPr/>
-        </p:nvPicPr>
-        <p:blipFill>
-          <a:blip r:embed="rId1"/>
-          <a:stretch>
-            <a:fillRect/>
-          </a:stretch>
-        </p:blipFill>
+        </p:nvSpPr>
         <p:spPr>
           <a:xfrm>
-            <a:off x="457200" y="1097280"/>
-            <a:ext cx="8229600" cy="914400"/>
+            <a:off x="548640" y="1097280"/>
+            <a:ext cx="3931920" cy="457200"/>
           </a:xfrm>
           <a:prstGeom prst="rect">
             <a:avLst/>
           </a:prstGeom>
+          <a:noFill/>
+          <a:ln/>
         </p:spPr>
-      </p:pic>
+        <p:txBody>
+          <a:bodyPr wrap="square" rtlCol="0" anchor="ctr"/>
+          <a:lstStyle/>
+          <a:p>
+            <a:pPr indent="0" marL="0">
+              <a:buNone/>
+            </a:pPr>
+            <a:r>
+              <a:rPr lang="en-US" sz="1800" b="1" dirty="0">
+                <a:solidFill>
+                  <a:srgbClr val="1A2B49"/>
+                </a:solidFill>
+              </a:rPr>
+              <a:t>What it includes</a:t>
+            </a:r>
+            <a:endParaRPr lang="en-US" sz="1800" dirty="0"/>
+          </a:p>
+        </p:txBody>
+      </p:sp>
+      <p:sp>
+        <p:nvSpPr>
+          <p:cNvPr id="4" name="Text 2"/>
+          <p:cNvSpPr/>
+          <p:nvPr/>
+        </p:nvSpPr>
+        <p:spPr>
+          <a:xfrm>
+            <a:off x="548640" y="1554480"/>
+            <a:ext cx="3931920" cy="3657600"/>
+          </a:xfrm>
+          <a:prstGeom prst="rect">
+            <a:avLst/>
+          </a:prstGeom>
+          <a:noFill/>
+          <a:ln/>
+        </p:spPr>
+        <p:txBody>
+          <a:bodyPr wrap="square" rtlCol="0" anchor="ctr"/>
+          <a:lstStyle/>
+          <a:p>
+            <a:pPr indent="0" marL="0">
+              <a:buNone/>
+            </a:pPr>
+            <a:r>
+              <a:rPr lang="en-US" sz="1600" dirty="0">
+                <a:solidFill>
+                  <a:srgbClr val="111111"/>
+                </a:solidFill>
+              </a:rPr>
+              <a:t>• Charts and breakdowns by category</a:t>
+            </a:r>
+            <a:endParaRPr lang="en-US" sz="1600" dirty="0"/>
+          </a:p>
+          <a:p>
+            <a:pPr indent="0" marL="0">
+              <a:buNone/>
+            </a:pPr>
+            <a:r>
+              <a:rPr lang="en-US" sz="1600" dirty="0">
+                <a:solidFill>
+                  <a:srgbClr val="111111"/>
+                </a:solidFill>
+              </a:rPr>
+              <a:t>• Attempt history and comparisons</a:t>
+            </a:r>
+            <a:endParaRPr lang="en-US" sz="1600" dirty="0"/>
+          </a:p>
+          <a:p>
+            <a:pPr indent="0" marL="0">
+              <a:buNone/>
+            </a:pPr>
+            <a:r>
+              <a:rPr lang="en-US" sz="1600" dirty="0">
+                <a:solidFill>
+                  <a:srgbClr val="111111"/>
+                </a:solidFill>
+              </a:rPr>
+              <a:t>• Strength/weakness highlights</a:t>
+            </a:r>
+            <a:endParaRPr lang="en-US" sz="1600" dirty="0"/>
+          </a:p>
+          <a:p>
+            <a:pPr indent="0" marL="0">
+              <a:buNone/>
+            </a:pPr>
+            <a:r>
+              <a:rPr lang="en-US" sz="1600" dirty="0">
+                <a:solidFill>
+                  <a:srgbClr val="111111"/>
+                </a:solidFill>
+              </a:rPr>
+              <a:t>• Export-ready summary view</a:t>
+            </a:r>
+            <a:endParaRPr lang="en-US" sz="1600" dirty="0"/>
+          </a:p>
+        </p:txBody>
+      </p:sp>
+      <p:sp>
+        <p:nvSpPr>
+          <p:cNvPr id="5" name="Text 3"/>
+          <p:cNvSpPr/>
+          <p:nvPr/>
+        </p:nvSpPr>
+        <p:spPr>
+          <a:xfrm>
+            <a:off x="4663440" y="1097280"/>
+            <a:ext cx="3931920" cy="457200"/>
+          </a:xfrm>
+          <a:prstGeom prst="rect">
+            <a:avLst/>
+          </a:prstGeom>
+          <a:noFill/>
+          <a:ln/>
+        </p:spPr>
+        <p:txBody>
+          <a:bodyPr wrap="square" rtlCol="0" anchor="ctr"/>
+          <a:lstStyle/>
+          <a:p>
+            <a:pPr indent="0" marL="0">
+              <a:buNone/>
+            </a:pPr>
+            <a:r>
+              <a:rPr lang="en-US" sz="1800" b="1" dirty="0">
+                <a:solidFill>
+                  <a:srgbClr val="1A2B49"/>
+                </a:solidFill>
+              </a:rPr>
+              <a:t>How it helps users</a:t>
+            </a:r>
+            <a:endParaRPr lang="en-US" sz="1800" dirty="0"/>
+          </a:p>
+        </p:txBody>
+      </p:sp>
+      <p:sp>
+        <p:nvSpPr>
+          <p:cNvPr id="6" name="Text 4"/>
+          <p:cNvSpPr/>
+          <p:nvPr/>
+        </p:nvSpPr>
+        <p:spPr>
+          <a:xfrm>
+            <a:off x="4663440" y="1554480"/>
+            <a:ext cx="3931920" cy="3657600"/>
+          </a:xfrm>
+          <a:prstGeom prst="rect">
+            <a:avLst/>
+          </a:prstGeom>
+          <a:noFill/>
+          <a:ln/>
+        </p:spPr>
+        <p:txBody>
+          <a:bodyPr wrap="square" rtlCol="0" anchor="ctr"/>
+          <a:lstStyle/>
+          <a:p>
+            <a:pPr indent="0" marL="0">
+              <a:buNone/>
+            </a:pPr>
+            <a:r>
+              <a:rPr lang="en-US" sz="1600" dirty="0">
+                <a:solidFill>
+                  <a:srgbClr val="111111"/>
+                </a:solidFill>
+              </a:rPr>
+              <a:t>• Visual feedback makes performance obvious</a:t>
+            </a:r>
+            <a:endParaRPr lang="en-US" sz="1600" dirty="0"/>
+          </a:p>
+          <a:p>
+            <a:pPr indent="0" marL="0">
+              <a:buNone/>
+            </a:pPr>
+            <a:r>
+              <a:rPr lang="en-US" sz="1600" dirty="0">
+                <a:solidFill>
+                  <a:srgbClr val="111111"/>
+                </a:solidFill>
+              </a:rPr>
+              <a:t>• Shows progress over time for motivation</a:t>
+            </a:r>
+            <a:endParaRPr lang="en-US" sz="1600" dirty="0"/>
+          </a:p>
+          <a:p>
+            <a:pPr indent="0" marL="0">
+              <a:buNone/>
+            </a:pPr>
+            <a:r>
+              <a:rPr lang="en-US" sz="1600" dirty="0">
+                <a:solidFill>
+                  <a:srgbClr val="111111"/>
+                </a:solidFill>
+              </a:rPr>
+              <a:t>• Helps plan next steps efficiently</a:t>
+            </a:r>
+            <a:endParaRPr lang="en-US" sz="1600" dirty="0"/>
+          </a:p>
+          <a:p>
+            <a:pPr indent="0" marL="0">
+              <a:buNone/>
+            </a:pPr>
+            <a:r>
+              <a:rPr lang="en-US" sz="1600" dirty="0">
+                <a:solidFill>
+                  <a:srgbClr val="111111"/>
+                </a:solidFill>
+              </a:rPr>
+              <a:t>• Easy to share with mentors/admins</a:t>
+            </a:r>
+            <a:endParaRPr lang="en-US" sz="1600" dirty="0"/>
+          </a:p>
+        </p:txBody>
+      </p:sp>
     </p:spTree>
   </p:cSld>
   <p:clrMapOvr>
